--- a/docs/Team 4 Lab 1.pptx
+++ b/docs/Team 4 Lab 1.pptx
@@ -2,22 +2,22 @@
 <file path=ppt/presentation.xml><?xml version="1.0" encoding="utf-8"?>
 <p:presentation xmlns:a="http://schemas.openxmlformats.org/drawingml/2006/main" xmlns:r="http://schemas.openxmlformats.org/officeDocument/2006/relationships" xmlns:p="http://schemas.openxmlformats.org/presentationml/2006/main" saveSubsetFonts="1" autoCompressPictures="0">
   <p:sldMasterIdLst>
-    <p:sldMasterId id="2147483926" r:id="rId1"/>
+    <p:sldMasterId id="2147483945" r:id="rId1"/>
   </p:sldMasterIdLst>
   <p:sldIdLst>
     <p:sldId id="256" r:id="rId2"/>
     <p:sldId id="258" r:id="rId3"/>
-    <p:sldId id="262" r:id="rId4"/>
-    <p:sldId id="263" r:id="rId5"/>
-    <p:sldId id="261" r:id="rId6"/>
-    <p:sldId id="257" r:id="rId7"/>
-    <p:sldId id="266" r:id="rId8"/>
-    <p:sldId id="267" r:id="rId9"/>
-    <p:sldId id="269" r:id="rId10"/>
+    <p:sldId id="273" r:id="rId4"/>
+    <p:sldId id="262" r:id="rId5"/>
+    <p:sldId id="263" r:id="rId6"/>
+    <p:sldId id="261" r:id="rId7"/>
+    <p:sldId id="257" r:id="rId8"/>
+    <p:sldId id="266" r:id="rId9"/>
+    <p:sldId id="267" r:id="rId10"/>
     <p:sldId id="270" r:id="rId11"/>
-    <p:sldId id="271" r:id="rId12"/>
-    <p:sldId id="268" r:id="rId13"/>
-    <p:sldId id="272" r:id="rId14"/>
+    <p:sldId id="269" r:id="rId12"/>
+    <p:sldId id="272" r:id="rId13"/>
+    <p:sldId id="268" r:id="rId14"/>
     <p:sldId id="259" r:id="rId15"/>
     <p:sldId id="260" r:id="rId16"/>
   </p:sldIdLst>
@@ -118,6 +118,11 @@
       </a:defRPr>
     </a:lvl9pPr>
   </p:defaultTextStyle>
+  <p:extLst>
+    <p:ext uri="{EFAFB233-063F-42B5-8137-9DF3F51BA10A}">
+      <p15:sldGuideLst xmlns:p15="http://schemas.microsoft.com/office/powerpoint/2012/main"/>
+    </p:ext>
+  </p:extLst>
 </p:presentation>
 </file>
 
@@ -5798,7 +5803,7 @@
         <a:lstStyle/>
         <a:p>
           <a:r>
-            <a:rPr lang="en-US"/>
+            <a:rPr lang="en-US" dirty="0"/>
             <a:t>GIS data – Area?</a:t>
           </a:r>
         </a:p>
@@ -5834,7 +5839,7 @@
         <a:lstStyle/>
         <a:p>
           <a:r>
-            <a:rPr lang="en-US"/>
+            <a:rPr lang="en-US" dirty="0"/>
             <a:t>School District / Tax (Licking, Morrow, Hocking, Franklin)</a:t>
           </a:r>
         </a:p>
@@ -5870,7 +5875,7 @@
         <a:lstStyle/>
         <a:p>
           <a:r>
-            <a:rPr lang="en-US"/>
+            <a:rPr lang="en-US" dirty="0"/>
             <a:t>Neighborhood Codes </a:t>
           </a:r>
         </a:p>
@@ -5906,8 +5911,16 @@
         <a:lstStyle/>
         <a:p>
           <a:r>
-            <a:rPr lang="en-US"/>
-            <a:t>Remove ValidSale = NO (ex., Morrow has NO for 100 rows)</a:t>
+            <a:rPr lang="en-US" dirty="0"/>
+            <a:t>Remove </a:t>
+          </a:r>
+          <a:r>
+            <a:rPr lang="en-US" dirty="0" err="1"/>
+            <a:t>ValidSale</a:t>
+          </a:r>
+          <a:r>
+            <a:rPr lang="en-US" dirty="0"/>
+            <a:t> = NO (ex., Morrow has NO for 100 rows)</a:t>
           </a:r>
         </a:p>
       </dgm:t>
@@ -5942,7 +5955,7 @@
         <a:lstStyle/>
         <a:p>
           <a:r>
-            <a:rPr lang="en-US"/>
+            <a:rPr lang="en-US" dirty="0"/>
             <a:t>Beautification of visualizations (ex., formatting sales amounts)</a:t>
           </a:r>
         </a:p>
@@ -7187,7 +7200,7 @@
         <a:p>
           <a:r>
             <a:rPr lang="en-US" dirty="0"/>
-            <a:t>Extraneous columns</a:t>
+            <a:t>Extraneous&amp; duplicate columns</a:t>
           </a:r>
         </a:p>
       </dgm:t>
@@ -7231,10 +7244,24 @@
     <dgm:pt modelId="{299BB3F2-9836-CE41-BCD0-6D41B1678AD5}" type="parTrans" cxnId="{EB23804E-E94F-454F-90AF-3D9412914498}">
       <dgm:prSet/>
       <dgm:spPr/>
+      <dgm:t>
+        <a:bodyPr/>
+        <a:lstStyle/>
+        <a:p>
+          <a:endParaRPr lang="en-US"/>
+        </a:p>
+      </dgm:t>
     </dgm:pt>
     <dgm:pt modelId="{E1C78585-75A2-3348-A409-77CCA3B0A9E5}" type="sibTrans" cxnId="{EB23804E-E94F-454F-90AF-3D9412914498}">
       <dgm:prSet/>
       <dgm:spPr/>
+      <dgm:t>
+        <a:bodyPr/>
+        <a:lstStyle/>
+        <a:p>
+          <a:endParaRPr lang="en-US"/>
+        </a:p>
+      </dgm:t>
     </dgm:pt>
     <dgm:pt modelId="{A6B923B4-A766-C945-9E49-3F975957608D}">
       <dgm:prSet/>
@@ -7253,10 +7280,24 @@
     <dgm:pt modelId="{C171B2E8-F0BA-9C4B-89FA-FDD56C239614}" type="parTrans" cxnId="{B5D92AE7-1172-5E4C-8852-B541995911BB}">
       <dgm:prSet/>
       <dgm:spPr/>
+      <dgm:t>
+        <a:bodyPr/>
+        <a:lstStyle/>
+        <a:p>
+          <a:endParaRPr lang="en-US"/>
+        </a:p>
+      </dgm:t>
     </dgm:pt>
     <dgm:pt modelId="{F8EB4B7A-2E15-0242-9CAB-4BD258618298}" type="sibTrans" cxnId="{B5D92AE7-1172-5E4C-8852-B541995911BB}">
       <dgm:prSet/>
       <dgm:spPr/>
+      <dgm:t>
+        <a:bodyPr/>
+        <a:lstStyle/>
+        <a:p>
+          <a:endParaRPr lang="en-US"/>
+        </a:p>
+      </dgm:t>
     </dgm:pt>
     <dgm:pt modelId="{B8C36A48-C3CB-2641-AA6F-A25EBE958F47}">
       <dgm:prSet/>
@@ -7275,10 +7316,101 @@
     <dgm:pt modelId="{109A6399-A2C1-5B45-A20B-82BCD193E120}" type="parTrans" cxnId="{CD3A4196-0562-6E4C-850A-DDDF097CB9A5}">
       <dgm:prSet/>
       <dgm:spPr/>
+      <dgm:t>
+        <a:bodyPr/>
+        <a:lstStyle/>
+        <a:p>
+          <a:endParaRPr lang="en-US"/>
+        </a:p>
+      </dgm:t>
     </dgm:pt>
     <dgm:pt modelId="{5A397D24-3E1E-5749-97F6-2F01D1622C01}" type="sibTrans" cxnId="{CD3A4196-0562-6E4C-850A-DDDF097CB9A5}">
       <dgm:prSet/>
       <dgm:spPr/>
+      <dgm:t>
+        <a:bodyPr/>
+        <a:lstStyle/>
+        <a:p>
+          <a:endParaRPr lang="en-US"/>
+        </a:p>
+      </dgm:t>
+    </dgm:pt>
+    <dgm:pt modelId="{3783F72F-D97E-0749-9A86-75B629BE9BC2}">
+      <dgm:prSet/>
+      <dgm:spPr/>
+      <dgm:t>
+        <a:bodyPr/>
+        <a:lstStyle/>
+        <a:p>
+          <a:r>
+            <a:rPr lang="en-US" dirty="0"/>
+            <a:t>Missing / inconsistent data</a:t>
+          </a:r>
+        </a:p>
+      </dgm:t>
+    </dgm:pt>
+    <dgm:pt modelId="{81D1FADE-0153-AE4A-BAFE-13FA60E363BC}" type="parTrans" cxnId="{3273E825-C530-9B48-9FB1-60E3EB0D9F87}">
+      <dgm:prSet/>
+      <dgm:spPr/>
+      <dgm:t>
+        <a:bodyPr/>
+        <a:lstStyle/>
+        <a:p>
+          <a:endParaRPr lang="en-US"/>
+        </a:p>
+      </dgm:t>
+    </dgm:pt>
+    <dgm:pt modelId="{8BA0185A-DF62-DD47-A6FA-C0AF72D5265E}" type="sibTrans" cxnId="{3273E825-C530-9B48-9FB1-60E3EB0D9F87}">
+      <dgm:prSet/>
+      <dgm:spPr/>
+      <dgm:t>
+        <a:bodyPr/>
+        <a:lstStyle/>
+        <a:p>
+          <a:endParaRPr lang="en-US"/>
+        </a:p>
+      </dgm:t>
+    </dgm:pt>
+    <dgm:pt modelId="{10708CAF-5F7C-1349-BF89-D494C777F359}">
+      <dgm:prSet/>
+      <dgm:spPr/>
+      <dgm:t>
+        <a:bodyPr/>
+        <a:lstStyle/>
+        <a:p>
+          <a:r>
+            <a:rPr lang="en-US" dirty="0"/>
+            <a:t>Ex., Missing </a:t>
+          </a:r>
+          <a:r>
+            <a:rPr lang="en-US" dirty="0" err="1"/>
+            <a:t>LandUse</a:t>
+          </a:r>
+          <a:endParaRPr lang="en-US" dirty="0"/>
+        </a:p>
+      </dgm:t>
+    </dgm:pt>
+    <dgm:pt modelId="{E29461F0-BFCF-8848-9A48-195C48E63DB8}" type="parTrans" cxnId="{2B929FC1-217D-6F45-9237-D404D810B5E2}">
+      <dgm:prSet/>
+      <dgm:spPr/>
+      <dgm:t>
+        <a:bodyPr/>
+        <a:lstStyle/>
+        <a:p>
+          <a:endParaRPr lang="en-US"/>
+        </a:p>
+      </dgm:t>
+    </dgm:pt>
+    <dgm:pt modelId="{1E4EF67F-79C4-BF45-808B-C1C46B7A3711}" type="sibTrans" cxnId="{2B929FC1-217D-6F45-9237-D404D810B5E2}">
+      <dgm:prSet/>
+      <dgm:spPr/>
+      <dgm:t>
+        <a:bodyPr/>
+        <a:lstStyle/>
+        <a:p>
+          <a:endParaRPr lang="en-US"/>
+        </a:p>
+      </dgm:t>
     </dgm:pt>
     <dgm:pt modelId="{85F9CB5E-8F0B-B542-B3A8-99AEA5FAF5E6}" type="pres">
       <dgm:prSet presAssocID="{EC1DFBE0-DAA2-4B10-8E8A-2A1B348C4A53}" presName="Name0" presStyleCnt="0">
@@ -7290,16 +7422,36 @@
       </dgm:prSet>
       <dgm:spPr/>
     </dgm:pt>
-    <dgm:pt modelId="{4BE2B8C8-C956-3345-91FA-12A6B1DB87F2}" type="pres">
-      <dgm:prSet presAssocID="{C463A361-0DA8-4DA0-96D4-416076B813CE}" presName="boxAndChildren" presStyleCnt="0"/>
-      <dgm:spPr/>
-    </dgm:pt>
-    <dgm:pt modelId="{B729A3A9-8BD5-6645-ADCD-380ACAF07F54}" type="pres">
-      <dgm:prSet presAssocID="{C463A361-0DA8-4DA0-96D4-416076B813CE}" presName="parentTextBox" presStyleLbl="alignNode1" presStyleIdx="0" presStyleCnt="3"/>
-      <dgm:spPr/>
-    </dgm:pt>
-    <dgm:pt modelId="{D8069CBB-6999-754B-9CAE-5666BBFCEC1E}" type="pres">
-      <dgm:prSet presAssocID="{C463A361-0DA8-4DA0-96D4-416076B813CE}" presName="descendantBox" presStyleLbl="bgAccFollowNode1" presStyleIdx="0" presStyleCnt="3"/>
+    <dgm:pt modelId="{852C04B0-C008-B84F-8636-8178E90B2CFD}" type="pres">
+      <dgm:prSet presAssocID="{3783F72F-D97E-0749-9A86-75B629BE9BC2}" presName="boxAndChildren" presStyleCnt="0"/>
+      <dgm:spPr/>
+    </dgm:pt>
+    <dgm:pt modelId="{89AD44BE-3D68-A140-8134-8FDA8D0E9568}" type="pres">
+      <dgm:prSet presAssocID="{3783F72F-D97E-0749-9A86-75B629BE9BC2}" presName="parentTextBox" presStyleLbl="alignNode1" presStyleIdx="0" presStyleCnt="4"/>
+      <dgm:spPr/>
+    </dgm:pt>
+    <dgm:pt modelId="{AEBED8D7-1A7B-2044-B251-2D879BA646F3}" type="pres">
+      <dgm:prSet presAssocID="{3783F72F-D97E-0749-9A86-75B629BE9BC2}" presName="descendantBox" presStyleLbl="bgAccFollowNode1" presStyleIdx="0" presStyleCnt="4"/>
+      <dgm:spPr/>
+    </dgm:pt>
+    <dgm:pt modelId="{C38FE4DC-4EF0-C04B-BE52-C5C5D2E1F1E1}" type="pres">
+      <dgm:prSet presAssocID="{36A79A53-7953-47A4-9FF9-EB7D849103E1}" presName="sp" presStyleCnt="0"/>
+      <dgm:spPr/>
+    </dgm:pt>
+    <dgm:pt modelId="{33C4C9D3-E512-E84A-A398-F8BE51ED9D89}" type="pres">
+      <dgm:prSet presAssocID="{C463A361-0DA8-4DA0-96D4-416076B813CE}" presName="arrowAndChildren" presStyleCnt="0"/>
+      <dgm:spPr/>
+    </dgm:pt>
+    <dgm:pt modelId="{1D27ECA7-A8A9-0443-AD71-C185F729E42A}" type="pres">
+      <dgm:prSet presAssocID="{C463A361-0DA8-4DA0-96D4-416076B813CE}" presName="parentTextArrow" presStyleLbl="node1" presStyleIdx="0" presStyleCnt="0"/>
+      <dgm:spPr/>
+    </dgm:pt>
+    <dgm:pt modelId="{A7D4B1E3-1B9C-FB4E-A059-2AE73927E3E4}" type="pres">
+      <dgm:prSet presAssocID="{C463A361-0DA8-4DA0-96D4-416076B813CE}" presName="arrow" presStyleLbl="alignNode1" presStyleIdx="1" presStyleCnt="4"/>
+      <dgm:spPr/>
+    </dgm:pt>
+    <dgm:pt modelId="{A667DCE4-B6F2-E344-85E2-1732BC678AE7}" type="pres">
+      <dgm:prSet presAssocID="{C463A361-0DA8-4DA0-96D4-416076B813CE}" presName="descendantArrow" presStyleLbl="bgAccFollowNode1" presStyleIdx="1" presStyleCnt="4"/>
       <dgm:spPr/>
     </dgm:pt>
     <dgm:pt modelId="{7836204B-BB97-DA45-AD7E-5A35EA48F967}" type="pres">
@@ -7315,11 +7467,11 @@
       <dgm:spPr/>
     </dgm:pt>
     <dgm:pt modelId="{22864D99-1B9E-4946-A54D-7FB01F72FF9C}" type="pres">
-      <dgm:prSet presAssocID="{E8246E1B-EDFE-471E-AEEC-3FA780E49EBC}" presName="arrow" presStyleLbl="alignNode1" presStyleIdx="1" presStyleCnt="3"/>
+      <dgm:prSet presAssocID="{E8246E1B-EDFE-471E-AEEC-3FA780E49EBC}" presName="arrow" presStyleLbl="alignNode1" presStyleIdx="2" presStyleCnt="4"/>
       <dgm:spPr/>
     </dgm:pt>
     <dgm:pt modelId="{49A4D71C-A340-254F-B81E-E4C39273157E}" type="pres">
-      <dgm:prSet presAssocID="{E8246E1B-EDFE-471E-AEEC-3FA780E49EBC}" presName="descendantArrow" presStyleLbl="bgAccFollowNode1" presStyleIdx="1" presStyleCnt="3"/>
+      <dgm:prSet presAssocID="{E8246E1B-EDFE-471E-AEEC-3FA780E49EBC}" presName="descendantArrow" presStyleLbl="bgAccFollowNode1" presStyleIdx="2" presStyleCnt="4"/>
       <dgm:spPr/>
     </dgm:pt>
     <dgm:pt modelId="{E878E3AB-9420-1648-B035-5A17B40D2ECE}" type="pres">
@@ -7335,42 +7487,52 @@
       <dgm:spPr/>
     </dgm:pt>
     <dgm:pt modelId="{5FE31BDE-2103-B44C-95CA-774CA3D9D77E}" type="pres">
-      <dgm:prSet presAssocID="{63A470ED-A414-457F-9811-9666917432B0}" presName="arrow" presStyleLbl="alignNode1" presStyleIdx="2" presStyleCnt="3"/>
+      <dgm:prSet presAssocID="{63A470ED-A414-457F-9811-9666917432B0}" presName="arrow" presStyleLbl="alignNode1" presStyleIdx="3" presStyleCnt="4"/>
       <dgm:spPr/>
     </dgm:pt>
     <dgm:pt modelId="{E8253855-FC7D-3047-9ECF-6F5635667838}" type="pres">
-      <dgm:prSet presAssocID="{63A470ED-A414-457F-9811-9666917432B0}" presName="descendantArrow" presStyleLbl="bgAccFollowNode1" presStyleIdx="2" presStyleCnt="3"/>
+      <dgm:prSet presAssocID="{63A470ED-A414-457F-9811-9666917432B0}" presName="descendantArrow" presStyleLbl="bgAccFollowNode1" presStyleIdx="3" presStyleCnt="4"/>
       <dgm:spPr/>
     </dgm:pt>
   </dgm:ptLst>
   <dgm:cxnLst>
     <dgm:cxn modelId="{36F9EC05-A33F-4A6A-9110-FB9C7082D122}" srcId="{EC1DFBE0-DAA2-4B10-8E8A-2A1B348C4A53}" destId="{63A470ED-A414-457F-9811-9666917432B0}" srcOrd="0" destOrd="0" parTransId="{3829DBEB-028A-4E11-897D-606A97DD4783}" sibTransId="{5EB56BA7-A60D-4C4A-AA65-43B79941CB41}"/>
+    <dgm:cxn modelId="{D2A1F309-1386-1F4B-9C43-2568CCFB5F21}" type="presOf" srcId="{3783F72F-D97E-0749-9A86-75B629BE9BC2}" destId="{89AD44BE-3D68-A140-8134-8FDA8D0E9568}" srcOrd="0" destOrd="0" presId="urn:microsoft.com/office/officeart/2016/7/layout/VerticalDownArrowProcess"/>
     <dgm:cxn modelId="{D040370E-29B7-9647-9694-974EBF2C023C}" type="presOf" srcId="{B8C36A48-C3CB-2641-AA6F-A25EBE958F47}" destId="{49A4D71C-A340-254F-B81E-E4C39273157E}" srcOrd="0" destOrd="0" presId="urn:microsoft.com/office/officeart/2016/7/layout/VerticalDownArrowProcess"/>
     <dgm:cxn modelId="{9279F414-0029-FF47-871E-36A22D618337}" type="presOf" srcId="{E8246E1B-EDFE-471E-AEEC-3FA780E49EBC}" destId="{22864D99-1B9E-4946-A54D-7FB01F72FF9C}" srcOrd="1" destOrd="0" presId="urn:microsoft.com/office/officeart/2016/7/layout/VerticalDownArrowProcess"/>
+    <dgm:cxn modelId="{3273E825-C530-9B48-9FB1-60E3EB0D9F87}" srcId="{EC1DFBE0-DAA2-4B10-8E8A-2A1B348C4A53}" destId="{3783F72F-D97E-0749-9A86-75B629BE9BC2}" srcOrd="3" destOrd="0" parTransId="{81D1FADE-0153-AE4A-BAFE-13FA60E363BC}" sibTransId="{8BA0185A-DF62-DD47-A6FA-C0AF72D5265E}"/>
     <dgm:cxn modelId="{96471431-CE8F-1E46-B0D6-F9ECEAED8EAC}" type="presOf" srcId="{63A470ED-A414-457F-9811-9666917432B0}" destId="{5FE31BDE-2103-B44C-95CA-774CA3D9D77E}" srcOrd="1" destOrd="0" presId="urn:microsoft.com/office/officeart/2016/7/layout/VerticalDownArrowProcess"/>
     <dgm:cxn modelId="{21D7B739-9DC7-44B7-B4BB-6C3296A62E61}" srcId="{EC1DFBE0-DAA2-4B10-8E8A-2A1B348C4A53}" destId="{E8246E1B-EDFE-471E-AEEC-3FA780E49EBC}" srcOrd="1" destOrd="0" parTransId="{33003EA8-C190-429E-9012-3BCDD936918D}" sibTransId="{0A5B7410-35DD-4E7A-9A54-6B39FA05D95D}"/>
     <dgm:cxn modelId="{EB23804E-E94F-454F-90AF-3D9412914498}" srcId="{63A470ED-A414-457F-9811-9666917432B0}" destId="{81A172FA-DCFC-C149-97DD-CA49425896FA}" srcOrd="0" destOrd="0" parTransId="{299BB3F2-9836-CE41-BCD0-6D41B1678AD5}" sibTransId="{E1C78585-75A2-3348-A409-77CCA3B0A9E5}"/>
     <dgm:cxn modelId="{80DE8660-668A-3E4D-9E96-0942E364263B}" type="presOf" srcId="{E8246E1B-EDFE-471E-AEEC-3FA780E49EBC}" destId="{7FFF925C-8696-9749-90D2-870D0E1C4193}" srcOrd="0" destOrd="0" presId="urn:microsoft.com/office/officeart/2016/7/layout/VerticalDownArrowProcess"/>
     <dgm:cxn modelId="{A623EE6D-AB18-4A0A-9E38-564CB93F6393}" srcId="{E8246E1B-EDFE-471E-AEEC-3FA780E49EBC}" destId="{460BD642-E618-495B-81D5-70122BDCACD5}" srcOrd="1" destOrd="0" parTransId="{E3C793E7-2ED4-4676-8D4B-3C072DD70752}" sibTransId="{F12B3DD0-7AE6-4C29-A9FB-F78335CE584B}"/>
+    <dgm:cxn modelId="{1CDE9676-94FD-A848-AB42-CBC344777B7A}" type="presOf" srcId="{C463A361-0DA8-4DA0-96D4-416076B813CE}" destId="{1D27ECA7-A8A9-0443-AD71-C185F729E42A}" srcOrd="0" destOrd="0" presId="urn:microsoft.com/office/officeart/2016/7/layout/VerticalDownArrowProcess"/>
+    <dgm:cxn modelId="{95A8AB7B-E5F5-A045-936A-2B4D946FC898}" type="presOf" srcId="{C463A361-0DA8-4DA0-96D4-416076B813CE}" destId="{A7D4B1E3-1B9C-FB4E-A059-2AE73927E3E4}" srcOrd="1" destOrd="0" presId="urn:microsoft.com/office/officeart/2016/7/layout/VerticalDownArrowProcess"/>
     <dgm:cxn modelId="{806F1091-6609-4EA5-B1B3-15FB8CDD854E}" srcId="{EC1DFBE0-DAA2-4B10-8E8A-2A1B348C4A53}" destId="{C463A361-0DA8-4DA0-96D4-416076B813CE}" srcOrd="2" destOrd="0" parTransId="{2023E2C3-1D22-45C2-8C8A-80202B1446A6}" sibTransId="{36A79A53-7953-47A4-9FF9-EB7D849103E1}"/>
     <dgm:cxn modelId="{10AC7495-E3CA-4649-9D12-76157441848F}" type="presOf" srcId="{63A470ED-A414-457F-9811-9666917432B0}" destId="{2EAE166A-08DA-D840-93BF-570FB0511B2A}" srcOrd="0" destOrd="0" presId="urn:microsoft.com/office/officeart/2016/7/layout/VerticalDownArrowProcess"/>
     <dgm:cxn modelId="{CD3A4196-0562-6E4C-850A-DDDF097CB9A5}" srcId="{E8246E1B-EDFE-471E-AEEC-3FA780E49EBC}" destId="{B8C36A48-C3CB-2641-AA6F-A25EBE958F47}" srcOrd="0" destOrd="0" parTransId="{109A6399-A2C1-5B45-A20B-82BCD193E120}" sibTransId="{5A397D24-3E1E-5749-97F6-2F01D1622C01}"/>
     <dgm:cxn modelId="{CE16EC97-83B2-A049-9C6D-20AB0E0B1011}" type="presOf" srcId="{460BD642-E618-495B-81D5-70122BDCACD5}" destId="{49A4D71C-A340-254F-B81E-E4C39273157E}" srcOrd="0" destOrd="1" presId="urn:microsoft.com/office/officeart/2016/7/layout/VerticalDownArrowProcess"/>
     <dgm:cxn modelId="{7A4AC79B-4759-E342-9D53-56196F9C27B7}" type="presOf" srcId="{EC1DFBE0-DAA2-4B10-8E8A-2A1B348C4A53}" destId="{85F9CB5E-8F0B-B542-B3A8-99AEA5FAF5E6}" srcOrd="0" destOrd="0" presId="urn:microsoft.com/office/officeart/2016/7/layout/VerticalDownArrowProcess"/>
-    <dgm:cxn modelId="{0FA102B9-D7E1-0E4A-B53A-6A4398DC374C}" type="presOf" srcId="{C463A361-0DA8-4DA0-96D4-416076B813CE}" destId="{B729A3A9-8BD5-6645-ADCD-380ACAF07F54}" srcOrd="0" destOrd="0" presId="urn:microsoft.com/office/officeart/2016/7/layout/VerticalDownArrowProcess"/>
+    <dgm:cxn modelId="{A661FCA1-F868-174B-9090-60EA15D27023}" type="presOf" srcId="{A6B923B4-A766-C945-9E49-3F975957608D}" destId="{A667DCE4-B6F2-E344-85E2-1732BC678AE7}" srcOrd="0" destOrd="0" presId="urn:microsoft.com/office/officeart/2016/7/layout/VerticalDownArrowProcess"/>
+    <dgm:cxn modelId="{A05202B8-F058-9043-93C2-6C8F4286DEF9}" type="presOf" srcId="{10708CAF-5F7C-1349-BF89-D494C777F359}" destId="{AEBED8D7-1A7B-2044-B251-2D879BA646F3}" srcOrd="0" destOrd="0" presId="urn:microsoft.com/office/officeart/2016/7/layout/VerticalDownArrowProcess"/>
     <dgm:cxn modelId="{F86D64B9-2206-CD4B-8D9D-5DF88CC4B752}" type="presOf" srcId="{81A172FA-DCFC-C149-97DD-CA49425896FA}" destId="{E8253855-FC7D-3047-9ECF-6F5635667838}" srcOrd="0" destOrd="0" presId="urn:microsoft.com/office/officeart/2016/7/layout/VerticalDownArrowProcess"/>
+    <dgm:cxn modelId="{2B929FC1-217D-6F45-9237-D404D810B5E2}" srcId="{3783F72F-D97E-0749-9A86-75B629BE9BC2}" destId="{10708CAF-5F7C-1349-BF89-D494C777F359}" srcOrd="0" destOrd="0" parTransId="{E29461F0-BFCF-8848-9A48-195C48E63DB8}" sibTransId="{1E4EF67F-79C4-BF45-808B-C1C46B7A3711}"/>
     <dgm:cxn modelId="{B5D92AE7-1172-5E4C-8852-B541995911BB}" srcId="{C463A361-0DA8-4DA0-96D4-416076B813CE}" destId="{A6B923B4-A766-C945-9E49-3F975957608D}" srcOrd="0" destOrd="0" parTransId="{C171B2E8-F0BA-9C4B-89FA-FDD56C239614}" sibTransId="{F8EB4B7A-2E15-0242-9CAB-4BD258618298}"/>
-    <dgm:cxn modelId="{3BBF19ED-2A36-9C4C-8851-0FFACC3B6BD3}" type="presOf" srcId="{A6B923B4-A766-C945-9E49-3F975957608D}" destId="{D8069CBB-6999-754B-9CAE-5666BBFCEC1E}" srcOrd="0" destOrd="0" presId="urn:microsoft.com/office/officeart/2016/7/layout/VerticalDownArrowProcess"/>
-    <dgm:cxn modelId="{2692FE4E-390F-A34C-B831-DD25099375B7}" type="presParOf" srcId="{85F9CB5E-8F0B-B542-B3A8-99AEA5FAF5E6}" destId="{4BE2B8C8-C956-3345-91FA-12A6B1DB87F2}" srcOrd="0" destOrd="0" presId="urn:microsoft.com/office/officeart/2016/7/layout/VerticalDownArrowProcess"/>
-    <dgm:cxn modelId="{65DC1DE9-C43E-654E-80D5-32634F7F4E42}" type="presParOf" srcId="{4BE2B8C8-C956-3345-91FA-12A6B1DB87F2}" destId="{B729A3A9-8BD5-6645-ADCD-380ACAF07F54}" srcOrd="0" destOrd="0" presId="urn:microsoft.com/office/officeart/2016/7/layout/VerticalDownArrowProcess"/>
-    <dgm:cxn modelId="{6D2A3CE7-3641-804D-9544-7560DB57F2B3}" type="presParOf" srcId="{4BE2B8C8-C956-3345-91FA-12A6B1DB87F2}" destId="{D8069CBB-6999-754B-9CAE-5666BBFCEC1E}" srcOrd="1" destOrd="0" presId="urn:microsoft.com/office/officeart/2016/7/layout/VerticalDownArrowProcess"/>
-    <dgm:cxn modelId="{4B76D283-24F5-9144-8503-5151FFBEF10C}" type="presParOf" srcId="{85F9CB5E-8F0B-B542-B3A8-99AEA5FAF5E6}" destId="{7836204B-BB97-DA45-AD7E-5A35EA48F967}" srcOrd="1" destOrd="0" presId="urn:microsoft.com/office/officeart/2016/7/layout/VerticalDownArrowProcess"/>
-    <dgm:cxn modelId="{D0DF20D3-6D3D-F74A-91A5-D95034841294}" type="presParOf" srcId="{85F9CB5E-8F0B-B542-B3A8-99AEA5FAF5E6}" destId="{9BB62295-8378-CF4D-8519-83FDC05F634F}" srcOrd="2" destOrd="0" presId="urn:microsoft.com/office/officeart/2016/7/layout/VerticalDownArrowProcess"/>
+    <dgm:cxn modelId="{9239421E-FDFE-0E41-AC93-B600BC8BBA3B}" type="presParOf" srcId="{85F9CB5E-8F0B-B542-B3A8-99AEA5FAF5E6}" destId="{852C04B0-C008-B84F-8636-8178E90B2CFD}" srcOrd="0" destOrd="0" presId="urn:microsoft.com/office/officeart/2016/7/layout/VerticalDownArrowProcess"/>
+    <dgm:cxn modelId="{ACEBA01D-0146-524F-9811-9FE12C0F7A4B}" type="presParOf" srcId="{852C04B0-C008-B84F-8636-8178E90B2CFD}" destId="{89AD44BE-3D68-A140-8134-8FDA8D0E9568}" srcOrd="0" destOrd="0" presId="urn:microsoft.com/office/officeart/2016/7/layout/VerticalDownArrowProcess"/>
+    <dgm:cxn modelId="{639E0A32-3AAC-D944-8022-892FAE43074A}" type="presParOf" srcId="{852C04B0-C008-B84F-8636-8178E90B2CFD}" destId="{AEBED8D7-1A7B-2044-B251-2D879BA646F3}" srcOrd="1" destOrd="0" presId="urn:microsoft.com/office/officeart/2016/7/layout/VerticalDownArrowProcess"/>
+    <dgm:cxn modelId="{0DFF91E7-0C08-ED45-8F44-DB8EA5AA0784}" type="presParOf" srcId="{85F9CB5E-8F0B-B542-B3A8-99AEA5FAF5E6}" destId="{C38FE4DC-4EF0-C04B-BE52-C5C5D2E1F1E1}" srcOrd="1" destOrd="0" presId="urn:microsoft.com/office/officeart/2016/7/layout/VerticalDownArrowProcess"/>
+    <dgm:cxn modelId="{0CD41906-B333-5848-BC3B-3EFB8E9150A4}" type="presParOf" srcId="{85F9CB5E-8F0B-B542-B3A8-99AEA5FAF5E6}" destId="{33C4C9D3-E512-E84A-A398-F8BE51ED9D89}" srcOrd="2" destOrd="0" presId="urn:microsoft.com/office/officeart/2016/7/layout/VerticalDownArrowProcess"/>
+    <dgm:cxn modelId="{056A191B-D3D0-C24C-82FA-A37BD21A3854}" type="presParOf" srcId="{33C4C9D3-E512-E84A-A398-F8BE51ED9D89}" destId="{1D27ECA7-A8A9-0443-AD71-C185F729E42A}" srcOrd="0" destOrd="0" presId="urn:microsoft.com/office/officeart/2016/7/layout/VerticalDownArrowProcess"/>
+    <dgm:cxn modelId="{AFA4D5C8-0F64-E146-8442-0577F141CC45}" type="presParOf" srcId="{33C4C9D3-E512-E84A-A398-F8BE51ED9D89}" destId="{A7D4B1E3-1B9C-FB4E-A059-2AE73927E3E4}" srcOrd="1" destOrd="0" presId="urn:microsoft.com/office/officeart/2016/7/layout/VerticalDownArrowProcess"/>
+    <dgm:cxn modelId="{E48B817B-6550-EE4C-B040-76D2B8C32236}" type="presParOf" srcId="{33C4C9D3-E512-E84A-A398-F8BE51ED9D89}" destId="{A667DCE4-B6F2-E344-85E2-1732BC678AE7}" srcOrd="2" destOrd="0" presId="urn:microsoft.com/office/officeart/2016/7/layout/VerticalDownArrowProcess"/>
+    <dgm:cxn modelId="{4B76D283-24F5-9144-8503-5151FFBEF10C}" type="presParOf" srcId="{85F9CB5E-8F0B-B542-B3A8-99AEA5FAF5E6}" destId="{7836204B-BB97-DA45-AD7E-5A35EA48F967}" srcOrd="3" destOrd="0" presId="urn:microsoft.com/office/officeart/2016/7/layout/VerticalDownArrowProcess"/>
+    <dgm:cxn modelId="{D0DF20D3-6D3D-F74A-91A5-D95034841294}" type="presParOf" srcId="{85F9CB5E-8F0B-B542-B3A8-99AEA5FAF5E6}" destId="{9BB62295-8378-CF4D-8519-83FDC05F634F}" srcOrd="4" destOrd="0" presId="urn:microsoft.com/office/officeart/2016/7/layout/VerticalDownArrowProcess"/>
     <dgm:cxn modelId="{95EEBBB5-D4B6-714E-BF86-9044B2C36446}" type="presParOf" srcId="{9BB62295-8378-CF4D-8519-83FDC05F634F}" destId="{7FFF925C-8696-9749-90D2-870D0E1C4193}" srcOrd="0" destOrd="0" presId="urn:microsoft.com/office/officeart/2016/7/layout/VerticalDownArrowProcess"/>
     <dgm:cxn modelId="{2F0FD45D-6D18-2C41-8DAE-0B2DD7D6BF59}" type="presParOf" srcId="{9BB62295-8378-CF4D-8519-83FDC05F634F}" destId="{22864D99-1B9E-4946-A54D-7FB01F72FF9C}" srcOrd="1" destOrd="0" presId="urn:microsoft.com/office/officeart/2016/7/layout/VerticalDownArrowProcess"/>
     <dgm:cxn modelId="{1FEE3043-A49B-4248-B8A6-721B843FE661}" type="presParOf" srcId="{9BB62295-8378-CF4D-8519-83FDC05F634F}" destId="{49A4D71C-A340-254F-B81E-E4C39273157E}" srcOrd="2" destOrd="0" presId="urn:microsoft.com/office/officeart/2016/7/layout/VerticalDownArrowProcess"/>
-    <dgm:cxn modelId="{CDED7FC2-78FD-6948-ADCF-1D52C68A97E4}" type="presParOf" srcId="{85F9CB5E-8F0B-B542-B3A8-99AEA5FAF5E6}" destId="{E878E3AB-9420-1648-B035-5A17B40D2ECE}" srcOrd="3" destOrd="0" presId="urn:microsoft.com/office/officeart/2016/7/layout/VerticalDownArrowProcess"/>
-    <dgm:cxn modelId="{7E5A868E-71A2-7B49-9161-ED4120920BF3}" type="presParOf" srcId="{85F9CB5E-8F0B-B542-B3A8-99AEA5FAF5E6}" destId="{386A1EA7-25FE-814F-A300-BDDB89C809AF}" srcOrd="4" destOrd="0" presId="urn:microsoft.com/office/officeart/2016/7/layout/VerticalDownArrowProcess"/>
+    <dgm:cxn modelId="{CDED7FC2-78FD-6948-ADCF-1D52C68A97E4}" type="presParOf" srcId="{85F9CB5E-8F0B-B542-B3A8-99AEA5FAF5E6}" destId="{E878E3AB-9420-1648-B035-5A17B40D2ECE}" srcOrd="5" destOrd="0" presId="urn:microsoft.com/office/officeart/2016/7/layout/VerticalDownArrowProcess"/>
+    <dgm:cxn modelId="{7E5A868E-71A2-7B49-9161-ED4120920BF3}" type="presParOf" srcId="{85F9CB5E-8F0B-B542-B3A8-99AEA5FAF5E6}" destId="{386A1EA7-25FE-814F-A300-BDDB89C809AF}" srcOrd="6" destOrd="0" presId="urn:microsoft.com/office/officeart/2016/7/layout/VerticalDownArrowProcess"/>
     <dgm:cxn modelId="{6A13D255-0A54-2B4E-8571-6B266ABA1EB9}" type="presParOf" srcId="{386A1EA7-25FE-814F-A300-BDDB89C809AF}" destId="{2EAE166A-08DA-D840-93BF-570FB0511B2A}" srcOrd="0" destOrd="0" presId="urn:microsoft.com/office/officeart/2016/7/layout/VerticalDownArrowProcess"/>
     <dgm:cxn modelId="{A53EB438-92F4-2B4C-B444-F6097CAD34A6}" type="presParOf" srcId="{386A1EA7-25FE-814F-A300-BDDB89C809AF}" destId="{5FE31BDE-2103-B44C-95CA-774CA3D9D77E}" srcOrd="1" destOrd="0" presId="urn:microsoft.com/office/officeart/2016/7/layout/VerticalDownArrowProcess"/>
     <dgm:cxn modelId="{C6C155C5-8522-264D-92F9-25CF127A053A}" type="presParOf" srcId="{386A1EA7-25FE-814F-A300-BDDB89C809AF}" destId="{E8253855-FC7D-3047-9ECF-6F5635667838}" srcOrd="2" destOrd="0" presId="urn:microsoft.com/office/officeart/2016/7/layout/VerticalDownArrowProcess"/>
@@ -10223,7 +10385,7 @@
             <a:buChar char="•"/>
           </a:pPr>
           <a:r>
-            <a:rPr lang="en-US" sz="1200" kern="1200"/>
+            <a:rPr lang="en-US" sz="1200" kern="1200" dirty="0"/>
             <a:t>GIS data – Area?</a:t>
           </a:r>
         </a:p>
@@ -10241,7 +10403,7 @@
             <a:buChar char="•"/>
           </a:pPr>
           <a:r>
-            <a:rPr lang="en-US" sz="1200" kern="1200"/>
+            <a:rPr lang="en-US" sz="1200" kern="1200" dirty="0"/>
             <a:t>School District / Tax (Licking, Morrow, Hocking, Franklin)</a:t>
           </a:r>
         </a:p>
@@ -10259,7 +10421,7 @@
             <a:buChar char="•"/>
           </a:pPr>
           <a:r>
-            <a:rPr lang="en-US" sz="1200" kern="1200"/>
+            <a:rPr lang="en-US" sz="1200" kern="1200" dirty="0"/>
             <a:t>Neighborhood Codes </a:t>
           </a:r>
         </a:p>
@@ -10277,8 +10439,16 @@
             <a:buChar char="•"/>
           </a:pPr>
           <a:r>
-            <a:rPr lang="en-US" sz="1200" kern="1200"/>
-            <a:t>Remove ValidSale = NO (ex., Morrow has NO for 100 rows)</a:t>
+            <a:rPr lang="en-US" sz="1200" kern="1200" dirty="0"/>
+            <a:t>Remove </a:t>
+          </a:r>
+          <a:r>
+            <a:rPr lang="en-US" sz="1200" kern="1200" dirty="0" err="1"/>
+            <a:t>ValidSale</a:t>
+          </a:r>
+          <a:r>
+            <a:rPr lang="en-US" sz="1200" kern="1200" dirty="0"/>
+            <a:t> = NO (ex., Morrow has NO for 100 rows)</a:t>
           </a:r>
         </a:p>
         <a:p>
@@ -10295,7 +10465,7 @@
             <a:buChar char="•"/>
           </a:pPr>
           <a:r>
-            <a:rPr lang="en-US" sz="1200" kern="1200"/>
+            <a:rPr lang="en-US" sz="1200" kern="1200" dirty="0"/>
             <a:t>Beautification of visualizations (ex., formatting sales amounts)</a:t>
           </a:r>
         </a:p>
@@ -10971,15 +11141,15 @@
       <dsp:cNvGrpSpPr/>
     </dsp:nvGrpSpPr>
     <dsp:grpSpPr/>
-    <dsp:sp modelId="{B729A3A9-8BD5-6645-ADCD-380ACAF07F54}">
+    <dsp:sp modelId="{89AD44BE-3D68-A140-8134-8FDA8D0E9568}">
       <dsp:nvSpPr>
         <dsp:cNvPr id="0" name=""/>
         <dsp:cNvSpPr/>
       </dsp:nvSpPr>
       <dsp:spPr>
         <a:xfrm>
-          <a:off x="0" y="3467876"/>
-          <a:ext cx="1670843" cy="1138234"/>
+          <a:off x="0" y="3778676"/>
+          <a:ext cx="1670843" cy="826682"/>
         </a:xfrm>
         <a:prstGeom prst="rect">
           <a:avLst/>
@@ -11057,12 +11227,12 @@
         </a:fontRef>
       </dsp:style>
       <dsp:txBody>
-        <a:bodyPr spcFirstLastPara="0" vert="horz" wrap="square" lIns="118830" tIns="156464" rIns="118830" bIns="156464" numCol="1" spcCol="1270" anchor="ctr" anchorCtr="0">
+        <a:bodyPr spcFirstLastPara="0" vert="horz" wrap="square" lIns="118830" tIns="113792" rIns="118830" bIns="113792" numCol="1" spcCol="1270" anchor="ctr" anchorCtr="0">
           <a:noAutofit/>
         </a:bodyPr>
         <a:lstStyle/>
         <a:p>
-          <a:pPr marL="0" lvl="0" indent="0" algn="ctr" defTabSz="977900">
+          <a:pPr marL="0" lvl="0" indent="0" algn="ctr" defTabSz="711200">
             <a:lnSpc>
               <a:spcPct val="90000"/>
             </a:lnSpc>
@@ -11075,25 +11245,25 @@
             <a:buNone/>
           </a:pPr>
           <a:r>
-            <a:rPr lang="en-US" sz="2200" kern="1200" dirty="0"/>
-            <a:t>Extraneous columns</a:t>
+            <a:rPr lang="en-US" sz="1600" kern="1200" dirty="0"/>
+            <a:t>Missing / inconsistent data</a:t>
           </a:r>
         </a:p>
       </dsp:txBody>
       <dsp:txXfrm>
-        <a:off x="0" y="3467876"/>
-        <a:ext cx="1670843" cy="1138234"/>
+        <a:off x="0" y="3778676"/>
+        <a:ext cx="1670843" cy="826682"/>
       </dsp:txXfrm>
     </dsp:sp>
-    <dsp:sp modelId="{D8069CBB-6999-754B-9CAE-5666BBFCEC1E}">
+    <dsp:sp modelId="{AEBED8D7-1A7B-2044-B251-2D879BA646F3}">
       <dsp:nvSpPr>
         <dsp:cNvPr id="0" name=""/>
         <dsp:cNvSpPr/>
       </dsp:nvSpPr>
       <dsp:spPr>
         <a:xfrm>
-          <a:off x="1670843" y="3467876"/>
-          <a:ext cx="5012531" cy="1138234"/>
+          <a:off x="1670843" y="3778676"/>
+          <a:ext cx="5012531" cy="826682"/>
         </a:xfrm>
         <a:prstGeom prst="rect">
           <a:avLst/>
@@ -11136,12 +11306,12 @@
         <a:fontRef idx="minor"/>
       </dsp:style>
       <dsp:txBody>
-        <a:bodyPr spcFirstLastPara="0" vert="horz" wrap="square" lIns="101678" tIns="203200" rIns="101678" bIns="203200" numCol="1" spcCol="1270" anchor="ctr" anchorCtr="0">
+        <a:bodyPr spcFirstLastPara="0" vert="horz" wrap="square" lIns="101678" tIns="177800" rIns="101678" bIns="177800" numCol="1" spcCol="1270" anchor="ctr" anchorCtr="0">
           <a:noAutofit/>
         </a:bodyPr>
         <a:lstStyle/>
         <a:p>
-          <a:pPr marL="0" lvl="0" indent="0" algn="l" defTabSz="711200">
+          <a:pPr marL="0" lvl="0" indent="0" algn="l" defTabSz="622300">
             <a:lnSpc>
               <a:spcPct val="90000"/>
             </a:lnSpc>
@@ -11154,25 +11324,30 @@
             <a:buNone/>
           </a:pPr>
           <a:r>
-            <a:rPr lang="en-US" sz="1600" kern="1200" dirty="0"/>
-            <a:t>Dropped unnamed:27 </a:t>
+            <a:rPr lang="en-US" sz="1400" kern="1200" dirty="0"/>
+            <a:t>Ex., Missing </a:t>
           </a:r>
+          <a:r>
+            <a:rPr lang="en-US" sz="1400" kern="1200" dirty="0" err="1"/>
+            <a:t>LandUse</a:t>
+          </a:r>
+          <a:endParaRPr lang="en-US" sz="1400" kern="1200" dirty="0"/>
         </a:p>
       </dsp:txBody>
       <dsp:txXfrm>
-        <a:off x="1670843" y="3467876"/>
-        <a:ext cx="5012531" cy="1138234"/>
+        <a:off x="1670843" y="3778676"/>
+        <a:ext cx="5012531" cy="826682"/>
       </dsp:txXfrm>
     </dsp:sp>
-    <dsp:sp modelId="{22864D99-1B9E-4946-A54D-7FB01F72FF9C}">
+    <dsp:sp modelId="{A7D4B1E3-1B9C-FB4E-A059-2AE73927E3E4}">
       <dsp:nvSpPr>
         <dsp:cNvPr id="0" name=""/>
         <dsp:cNvSpPr/>
       </dsp:nvSpPr>
       <dsp:spPr>
         <a:xfrm rot="10800000">
-          <a:off x="0" y="1734345"/>
-          <a:ext cx="1670843" cy="1750604"/>
+          <a:off x="0" y="2519639"/>
+          <a:ext cx="1670843" cy="1271437"/>
         </a:xfrm>
         <a:prstGeom prst="upArrowCallout">
           <a:avLst>
@@ -11186,9 +11361,9 @@
           <a:gsLst>
             <a:gs pos="0">
               <a:schemeClr val="accent2">
-                <a:hueOff val="-2187096"/>
-                <a:satOff val="-4210"/>
-                <a:lumOff val="294"/>
+                <a:hueOff val="-786981"/>
+                <a:satOff val="-7177"/>
+                <a:lumOff val="-1307"/>
                 <a:alphaOff val="0"/>
                 <a:tint val="94000"/>
                 <a:satMod val="100000"/>
@@ -11197,9 +11372,9 @@
             </a:gs>
             <a:gs pos="50000">
               <a:schemeClr val="accent2">
-                <a:hueOff val="-2187096"/>
-                <a:satOff val="-4210"/>
-                <a:lumOff val="294"/>
+                <a:hueOff val="-786981"/>
+                <a:satOff val="-7177"/>
+                <a:lumOff val="-1307"/>
                 <a:alphaOff val="0"/>
                 <a:tint val="98000"/>
                 <a:shade val="100000"/>
@@ -11209,9 +11384,9 @@
             </a:gs>
             <a:gs pos="100000">
               <a:schemeClr val="accent2">
-                <a:hueOff val="-2187096"/>
-                <a:satOff val="-4210"/>
-                <a:lumOff val="294"/>
+                <a:hueOff val="-786981"/>
+                <a:satOff val="-7177"/>
+                <a:lumOff val="-1307"/>
                 <a:alphaOff val="0"/>
                 <a:shade val="72000"/>
                 <a:satMod val="120000"/>
@@ -11224,9 +11399,9 @@
         <a:ln w="9525" cap="flat" cmpd="sng" algn="ctr">
           <a:solidFill>
             <a:schemeClr val="accent2">
-              <a:hueOff val="-2187096"/>
-              <a:satOff val="-4210"/>
-              <a:lumOff val="294"/>
+              <a:hueOff val="-786981"/>
+              <a:satOff val="-7177"/>
+              <a:lumOff val="-1307"/>
               <a:alphaOff val="0"/>
             </a:schemeClr>
           </a:solidFill>
@@ -11255,12 +11430,12 @@
         </a:fontRef>
       </dsp:style>
       <dsp:txBody>
-        <a:bodyPr spcFirstLastPara="0" vert="horz" wrap="square" lIns="118830" tIns="156464" rIns="118830" bIns="156464" numCol="1" spcCol="1270" anchor="ctr" anchorCtr="0">
+        <a:bodyPr spcFirstLastPara="0" vert="horz" wrap="square" lIns="118830" tIns="113792" rIns="118830" bIns="113792" numCol="1" spcCol="1270" anchor="ctr" anchorCtr="0">
           <a:noAutofit/>
         </a:bodyPr>
         <a:lstStyle/>
         <a:p>
-          <a:pPr marL="0" lvl="0" indent="0" algn="ctr" defTabSz="977900">
+          <a:pPr marL="0" lvl="0" indent="0" algn="ctr" defTabSz="711200">
             <a:lnSpc>
               <a:spcPct val="90000"/>
             </a:lnSpc>
@@ -11273,25 +11448,25 @@
             <a:buNone/>
           </a:pPr>
           <a:r>
-            <a:rPr lang="en-US" sz="2200" kern="1200" dirty="0"/>
-            <a:t>Data not aligned on dates</a:t>
+            <a:rPr lang="en-US" sz="1600" kern="1200" dirty="0"/>
+            <a:t>Extraneous&amp; duplicate columns</a:t>
           </a:r>
         </a:p>
       </dsp:txBody>
       <dsp:txXfrm rot="-10800000">
-        <a:off x="0" y="1734345"/>
-        <a:ext cx="1670843" cy="1137892"/>
+        <a:off x="0" y="2519639"/>
+        <a:ext cx="1670843" cy="826434"/>
       </dsp:txXfrm>
     </dsp:sp>
-    <dsp:sp modelId="{49A4D71C-A340-254F-B81E-E4C39273157E}">
+    <dsp:sp modelId="{A667DCE4-B6F2-E344-85E2-1732BC678AE7}">
       <dsp:nvSpPr>
         <dsp:cNvPr id="0" name=""/>
         <dsp:cNvSpPr/>
       </dsp:nvSpPr>
       <dsp:spPr>
         <a:xfrm>
-          <a:off x="1670843" y="1734345"/>
-          <a:ext cx="5012531" cy="1137892"/>
+          <a:off x="1670843" y="2519639"/>
+          <a:ext cx="5012531" cy="826434"/>
         </a:xfrm>
         <a:prstGeom prst="rect">
           <a:avLst/>
@@ -11300,9 +11475,9 @@
           <a:schemeClr val="accent2">
             <a:tint val="40000"/>
             <a:alpha val="90000"/>
-            <a:hueOff val="-1851532"/>
-            <a:satOff val="-3621"/>
-            <a:lumOff val="-139"/>
+            <a:hueOff val="-1024340"/>
+            <a:satOff val="-6744"/>
+            <a:lumOff val="-549"/>
             <a:alphaOff val="0"/>
           </a:schemeClr>
         </a:solidFill>
@@ -11311,9 +11486,9 @@
             <a:schemeClr val="accent2">
               <a:tint val="40000"/>
               <a:alpha val="90000"/>
-              <a:hueOff val="-1851532"/>
-              <a:satOff val="-3621"/>
-              <a:lumOff val="-139"/>
+              <a:hueOff val="-1024340"/>
+              <a:satOff val="-6744"/>
+              <a:lumOff val="-549"/>
               <a:alphaOff val="0"/>
             </a:schemeClr>
           </a:solidFill>
@@ -11334,12 +11509,12 @@
         <a:fontRef idx="minor"/>
       </dsp:style>
       <dsp:txBody>
-        <a:bodyPr spcFirstLastPara="0" vert="horz" wrap="square" lIns="101678" tIns="203200" rIns="101678" bIns="203200" numCol="1" spcCol="1270" anchor="ctr" anchorCtr="0">
+        <a:bodyPr spcFirstLastPara="0" vert="horz" wrap="square" lIns="101678" tIns="177800" rIns="101678" bIns="177800" numCol="1" spcCol="1270" anchor="ctr" anchorCtr="0">
           <a:noAutofit/>
         </a:bodyPr>
         <a:lstStyle/>
         <a:p>
-          <a:pPr marL="0" lvl="0" indent="0" algn="l" defTabSz="711200">
+          <a:pPr marL="0" lvl="0" indent="0" algn="l" defTabSz="622300">
             <a:lnSpc>
               <a:spcPct val="90000"/>
             </a:lnSpc>
@@ -11352,43 +11527,25 @@
             <a:buNone/>
           </a:pPr>
           <a:r>
-            <a:rPr lang="en-US" sz="1600" kern="1200" dirty="0"/>
-            <a:t>Ex., Franklin was old &lt;=2015</a:t>
-          </a:r>
-        </a:p>
-        <a:p>
-          <a:pPr marL="0" lvl="0" indent="0" algn="l" defTabSz="711200">
-            <a:lnSpc>
-              <a:spcPct val="90000"/>
-            </a:lnSpc>
-            <a:spcBef>
-              <a:spcPct val="0"/>
-            </a:spcBef>
-            <a:spcAft>
-              <a:spcPct val="35000"/>
-            </a:spcAft>
-            <a:buNone/>
-          </a:pPr>
-          <a:r>
-            <a:rPr lang="en-US" sz="1600" kern="1200"/>
-            <a:t>APPROACH – get data from county auditor site ourselves</a:t>
+            <a:rPr lang="en-US" sz="1400" kern="1200" dirty="0"/>
+            <a:t>Dropped unnamed:27 </a:t>
           </a:r>
         </a:p>
       </dsp:txBody>
       <dsp:txXfrm>
-        <a:off x="1670843" y="1734345"/>
-        <a:ext cx="5012531" cy="1137892"/>
+        <a:off x="1670843" y="2519639"/>
+        <a:ext cx="5012531" cy="826434"/>
       </dsp:txXfrm>
     </dsp:sp>
-    <dsp:sp modelId="{5FE31BDE-2103-B44C-95CA-774CA3D9D77E}">
+    <dsp:sp modelId="{22864D99-1B9E-4946-A54D-7FB01F72FF9C}">
       <dsp:nvSpPr>
         <dsp:cNvPr id="0" name=""/>
         <dsp:cNvSpPr/>
       </dsp:nvSpPr>
       <dsp:spPr>
         <a:xfrm rot="10800000">
-          <a:off x="0" y="814"/>
-          <a:ext cx="1670843" cy="1750604"/>
+          <a:off x="0" y="1260603"/>
+          <a:ext cx="1670843" cy="1271437"/>
         </a:xfrm>
         <a:prstGeom prst="upArrowCallout">
           <a:avLst>
@@ -11402,9 +11559,9 @@
           <a:gsLst>
             <a:gs pos="0">
               <a:schemeClr val="accent2">
-                <a:hueOff val="-4374192"/>
-                <a:satOff val="-8420"/>
-                <a:lumOff val="588"/>
+                <a:hueOff val="-1573962"/>
+                <a:satOff val="-14354"/>
+                <a:lumOff val="-2615"/>
                 <a:alphaOff val="0"/>
                 <a:tint val="94000"/>
                 <a:satMod val="100000"/>
@@ -11413,9 +11570,9 @@
             </a:gs>
             <a:gs pos="50000">
               <a:schemeClr val="accent2">
-                <a:hueOff val="-4374192"/>
-                <a:satOff val="-8420"/>
-                <a:lumOff val="588"/>
+                <a:hueOff val="-1573962"/>
+                <a:satOff val="-14354"/>
+                <a:lumOff val="-2615"/>
                 <a:alphaOff val="0"/>
                 <a:tint val="98000"/>
                 <a:shade val="100000"/>
@@ -11425,9 +11582,9 @@
             </a:gs>
             <a:gs pos="100000">
               <a:schemeClr val="accent2">
-                <a:hueOff val="-4374192"/>
-                <a:satOff val="-8420"/>
-                <a:lumOff val="588"/>
+                <a:hueOff val="-1573962"/>
+                <a:satOff val="-14354"/>
+                <a:lumOff val="-2615"/>
                 <a:alphaOff val="0"/>
                 <a:shade val="72000"/>
                 <a:satMod val="120000"/>
@@ -11440,9 +11597,9 @@
         <a:ln w="9525" cap="flat" cmpd="sng" algn="ctr">
           <a:solidFill>
             <a:schemeClr val="accent2">
-              <a:hueOff val="-4374192"/>
-              <a:satOff val="-8420"/>
-              <a:lumOff val="588"/>
+              <a:hueOff val="-1573962"/>
+              <a:satOff val="-14354"/>
+              <a:lumOff val="-2615"/>
               <a:alphaOff val="0"/>
             </a:schemeClr>
           </a:solidFill>
@@ -11471,12 +11628,12 @@
         </a:fontRef>
       </dsp:style>
       <dsp:txBody>
-        <a:bodyPr spcFirstLastPara="0" vert="horz" wrap="square" lIns="118830" tIns="156464" rIns="118830" bIns="156464" numCol="1" spcCol="1270" anchor="ctr" anchorCtr="0">
+        <a:bodyPr spcFirstLastPara="0" vert="horz" wrap="square" lIns="118830" tIns="113792" rIns="118830" bIns="113792" numCol="1" spcCol="1270" anchor="ctr" anchorCtr="0">
           <a:noAutofit/>
         </a:bodyPr>
         <a:lstStyle/>
         <a:p>
-          <a:pPr marL="0" lvl="0" indent="0" algn="ctr" defTabSz="977900">
+          <a:pPr marL="0" lvl="0" indent="0" algn="ctr" defTabSz="711200">
             <a:lnSpc>
               <a:spcPct val="90000"/>
             </a:lnSpc>
@@ -11489,25 +11646,25 @@
             <a:buNone/>
           </a:pPr>
           <a:r>
-            <a:rPr lang="en-US" sz="2200" kern="1200"/>
-            <a:t>Data not complete</a:t>
+            <a:rPr lang="en-US" sz="1600" kern="1200" dirty="0"/>
+            <a:t>Data not aligned on dates</a:t>
           </a:r>
         </a:p>
       </dsp:txBody>
       <dsp:txXfrm rot="-10800000">
-        <a:off x="0" y="814"/>
-        <a:ext cx="1670843" cy="1137892"/>
+        <a:off x="0" y="1260603"/>
+        <a:ext cx="1670843" cy="826434"/>
       </dsp:txXfrm>
     </dsp:sp>
-    <dsp:sp modelId="{E8253855-FC7D-3047-9ECF-6F5635667838}">
+    <dsp:sp modelId="{49A4D71C-A340-254F-B81E-E4C39273157E}">
       <dsp:nvSpPr>
         <dsp:cNvPr id="0" name=""/>
         <dsp:cNvSpPr/>
       </dsp:nvSpPr>
       <dsp:spPr>
         <a:xfrm>
-          <a:off x="1670843" y="814"/>
-          <a:ext cx="5012531" cy="1137892"/>
+          <a:off x="1670843" y="1260603"/>
+          <a:ext cx="5012531" cy="826434"/>
         </a:xfrm>
         <a:prstGeom prst="rect">
           <a:avLst/>
@@ -11516,9 +11673,9 @@
           <a:schemeClr val="accent2">
             <a:tint val="40000"/>
             <a:alpha val="90000"/>
-            <a:hueOff val="-3703064"/>
-            <a:satOff val="-7243"/>
-            <a:lumOff val="-277"/>
+            <a:hueOff val="-2048681"/>
+            <a:satOff val="-13488"/>
+            <a:lumOff val="-1097"/>
             <a:alphaOff val="0"/>
           </a:schemeClr>
         </a:solidFill>
@@ -11527,9 +11684,9 @@
             <a:schemeClr val="accent2">
               <a:tint val="40000"/>
               <a:alpha val="90000"/>
-              <a:hueOff val="-3703064"/>
-              <a:satOff val="-7243"/>
-              <a:lumOff val="-277"/>
+              <a:hueOff val="-2048681"/>
+              <a:satOff val="-13488"/>
+              <a:lumOff val="-1097"/>
               <a:alphaOff val="0"/>
             </a:schemeClr>
           </a:solidFill>
@@ -11550,12 +11707,149 @@
         <a:fontRef idx="minor"/>
       </dsp:style>
       <dsp:txBody>
-        <a:bodyPr spcFirstLastPara="0" vert="horz" wrap="square" lIns="101678" tIns="203200" rIns="101678" bIns="203200" numCol="1" spcCol="1270" anchor="ctr" anchorCtr="0">
+        <a:bodyPr spcFirstLastPara="0" vert="horz" wrap="square" lIns="101678" tIns="177800" rIns="101678" bIns="177800" numCol="1" spcCol="1270" anchor="ctr" anchorCtr="0">
           <a:noAutofit/>
         </a:bodyPr>
         <a:lstStyle/>
         <a:p>
-          <a:pPr marL="0" lvl="0" indent="0" algn="l" defTabSz="711200">
+          <a:pPr marL="0" lvl="0" indent="0" algn="l" defTabSz="622300">
+            <a:lnSpc>
+              <a:spcPct val="90000"/>
+            </a:lnSpc>
+            <a:spcBef>
+              <a:spcPct val="0"/>
+            </a:spcBef>
+            <a:spcAft>
+              <a:spcPct val="35000"/>
+            </a:spcAft>
+            <a:buNone/>
+          </a:pPr>
+          <a:r>
+            <a:rPr lang="en-US" sz="1400" kern="1200" dirty="0"/>
+            <a:t>Ex., Franklin was old &lt;=2015</a:t>
+          </a:r>
+        </a:p>
+        <a:p>
+          <a:pPr marL="0" lvl="0" indent="0" algn="l" defTabSz="622300">
+            <a:lnSpc>
+              <a:spcPct val="90000"/>
+            </a:lnSpc>
+            <a:spcBef>
+              <a:spcPct val="0"/>
+            </a:spcBef>
+            <a:spcAft>
+              <a:spcPct val="35000"/>
+            </a:spcAft>
+            <a:buNone/>
+          </a:pPr>
+          <a:r>
+            <a:rPr lang="en-US" sz="1400" kern="1200"/>
+            <a:t>APPROACH – get data from county auditor site ourselves</a:t>
+          </a:r>
+        </a:p>
+      </dsp:txBody>
+      <dsp:txXfrm>
+        <a:off x="1670843" y="1260603"/>
+        <a:ext cx="5012531" cy="826434"/>
+      </dsp:txXfrm>
+    </dsp:sp>
+    <dsp:sp modelId="{5FE31BDE-2103-B44C-95CA-774CA3D9D77E}">
+      <dsp:nvSpPr>
+        <dsp:cNvPr id="0" name=""/>
+        <dsp:cNvSpPr/>
+      </dsp:nvSpPr>
+      <dsp:spPr>
+        <a:xfrm rot="10800000">
+          <a:off x="0" y="1566"/>
+          <a:ext cx="1670843" cy="1271437"/>
+        </a:xfrm>
+        <a:prstGeom prst="upArrowCallout">
+          <a:avLst>
+            <a:gd name="adj1" fmla="val 5000"/>
+            <a:gd name="adj2" fmla="val 10000"/>
+            <a:gd name="adj3" fmla="val 15000"/>
+            <a:gd name="adj4" fmla="val 64977"/>
+          </a:avLst>
+        </a:prstGeom>
+        <a:gradFill rotWithShape="0">
+          <a:gsLst>
+            <a:gs pos="0">
+              <a:schemeClr val="accent2">
+                <a:hueOff val="-2360944"/>
+                <a:satOff val="-21531"/>
+                <a:lumOff val="-3922"/>
+                <a:alphaOff val="0"/>
+                <a:tint val="94000"/>
+                <a:satMod val="100000"/>
+                <a:lumMod val="108000"/>
+              </a:schemeClr>
+            </a:gs>
+            <a:gs pos="50000">
+              <a:schemeClr val="accent2">
+                <a:hueOff val="-2360944"/>
+                <a:satOff val="-21531"/>
+                <a:lumOff val="-3922"/>
+                <a:alphaOff val="0"/>
+                <a:tint val="98000"/>
+                <a:shade val="100000"/>
+                <a:satMod val="100000"/>
+                <a:lumMod val="100000"/>
+              </a:schemeClr>
+            </a:gs>
+            <a:gs pos="100000">
+              <a:schemeClr val="accent2">
+                <a:hueOff val="-2360944"/>
+                <a:satOff val="-21531"/>
+                <a:lumOff val="-3922"/>
+                <a:alphaOff val="0"/>
+                <a:shade val="72000"/>
+                <a:satMod val="120000"/>
+                <a:lumMod val="100000"/>
+              </a:schemeClr>
+            </a:gs>
+          </a:gsLst>
+          <a:lin ang="5400000" scaled="0"/>
+        </a:gradFill>
+        <a:ln w="9525" cap="flat" cmpd="sng" algn="ctr">
+          <a:solidFill>
+            <a:schemeClr val="accent2">
+              <a:hueOff val="-2360944"/>
+              <a:satOff val="-21531"/>
+              <a:lumOff val="-3922"/>
+              <a:alphaOff val="0"/>
+            </a:schemeClr>
+          </a:solidFill>
+          <a:prstDash val="solid"/>
+        </a:ln>
+        <a:effectLst>
+          <a:outerShdw blurRad="50800" dist="25400" dir="5400000" rotWithShape="0">
+            <a:srgbClr val="000000">
+              <a:alpha val="28000"/>
+            </a:srgbClr>
+          </a:outerShdw>
+        </a:effectLst>
+      </dsp:spPr>
+      <dsp:style>
+        <a:lnRef idx="1">
+          <a:scrgbClr r="0" g="0" b="0"/>
+        </a:lnRef>
+        <a:fillRef idx="3">
+          <a:scrgbClr r="0" g="0" b="0"/>
+        </a:fillRef>
+        <a:effectRef idx="2">
+          <a:scrgbClr r="0" g="0" b="0"/>
+        </a:effectRef>
+        <a:fontRef idx="minor">
+          <a:schemeClr val="lt1"/>
+        </a:fontRef>
+      </dsp:style>
+      <dsp:txBody>
+        <a:bodyPr spcFirstLastPara="0" vert="horz" wrap="square" lIns="118830" tIns="113792" rIns="118830" bIns="113792" numCol="1" spcCol="1270" anchor="ctr" anchorCtr="0">
+          <a:noAutofit/>
+        </a:bodyPr>
+        <a:lstStyle/>
+        <a:p>
+          <a:pPr marL="0" lvl="0" indent="0" algn="ctr" defTabSz="711200">
             <a:lnSpc>
               <a:spcPct val="90000"/>
             </a:lnSpc>
@@ -11569,13 +11863,92 @@
           </a:pPr>
           <a:r>
             <a:rPr lang="en-US" sz="1600" kern="1200"/>
+            <a:t>Data not complete</a:t>
+          </a:r>
+        </a:p>
+      </dsp:txBody>
+      <dsp:txXfrm rot="-10800000">
+        <a:off x="0" y="1566"/>
+        <a:ext cx="1670843" cy="826434"/>
+      </dsp:txXfrm>
+    </dsp:sp>
+    <dsp:sp modelId="{E8253855-FC7D-3047-9ECF-6F5635667838}">
+      <dsp:nvSpPr>
+        <dsp:cNvPr id="0" name=""/>
+        <dsp:cNvSpPr/>
+      </dsp:nvSpPr>
+      <dsp:spPr>
+        <a:xfrm>
+          <a:off x="1670843" y="1566"/>
+          <a:ext cx="5012531" cy="826434"/>
+        </a:xfrm>
+        <a:prstGeom prst="rect">
+          <a:avLst/>
+        </a:prstGeom>
+        <a:solidFill>
+          <a:schemeClr val="accent2">
+            <a:tint val="40000"/>
+            <a:alpha val="90000"/>
+            <a:hueOff val="-3073021"/>
+            <a:satOff val="-20232"/>
+            <a:lumOff val="-1646"/>
+            <a:alphaOff val="0"/>
+          </a:schemeClr>
+        </a:solidFill>
+        <a:ln w="9525" cap="flat" cmpd="sng" algn="ctr">
+          <a:solidFill>
+            <a:schemeClr val="accent2">
+              <a:tint val="40000"/>
+              <a:alpha val="90000"/>
+              <a:hueOff val="-3073021"/>
+              <a:satOff val="-20232"/>
+              <a:lumOff val="-1646"/>
+              <a:alphaOff val="0"/>
+            </a:schemeClr>
+          </a:solidFill>
+          <a:prstDash val="solid"/>
+        </a:ln>
+        <a:effectLst/>
+      </dsp:spPr>
+      <dsp:style>
+        <a:lnRef idx="1">
+          <a:scrgbClr r="0" g="0" b="0"/>
+        </a:lnRef>
+        <a:fillRef idx="1">
+          <a:scrgbClr r="0" g="0" b="0"/>
+        </a:fillRef>
+        <a:effectRef idx="0">
+          <a:scrgbClr r="0" g="0" b="0"/>
+        </a:effectRef>
+        <a:fontRef idx="minor"/>
+      </dsp:style>
+      <dsp:txBody>
+        <a:bodyPr spcFirstLastPara="0" vert="horz" wrap="square" lIns="101678" tIns="177800" rIns="101678" bIns="177800" numCol="1" spcCol="1270" anchor="ctr" anchorCtr="0">
+          <a:noAutofit/>
+        </a:bodyPr>
+        <a:lstStyle/>
+        <a:p>
+          <a:pPr marL="0" lvl="0" indent="0" algn="l" defTabSz="622300">
+            <a:lnSpc>
+              <a:spcPct val="90000"/>
+            </a:lnSpc>
+            <a:spcBef>
+              <a:spcPct val="0"/>
+            </a:spcBef>
+            <a:spcAft>
+              <a:spcPct val="35000"/>
+            </a:spcAft>
+            <a:buNone/>
+          </a:pPr>
+          <a:r>
+            <a:rPr lang="en-US" sz="1400" kern="1200"/>
             <a:t>Ex., only 86 / 156 recs for Madison/Morrow</a:t>
           </a:r>
         </a:p>
       </dsp:txBody>
       <dsp:txXfrm>
-        <a:off x="1670843" y="814"/>
-        <a:ext cx="5012531" cy="1137892"/>
+        <a:off x="1670843" y="1566"/>
+        <a:ext cx="5012531" cy="826434"/>
       </dsp:txXfrm>
     </dsp:sp>
   </dsp:spTree>
@@ -13402,9 +13775,9 @@
         <a:ln w="9525" cap="flat" cmpd="sng" algn="ctr">
           <a:solidFill>
             <a:schemeClr val="accent2">
-              <a:hueOff val="-1093548"/>
-              <a:satOff val="-2105"/>
-              <a:lumOff val="147"/>
+              <a:hueOff val="-590236"/>
+              <a:satOff val="-5383"/>
+              <a:lumOff val="-980"/>
               <a:alphaOff val="0"/>
             </a:schemeClr>
           </a:solidFill>
@@ -13470,9 +13843,9 @@
           <a:gsLst>
             <a:gs pos="0">
               <a:schemeClr val="accent2">
-                <a:hueOff val="-1093548"/>
-                <a:satOff val="-2105"/>
-                <a:lumOff val="147"/>
+                <a:hueOff val="-590236"/>
+                <a:satOff val="-5383"/>
+                <a:lumOff val="-980"/>
                 <a:alphaOff val="0"/>
                 <a:tint val="94000"/>
                 <a:satMod val="100000"/>
@@ -13481,9 +13854,9 @@
             </a:gs>
             <a:gs pos="50000">
               <a:schemeClr val="accent2">
-                <a:hueOff val="-1093548"/>
-                <a:satOff val="-2105"/>
-                <a:lumOff val="147"/>
+                <a:hueOff val="-590236"/>
+                <a:satOff val="-5383"/>
+                <a:lumOff val="-980"/>
                 <a:alphaOff val="0"/>
                 <a:tint val="98000"/>
                 <a:shade val="100000"/>
@@ -13493,9 +13866,9 @@
             </a:gs>
             <a:gs pos="100000">
               <a:schemeClr val="accent2">
-                <a:hueOff val="-1093548"/>
-                <a:satOff val="-2105"/>
-                <a:lumOff val="147"/>
+                <a:hueOff val="-590236"/>
+                <a:satOff val="-5383"/>
+                <a:lumOff val="-980"/>
                 <a:alphaOff val="0"/>
                 <a:shade val="72000"/>
                 <a:satMod val="120000"/>
@@ -13584,9 +13957,9 @@
         <a:ln w="9525" cap="flat" cmpd="sng" algn="ctr">
           <a:solidFill>
             <a:schemeClr val="accent2">
-              <a:hueOff val="-2187096"/>
-              <a:satOff val="-4210"/>
-              <a:lumOff val="294"/>
+              <a:hueOff val="-1180472"/>
+              <a:satOff val="-10766"/>
+              <a:lumOff val="-1961"/>
               <a:alphaOff val="0"/>
             </a:schemeClr>
           </a:solidFill>
@@ -13624,9 +13997,9 @@
           <a:gsLst>
             <a:gs pos="0">
               <a:schemeClr val="accent2">
-                <a:hueOff val="-2187096"/>
-                <a:satOff val="-4210"/>
-                <a:lumOff val="294"/>
+                <a:hueOff val="-1180472"/>
+                <a:satOff val="-10766"/>
+                <a:lumOff val="-1961"/>
                 <a:alphaOff val="0"/>
                 <a:tint val="94000"/>
                 <a:satMod val="100000"/>
@@ -13635,9 +14008,9 @@
             </a:gs>
             <a:gs pos="50000">
               <a:schemeClr val="accent2">
-                <a:hueOff val="-2187096"/>
-                <a:satOff val="-4210"/>
-                <a:lumOff val="294"/>
+                <a:hueOff val="-1180472"/>
+                <a:satOff val="-10766"/>
+                <a:lumOff val="-1961"/>
                 <a:alphaOff val="0"/>
                 <a:tint val="98000"/>
                 <a:shade val="100000"/>
@@ -13647,9 +14020,9 @@
             </a:gs>
             <a:gs pos="100000">
               <a:schemeClr val="accent2">
-                <a:hueOff val="-2187096"/>
-                <a:satOff val="-4210"/>
-                <a:lumOff val="294"/>
+                <a:hueOff val="-1180472"/>
+                <a:satOff val="-10766"/>
+                <a:lumOff val="-1961"/>
                 <a:alphaOff val="0"/>
                 <a:shade val="72000"/>
                 <a:satMod val="120000"/>
@@ -13738,9 +14111,9 @@
         <a:ln w="9525" cap="flat" cmpd="sng" algn="ctr">
           <a:solidFill>
             <a:schemeClr val="accent2">
-              <a:hueOff val="-3280644"/>
-              <a:satOff val="-6315"/>
-              <a:lumOff val="441"/>
+              <a:hueOff val="-1770708"/>
+              <a:satOff val="-16148"/>
+              <a:lumOff val="-2941"/>
               <a:alphaOff val="0"/>
             </a:schemeClr>
           </a:solidFill>
@@ -13806,9 +14179,9 @@
           <a:gsLst>
             <a:gs pos="0">
               <a:schemeClr val="accent2">
-                <a:hueOff val="-3280644"/>
-                <a:satOff val="-6315"/>
-                <a:lumOff val="441"/>
+                <a:hueOff val="-1770708"/>
+                <a:satOff val="-16148"/>
+                <a:lumOff val="-2941"/>
                 <a:alphaOff val="0"/>
                 <a:tint val="94000"/>
                 <a:satMod val="100000"/>
@@ -13817,9 +14190,9 @@
             </a:gs>
             <a:gs pos="50000">
               <a:schemeClr val="accent2">
-                <a:hueOff val="-3280644"/>
-                <a:satOff val="-6315"/>
-                <a:lumOff val="441"/>
+                <a:hueOff val="-1770708"/>
+                <a:satOff val="-16148"/>
+                <a:lumOff val="-2941"/>
                 <a:alphaOff val="0"/>
                 <a:tint val="98000"/>
                 <a:shade val="100000"/>
@@ -13829,9 +14202,9 @@
             </a:gs>
             <a:gs pos="100000">
               <a:schemeClr val="accent2">
-                <a:hueOff val="-3280644"/>
-                <a:satOff val="-6315"/>
-                <a:lumOff val="441"/>
+                <a:hueOff val="-1770708"/>
+                <a:satOff val="-16148"/>
+                <a:lumOff val="-2941"/>
                 <a:alphaOff val="0"/>
                 <a:shade val="72000"/>
                 <a:satMod val="120000"/>
@@ -13920,9 +14293,9 @@
         <a:ln w="9525" cap="flat" cmpd="sng" algn="ctr">
           <a:solidFill>
             <a:schemeClr val="accent2">
-              <a:hueOff val="-4374192"/>
-              <a:satOff val="-8420"/>
-              <a:lumOff val="588"/>
+              <a:hueOff val="-2360944"/>
+              <a:satOff val="-21531"/>
+              <a:lumOff val="-3922"/>
               <a:alphaOff val="0"/>
             </a:schemeClr>
           </a:solidFill>
@@ -13960,9 +14333,9 @@
           <a:gsLst>
             <a:gs pos="0">
               <a:schemeClr val="accent2">
-                <a:hueOff val="-4374192"/>
-                <a:satOff val="-8420"/>
-                <a:lumOff val="588"/>
+                <a:hueOff val="-2360944"/>
+                <a:satOff val="-21531"/>
+                <a:lumOff val="-3922"/>
                 <a:alphaOff val="0"/>
                 <a:tint val="94000"/>
                 <a:satMod val="100000"/>
@@ -13971,9 +14344,9 @@
             </a:gs>
             <a:gs pos="50000">
               <a:schemeClr val="accent2">
-                <a:hueOff val="-4374192"/>
-                <a:satOff val="-8420"/>
-                <a:lumOff val="588"/>
+                <a:hueOff val="-2360944"/>
+                <a:satOff val="-21531"/>
+                <a:lumOff val="-3922"/>
                 <a:alphaOff val="0"/>
                 <a:tint val="98000"/>
                 <a:shade val="100000"/>
@@ -13983,9 +14356,9 @@
             </a:gs>
             <a:gs pos="100000">
               <a:schemeClr val="accent2">
-                <a:hueOff val="-4374192"/>
-                <a:satOff val="-8420"/>
-                <a:lumOff val="588"/>
+                <a:hueOff val="-2360944"/>
+                <a:satOff val="-21531"/>
+                <a:lumOff val="-3922"/>
                 <a:alphaOff val="0"/>
                 <a:shade val="72000"/>
                 <a:satMod val="120000"/>
@@ -22019,7 +22392,7 @@
           <a:p>
             <a:fld id="{8AEA5D91-AE1C-D449-8DDD-23771ABDC14E}" type="datetimeFigureOut">
               <a:rPr lang="en-US" smtClean="0"/>
-              <a:t>6/18/19</a:t>
+              <a:t>6/19/19</a:t>
             </a:fld>
             <a:endParaRPr lang="en-US"/>
           </a:p>
@@ -22070,7 +22443,7 @@
     </p:spTree>
     <p:extLst>
       <p:ext uri="{BB962C8B-B14F-4D97-AF65-F5344CB8AC3E}">
-        <p14:creationId xmlns:p14="http://schemas.microsoft.com/office/powerpoint/2010/main" val="2204200859"/>
+        <p14:creationId xmlns:p14="http://schemas.microsoft.com/office/powerpoint/2010/main" val="2975045504"/>
       </p:ext>
     </p:extLst>
   </p:cSld>
@@ -22182,7 +22555,10 @@
           <a:noFill/>
           <a:ln w="82550" cap="sq">
             <a:solidFill>
-              <a:srgbClr val="EAEAEA"/>
+              <a:schemeClr val="bg2">
+                <a:lumMod val="60000"/>
+                <a:lumOff val="40000"/>
+              </a:schemeClr>
             </a:solidFill>
             <a:miter lim="800000"/>
           </a:ln>
@@ -22331,7 +22707,7 @@
           <a:p>
             <a:fld id="{8AEA5D91-AE1C-D449-8DDD-23771ABDC14E}" type="datetimeFigureOut">
               <a:rPr lang="en-US" smtClean="0"/>
-              <a:t>6/18/19</a:t>
+              <a:t>6/19/19</a:t>
             </a:fld>
             <a:endParaRPr lang="en-US"/>
           </a:p>
@@ -22382,7 +22758,7 @@
     </p:spTree>
     <p:extLst>
       <p:ext uri="{BB962C8B-B14F-4D97-AF65-F5344CB8AC3E}">
-        <p14:creationId xmlns:p14="http://schemas.microsoft.com/office/powerpoint/2010/main" val="1716475805"/>
+        <p14:creationId xmlns:p14="http://schemas.microsoft.com/office/powerpoint/2010/main" val="2442853814"/>
       </p:ext>
     </p:extLst>
   </p:cSld>
@@ -22553,7 +22929,7 @@
           <a:p>
             <a:fld id="{8AEA5D91-AE1C-D449-8DDD-23771ABDC14E}" type="datetimeFigureOut">
               <a:rPr lang="en-US" smtClean="0"/>
-              <a:t>6/18/19</a:t>
+              <a:t>6/19/19</a:t>
             </a:fld>
             <a:endParaRPr lang="en-US"/>
           </a:p>
@@ -22604,7 +22980,7 @@
     </p:spTree>
     <p:extLst>
       <p:ext uri="{BB962C8B-B14F-4D97-AF65-F5344CB8AC3E}">
-        <p14:creationId xmlns:p14="http://schemas.microsoft.com/office/powerpoint/2010/main" val="450509203"/>
+        <p14:creationId xmlns:p14="http://schemas.microsoft.com/office/powerpoint/2010/main" val="1806497807"/>
       </p:ext>
     </p:extLst>
   </p:cSld>
@@ -22844,7 +23220,7 @@
           <a:p>
             <a:fld id="{8AEA5D91-AE1C-D449-8DDD-23771ABDC14E}" type="datetimeFigureOut">
               <a:rPr lang="en-US" smtClean="0"/>
-              <a:t>6/18/19</a:t>
+              <a:t>6/19/19</a:t>
             </a:fld>
             <a:endParaRPr lang="en-US"/>
           </a:p>
@@ -23127,7 +23503,7 @@
     </p:spTree>
     <p:extLst>
       <p:ext uri="{BB962C8B-B14F-4D97-AF65-F5344CB8AC3E}">
-        <p14:creationId xmlns:p14="http://schemas.microsoft.com/office/powerpoint/2010/main" val="3512968508"/>
+        <p14:creationId xmlns:p14="http://schemas.microsoft.com/office/powerpoint/2010/main" val="569230265"/>
       </p:ext>
     </p:extLst>
   </p:cSld>
@@ -23298,7 +23674,7 @@
           <a:p>
             <a:fld id="{8AEA5D91-AE1C-D449-8DDD-23771ABDC14E}" type="datetimeFigureOut">
               <a:rPr lang="en-US" smtClean="0"/>
-              <a:t>6/18/19</a:t>
+              <a:t>6/19/19</a:t>
             </a:fld>
             <a:endParaRPr lang="en-US"/>
           </a:p>
@@ -23349,7 +23725,7 @@
     </p:spTree>
     <p:extLst>
       <p:ext uri="{BB962C8B-B14F-4D97-AF65-F5344CB8AC3E}">
-        <p14:creationId xmlns:p14="http://schemas.microsoft.com/office/powerpoint/2010/main" val="1388256689"/>
+        <p14:creationId xmlns:p14="http://schemas.microsoft.com/office/powerpoint/2010/main" val="1744191725"/>
       </p:ext>
     </p:extLst>
   </p:cSld>
@@ -23874,7 +24250,7 @@
           <a:p>
             <a:fld id="{8AEA5D91-AE1C-D449-8DDD-23771ABDC14E}" type="datetimeFigureOut">
               <a:rPr lang="en-US" smtClean="0"/>
-              <a:t>6/18/19</a:t>
+              <a:t>6/19/19</a:t>
             </a:fld>
             <a:endParaRPr lang="en-US"/>
           </a:p>
@@ -23925,7 +24301,7 @@
     </p:spTree>
     <p:extLst>
       <p:ext uri="{BB962C8B-B14F-4D97-AF65-F5344CB8AC3E}">
-        <p14:creationId xmlns:p14="http://schemas.microsoft.com/office/powerpoint/2010/main" val="2290749225"/>
+        <p14:creationId xmlns:p14="http://schemas.microsoft.com/office/powerpoint/2010/main" val="3403577140"/>
       </p:ext>
     </p:extLst>
   </p:cSld>
@@ -24107,7 +24483,10 @@
           <a:noFill/>
           <a:ln w="82550" cap="sq">
             <a:solidFill>
-              <a:srgbClr val="EAEAEA"/>
+              <a:schemeClr val="bg2">
+                <a:lumMod val="60000"/>
+                <a:lumOff val="40000"/>
+              </a:schemeClr>
             </a:solidFill>
             <a:miter lim="800000"/>
           </a:ln>
@@ -24340,7 +24719,10 @@
           <a:noFill/>
           <a:ln w="82550" cap="sq">
             <a:solidFill>
-              <a:srgbClr val="EAEAEA"/>
+              <a:schemeClr val="bg2">
+                <a:lumMod val="60000"/>
+                <a:lumOff val="40000"/>
+              </a:schemeClr>
             </a:solidFill>
             <a:miter lim="800000"/>
           </a:ln>
@@ -24573,7 +24955,10 @@
           <a:noFill/>
           <a:ln w="82550" cap="sq">
             <a:solidFill>
-              <a:srgbClr val="EAEAEA"/>
+              <a:schemeClr val="bg2">
+                <a:lumMod val="60000"/>
+                <a:lumOff val="40000"/>
+              </a:schemeClr>
             </a:solidFill>
             <a:miter lim="800000"/>
           </a:ln>
@@ -24726,7 +25111,7 @@
           <a:p>
             <a:fld id="{8AEA5D91-AE1C-D449-8DDD-23771ABDC14E}" type="datetimeFigureOut">
               <a:rPr lang="en-US" smtClean="0"/>
-              <a:t>6/18/19</a:t>
+              <a:t>6/19/19</a:t>
             </a:fld>
             <a:endParaRPr lang="en-US"/>
           </a:p>
@@ -24777,7 +25162,7 @@
     </p:spTree>
     <p:extLst>
       <p:ext uri="{BB962C8B-B14F-4D97-AF65-F5344CB8AC3E}">
-        <p14:creationId xmlns:p14="http://schemas.microsoft.com/office/powerpoint/2010/main" val="1914671419"/>
+        <p14:creationId xmlns:p14="http://schemas.microsoft.com/office/powerpoint/2010/main" val="2782665464"/>
       </p:ext>
     </p:extLst>
   </p:cSld>
@@ -24931,7 +25316,7 @@
           <a:p>
             <a:fld id="{8AEA5D91-AE1C-D449-8DDD-23771ABDC14E}" type="datetimeFigureOut">
               <a:rPr lang="en-US" smtClean="0"/>
-              <a:t>6/18/19</a:t>
+              <a:t>6/19/19</a:t>
             </a:fld>
             <a:endParaRPr lang="en-US"/>
           </a:p>
@@ -24982,7 +25367,7 @@
     </p:spTree>
     <p:extLst>
       <p:ext uri="{BB962C8B-B14F-4D97-AF65-F5344CB8AC3E}">
-        <p14:creationId xmlns:p14="http://schemas.microsoft.com/office/powerpoint/2010/main" val="3770970296"/>
+        <p14:creationId xmlns:p14="http://schemas.microsoft.com/office/powerpoint/2010/main" val="4279046087"/>
       </p:ext>
     </p:extLst>
   </p:cSld>
@@ -25145,7 +25530,7 @@
           <a:p>
             <a:fld id="{8AEA5D91-AE1C-D449-8DDD-23771ABDC14E}" type="datetimeFigureOut">
               <a:rPr lang="en-US" smtClean="0"/>
-              <a:t>6/18/19</a:t>
+              <a:t>6/19/19</a:t>
             </a:fld>
             <a:endParaRPr lang="en-US"/>
           </a:p>
@@ -25196,7 +25581,7 @@
     </p:spTree>
     <p:extLst>
       <p:ext uri="{BB962C8B-B14F-4D97-AF65-F5344CB8AC3E}">
-        <p14:creationId xmlns:p14="http://schemas.microsoft.com/office/powerpoint/2010/main" val="3786003327"/>
+        <p14:creationId xmlns:p14="http://schemas.microsoft.com/office/powerpoint/2010/main" val="2473038885"/>
       </p:ext>
     </p:extLst>
   </p:cSld>
@@ -25331,7 +25716,7 @@
           <a:p>
             <a:fld id="{8AEA5D91-AE1C-D449-8DDD-23771ABDC14E}" type="datetimeFigureOut">
               <a:rPr lang="en-US" smtClean="0"/>
-              <a:t>6/18/19</a:t>
+              <a:t>6/19/19</a:t>
             </a:fld>
             <a:endParaRPr lang="en-US"/>
           </a:p>
@@ -25394,7 +25779,7 @@
     </p:spTree>
     <p:extLst>
       <p:ext uri="{BB962C8B-B14F-4D97-AF65-F5344CB8AC3E}">
-        <p14:creationId xmlns:p14="http://schemas.microsoft.com/office/powerpoint/2010/main" val="654909937"/>
+        <p14:creationId xmlns:p14="http://schemas.microsoft.com/office/powerpoint/2010/main" val="1880987974"/>
       </p:ext>
     </p:extLst>
   </p:cSld>
@@ -25548,7 +25933,7 @@
           <a:p>
             <a:fld id="{8AEA5D91-AE1C-D449-8DDD-23771ABDC14E}" type="datetimeFigureOut">
               <a:rPr lang="en-US" smtClean="0"/>
-              <a:t>6/18/19</a:t>
+              <a:t>6/19/19</a:t>
             </a:fld>
             <a:endParaRPr lang="en-US"/>
           </a:p>
@@ -25599,7 +25984,7 @@
     </p:spTree>
     <p:extLst>
       <p:ext uri="{BB962C8B-B14F-4D97-AF65-F5344CB8AC3E}">
-        <p14:creationId xmlns:p14="http://schemas.microsoft.com/office/powerpoint/2010/main" val="732877752"/>
+        <p14:creationId xmlns:p14="http://schemas.microsoft.com/office/powerpoint/2010/main" val="1087792950"/>
       </p:ext>
     </p:extLst>
   </p:cSld>
@@ -25828,7 +26213,7 @@
           <a:p>
             <a:fld id="{8AEA5D91-AE1C-D449-8DDD-23771ABDC14E}" type="datetimeFigureOut">
               <a:rPr lang="en-US" smtClean="0"/>
-              <a:t>6/18/19</a:t>
+              <a:t>6/19/19</a:t>
             </a:fld>
             <a:endParaRPr lang="en-US"/>
           </a:p>
@@ -25879,7 +26264,7 @@
     </p:spTree>
     <p:extLst>
       <p:ext uri="{BB962C8B-B14F-4D97-AF65-F5344CB8AC3E}">
-        <p14:creationId xmlns:p14="http://schemas.microsoft.com/office/powerpoint/2010/main" val="2520357508"/>
+        <p14:creationId xmlns:p14="http://schemas.microsoft.com/office/powerpoint/2010/main" val="1774617927"/>
       </p:ext>
     </p:extLst>
   </p:cSld>
@@ -26095,7 +26480,7 @@
           <a:p>
             <a:fld id="{8AEA5D91-AE1C-D449-8DDD-23771ABDC14E}" type="datetimeFigureOut">
               <a:rPr lang="en-US" smtClean="0"/>
-              <a:t>6/18/19</a:t>
+              <a:t>6/19/19</a:t>
             </a:fld>
             <a:endParaRPr lang="en-US"/>
           </a:p>
@@ -26146,7 +26531,7 @@
     </p:spTree>
     <p:extLst>
       <p:ext uri="{BB962C8B-B14F-4D97-AF65-F5344CB8AC3E}">
-        <p14:creationId xmlns:p14="http://schemas.microsoft.com/office/powerpoint/2010/main" val="1093708148"/>
+        <p14:creationId xmlns:p14="http://schemas.microsoft.com/office/powerpoint/2010/main" val="2032276826"/>
       </p:ext>
     </p:extLst>
   </p:cSld>
@@ -26510,7 +26895,7 @@
           <a:p>
             <a:fld id="{8AEA5D91-AE1C-D449-8DDD-23771ABDC14E}" type="datetimeFigureOut">
               <a:rPr lang="en-US" smtClean="0"/>
-              <a:t>6/18/19</a:t>
+              <a:t>6/19/19</a:t>
             </a:fld>
             <a:endParaRPr lang="en-US"/>
           </a:p>
@@ -26561,7 +26946,7 @@
     </p:spTree>
     <p:extLst>
       <p:ext uri="{BB962C8B-B14F-4D97-AF65-F5344CB8AC3E}">
-        <p14:creationId xmlns:p14="http://schemas.microsoft.com/office/powerpoint/2010/main" val="3370129354"/>
+        <p14:creationId xmlns:p14="http://schemas.microsoft.com/office/powerpoint/2010/main" val="2323712041"/>
       </p:ext>
     </p:extLst>
   </p:cSld>
@@ -26658,7 +27043,7 @@
           <a:p>
             <a:fld id="{8AEA5D91-AE1C-D449-8DDD-23771ABDC14E}" type="datetimeFigureOut">
               <a:rPr lang="en-US" smtClean="0"/>
-              <a:t>6/18/19</a:t>
+              <a:t>6/19/19</a:t>
             </a:fld>
             <a:endParaRPr lang="en-US"/>
           </a:p>
@@ -26709,7 +27094,7 @@
     </p:spTree>
     <p:extLst>
       <p:ext uri="{BB962C8B-B14F-4D97-AF65-F5344CB8AC3E}">
-        <p14:creationId xmlns:p14="http://schemas.microsoft.com/office/powerpoint/2010/main" val="3187346442"/>
+        <p14:creationId xmlns:p14="http://schemas.microsoft.com/office/powerpoint/2010/main" val="2294671549"/>
       </p:ext>
     </p:extLst>
   </p:cSld>
@@ -26783,7 +27168,7 @@
           <a:p>
             <a:fld id="{8AEA5D91-AE1C-D449-8DDD-23771ABDC14E}" type="datetimeFigureOut">
               <a:rPr lang="en-US" smtClean="0"/>
-              <a:t>6/18/19</a:t>
+              <a:t>6/19/19</a:t>
             </a:fld>
             <a:endParaRPr lang="en-US"/>
           </a:p>
@@ -26834,7 +27219,7 @@
     </p:spTree>
     <p:extLst>
       <p:ext uri="{BB962C8B-B14F-4D97-AF65-F5344CB8AC3E}">
-        <p14:creationId xmlns:p14="http://schemas.microsoft.com/office/powerpoint/2010/main" val="1483087763"/>
+        <p14:creationId xmlns:p14="http://schemas.microsoft.com/office/powerpoint/2010/main" val="385594187"/>
       </p:ext>
     </p:extLst>
   </p:cSld>
@@ -27062,7 +27447,7 @@
           <a:p>
             <a:fld id="{8AEA5D91-AE1C-D449-8DDD-23771ABDC14E}" type="datetimeFigureOut">
               <a:rPr lang="en-US" smtClean="0"/>
-              <a:t>6/18/19</a:t>
+              <a:t>6/19/19</a:t>
             </a:fld>
             <a:endParaRPr lang="en-US"/>
           </a:p>
@@ -27113,7 +27498,7 @@
     </p:spTree>
     <p:extLst>
       <p:ext uri="{BB962C8B-B14F-4D97-AF65-F5344CB8AC3E}">
-        <p14:creationId xmlns:p14="http://schemas.microsoft.com/office/powerpoint/2010/main" val="145441444"/>
+        <p14:creationId xmlns:p14="http://schemas.microsoft.com/office/powerpoint/2010/main" val="1714420727"/>
       </p:ext>
     </p:extLst>
   </p:cSld>
@@ -27225,7 +27610,10 @@
           <a:noFill/>
           <a:ln w="82550" cap="sq">
             <a:solidFill>
-              <a:srgbClr val="EAEAEA"/>
+              <a:schemeClr val="bg2">
+                <a:lumMod val="60000"/>
+                <a:lumOff val="40000"/>
+              </a:schemeClr>
             </a:solidFill>
             <a:miter lim="800000"/>
           </a:ln>
@@ -27374,7 +27762,7 @@
           <a:p>
             <a:fld id="{8AEA5D91-AE1C-D449-8DDD-23771ABDC14E}" type="datetimeFigureOut">
               <a:rPr lang="en-US" smtClean="0"/>
-              <a:t>6/18/19</a:t>
+              <a:t>6/19/19</a:t>
             </a:fld>
             <a:endParaRPr lang="en-US"/>
           </a:p>
@@ -27425,7 +27813,7 @@
     </p:spTree>
     <p:extLst>
       <p:ext uri="{BB962C8B-B14F-4D97-AF65-F5344CB8AC3E}">
-        <p14:creationId xmlns:p14="http://schemas.microsoft.com/office/powerpoint/2010/main" val="2378829984"/>
+        <p14:creationId xmlns:p14="http://schemas.microsoft.com/office/powerpoint/2010/main" val="2142220632"/>
       </p:ext>
     </p:extLst>
   </p:cSld>
@@ -27439,8 +27827,8 @@
 <p:sldMaster xmlns:a="http://schemas.openxmlformats.org/drawingml/2006/main" xmlns:r="http://schemas.openxmlformats.org/officeDocument/2006/relationships" xmlns:p="http://schemas.openxmlformats.org/presentationml/2006/main">
   <p:cSld>
     <p:bg>
-      <p:bgRef idx="1002">
-        <a:schemeClr val="bg1"/>
+      <p:bgRef idx="1003">
+        <a:schemeClr val="bg2"/>
       </p:bgRef>
     </p:bg>
     <p:spTree>
@@ -27467,7 +27855,7 @@
         </p:nvPicPr>
         <p:blipFill>
           <a:blip r:embed="rId20">
-            <a:alphaModFix/>
+            <a:alphaModFix amt="70000"/>
             <a:extLst>
               <a:ext uri="{28A0092B-C50C-407E-A947-70E740481C1C}">
                 <a14:useLocalDpi xmlns:a14="http://schemas.microsoft.com/office/drawing/2010/main" val="0"/>
@@ -27481,7 +27869,7 @@
         </p:blipFill>
         <p:spPr bwMode="auto">
           <a:xfrm>
-            <a:off x="0" y="-1"/>
+            <a:off x="0" y="0"/>
             <a:ext cx="12192003" cy="6858001"/>
           </a:xfrm>
           <a:prstGeom prst="rect">
@@ -27627,7 +28015,7 @@
           <a:p>
             <a:fld id="{8AEA5D91-AE1C-D449-8DDD-23771ABDC14E}" type="datetimeFigureOut">
               <a:rPr lang="en-US" smtClean="0"/>
-              <a:t>6/18/19</a:t>
+              <a:t>6/19/19</a:t>
             </a:fld>
             <a:endParaRPr lang="en-US"/>
           </a:p>
@@ -27710,30 +28098,30 @@
     </p:spTree>
     <p:extLst>
       <p:ext uri="{BB962C8B-B14F-4D97-AF65-F5344CB8AC3E}">
-        <p14:creationId xmlns:p14="http://schemas.microsoft.com/office/powerpoint/2010/main" val="1852466681"/>
+        <p14:creationId xmlns:p14="http://schemas.microsoft.com/office/powerpoint/2010/main" val="4221449739"/>
       </p:ext>
     </p:extLst>
   </p:cSld>
   <p:clrMap bg1="lt1" tx1="dk1" bg2="lt2" tx2="dk2" accent1="accent1" accent2="accent2" accent3="accent3" accent4="accent4" accent5="accent5" accent6="accent6" hlink="hlink" folHlink="folHlink"/>
   <p:sldLayoutIdLst>
-    <p:sldLayoutId id="2147483927" r:id="rId1"/>
-    <p:sldLayoutId id="2147483928" r:id="rId2"/>
-    <p:sldLayoutId id="2147483929" r:id="rId3"/>
-    <p:sldLayoutId id="2147483930" r:id="rId4"/>
-    <p:sldLayoutId id="2147483931" r:id="rId5"/>
-    <p:sldLayoutId id="2147483932" r:id="rId6"/>
-    <p:sldLayoutId id="2147483933" r:id="rId7"/>
-    <p:sldLayoutId id="2147483934" r:id="rId8"/>
-    <p:sldLayoutId id="2147483935" r:id="rId9"/>
-    <p:sldLayoutId id="2147483936" r:id="rId10"/>
-    <p:sldLayoutId id="2147483937" r:id="rId11"/>
-    <p:sldLayoutId id="2147483938" r:id="rId12"/>
-    <p:sldLayoutId id="2147483939" r:id="rId13"/>
-    <p:sldLayoutId id="2147483940" r:id="rId14"/>
-    <p:sldLayoutId id="2147483941" r:id="rId15"/>
-    <p:sldLayoutId id="2147483942" r:id="rId16"/>
-    <p:sldLayoutId id="2147483943" r:id="rId17"/>
-    <p:sldLayoutId id="2147483944" r:id="rId18"/>
+    <p:sldLayoutId id="2147483946" r:id="rId1"/>
+    <p:sldLayoutId id="2147483947" r:id="rId2"/>
+    <p:sldLayoutId id="2147483948" r:id="rId3"/>
+    <p:sldLayoutId id="2147483949" r:id="rId4"/>
+    <p:sldLayoutId id="2147483950" r:id="rId5"/>
+    <p:sldLayoutId id="2147483951" r:id="rId6"/>
+    <p:sldLayoutId id="2147483952" r:id="rId7"/>
+    <p:sldLayoutId id="2147483953" r:id="rId8"/>
+    <p:sldLayoutId id="2147483954" r:id="rId9"/>
+    <p:sldLayoutId id="2147483955" r:id="rId10"/>
+    <p:sldLayoutId id="2147483956" r:id="rId11"/>
+    <p:sldLayoutId id="2147483957" r:id="rId12"/>
+    <p:sldLayoutId id="2147483958" r:id="rId13"/>
+    <p:sldLayoutId id="2147483959" r:id="rId14"/>
+    <p:sldLayoutId id="2147483960" r:id="rId15"/>
+    <p:sldLayoutId id="2147483961" r:id="rId16"/>
+    <p:sldLayoutId id="2147483962" r:id="rId17"/>
+    <p:sldLayoutId id="2147483963" r:id="rId18"/>
   </p:sldLayoutIdLst>
   <p:txStyles>
     <p:titleStyle>
@@ -28068,7 +28456,7 @@
                 <a:shade val="100000"/>
                 <a:hueMod val="130000"/>
                 <a:satMod val="150000"/>
-                <a:lumMod val="92000"/>
+                <a:lumMod val="112000"/>
               </a:schemeClr>
             </a:gs>
             <a:gs pos="100000">
@@ -28351,7 +28739,7 @@
         <p:spPr>
           <a:xfrm>
             <a:off x="641074" y="1588878"/>
-            <a:ext cx="2844002" cy="3680244"/>
+            <a:ext cx="3079320" cy="3680244"/>
           </a:xfrm>
         </p:spPr>
         <p:txBody>
@@ -28382,7 +28770,7 @@
                   <a:srgbClr val="FFFFFF"/>
                 </a:solidFill>
               </a:rPr>
-              <a:t>-Some cool team name goes here </a:t>
+              <a:t>-COOL NAME TBD</a:t>
             </a:r>
           </a:p>
         </p:txBody>
@@ -28606,43 +28994,126 @@
             <p:ph type="title"/>
           </p:nvPr>
         </p:nvSpPr>
-        <p:spPr/>
+        <p:spPr>
+          <a:xfrm>
+            <a:off x="913774" y="0"/>
+            <a:ext cx="10364451" cy="1596177"/>
+          </a:xfrm>
+        </p:spPr>
         <p:txBody>
           <a:bodyPr/>
           <a:lstStyle/>
           <a:p>
             <a:r>
               <a:rPr lang="en-US" dirty="0"/>
-              <a:t>BAR CHART</a:t>
+              <a:t>number of rooms Vs sales price</a:t>
             </a:r>
           </a:p>
         </p:txBody>
       </p:sp>
-      <p:sp>
-        <p:nvSpPr>
-          <p:cNvPr id="3" name="Content Placeholder 2">
+      <p:pic>
+        <p:nvPicPr>
+          <p:cNvPr id="4" name="Picture 3">
             <a:extLst>
               <a:ext uri="{FF2B5EF4-FFF2-40B4-BE49-F238E27FC236}">
-                <a16:creationId xmlns:a16="http://schemas.microsoft.com/office/drawing/2014/main" id="{73ABB112-7D69-DF40-83E3-1330D33465B2}"/>
+                <a16:creationId xmlns:a16="http://schemas.microsoft.com/office/drawing/2014/main" id="{45D77041-C015-AB48-9206-7EF8DCF9D39E}"/>
               </a:ext>
             </a:extLst>
           </p:cNvPr>
-          <p:cNvSpPr>
-            <a:spLocks noGrp="1"/>
-          </p:cNvSpPr>
-          <p:nvPr>
-            <p:ph idx="1"/>
-          </p:nvPr>
+          <p:cNvPicPr>
+            <a:picLocks noChangeAspect="1"/>
+          </p:cNvPicPr>
+          <p:nvPr/>
+        </p:nvPicPr>
+        <p:blipFill>
+          <a:blip r:embed="rId2"/>
+          <a:stretch>
+            <a:fillRect/>
+          </a:stretch>
+        </p:blipFill>
+        <p:spPr>
+          <a:xfrm>
+            <a:off x="26187" y="1392072"/>
+            <a:ext cx="7731646" cy="4641411"/>
+          </a:xfrm>
+          <a:prstGeom prst="rect">
+            <a:avLst/>
+          </a:prstGeom>
+        </p:spPr>
+      </p:pic>
+      <p:sp>
+        <p:nvSpPr>
+          <p:cNvPr id="6" name="TextBox 5">
+            <a:extLst>
+              <a:ext uri="{FF2B5EF4-FFF2-40B4-BE49-F238E27FC236}">
+                <a16:creationId xmlns:a16="http://schemas.microsoft.com/office/drawing/2014/main" id="{F2A50264-2E65-0F41-AFBA-DA3B8E5A4F5D}"/>
+              </a:ext>
+            </a:extLst>
+          </p:cNvPr>
+          <p:cNvSpPr txBox="1"/>
+          <p:nvPr/>
         </p:nvSpPr>
-        <p:spPr/>
+        <p:spPr>
+          <a:xfrm>
+            <a:off x="8352430" y="1392072"/>
+            <a:ext cx="3616657" cy="1477328"/>
+          </a:xfrm>
+          <a:prstGeom prst="rect">
+            <a:avLst/>
+          </a:prstGeom>
+          <a:noFill/>
+        </p:spPr>
         <p:txBody>
-          <a:bodyPr/>
+          <a:bodyPr wrap="square" rtlCol="0">
+            <a:spAutoFit/>
+          </a:bodyPr>
           <a:lstStyle/>
           <a:p>
-            <a:endParaRPr lang="en-US"/>
+            <a:r>
+              <a:rPr lang="en-US" dirty="0"/>
+              <a:t>There is a general upward trend in sales price as the number of rooms increase.  However, </a:t>
+            </a:r>
+            <a:r>
+              <a:rPr lang="en-US" dirty="0" err="1"/>
+              <a:t>noote</a:t>
+            </a:r>
+            <a:r>
+              <a:rPr lang="en-US" dirty="0"/>
+              <a:t> that properties with &gt;12 rooms have very few data points.</a:t>
+            </a:r>
           </a:p>
         </p:txBody>
       </p:sp>
+      <p:pic>
+        <p:nvPicPr>
+          <p:cNvPr id="7" name="Picture 6">
+            <a:extLst>
+              <a:ext uri="{FF2B5EF4-FFF2-40B4-BE49-F238E27FC236}">
+                <a16:creationId xmlns:a16="http://schemas.microsoft.com/office/drawing/2014/main" id="{F219CED8-CD6B-804C-8AB9-2012D3C96678}"/>
+              </a:ext>
+            </a:extLst>
+          </p:cNvPr>
+          <p:cNvPicPr>
+            <a:picLocks noChangeAspect="1"/>
+          </p:cNvPicPr>
+          <p:nvPr/>
+        </p:nvPicPr>
+        <p:blipFill>
+          <a:blip r:embed="rId3"/>
+          <a:stretch>
+            <a:fillRect/>
+          </a:stretch>
+        </p:blipFill>
+        <p:spPr>
+          <a:xfrm>
+            <a:off x="7891536" y="3122400"/>
+            <a:ext cx="4300464" cy="2911083"/>
+          </a:xfrm>
+          <a:prstGeom prst="rect">
+            <a:avLst/>
+          </a:prstGeom>
+        </p:spPr>
+      </p:pic>
     </p:spTree>
     <p:extLst>
       <p:ext uri="{BB962C8B-B14F-4D97-AF65-F5344CB8AC3E}">
@@ -28678,7 +29149,7 @@
           <p:cNvPr id="2" name="Title 1">
             <a:extLst>
               <a:ext uri="{FF2B5EF4-FFF2-40B4-BE49-F238E27FC236}">
-                <a16:creationId xmlns:a16="http://schemas.microsoft.com/office/drawing/2014/main" id="{152FE35A-358B-214B-A641-C9A9D1228126}"/>
+                <a16:creationId xmlns:a16="http://schemas.microsoft.com/office/drawing/2014/main" id="{113756C1-8E0A-E54F-B8BC-71B07A65BA8C}"/>
               </a:ext>
             </a:extLst>
           </p:cNvPr>
@@ -28696,8 +29167,13 @@
           <a:p>
             <a:r>
               <a:rPr lang="en-US" dirty="0"/>
-              <a:t>PIVOT TABLE</a:t>
+              <a:t>Understanding Land Use By </a:t>
             </a:r>
+            <a:r>
+              <a:rPr lang="en-US" dirty="0" err="1"/>
+              <a:t>countY</a:t>
+            </a:r>
+            <a:endParaRPr lang="en-US" dirty="0"/>
           </a:p>
         </p:txBody>
       </p:sp>
@@ -28706,7 +29182,7 @@
           <p:cNvPr id="3" name="Content Placeholder 2">
             <a:extLst>
               <a:ext uri="{FF2B5EF4-FFF2-40B4-BE49-F238E27FC236}">
-                <a16:creationId xmlns:a16="http://schemas.microsoft.com/office/drawing/2014/main" id="{C1F8BA6B-6F8B-BA4E-B482-0FE350C5E512}"/>
+                <a16:creationId xmlns:a16="http://schemas.microsoft.com/office/drawing/2014/main" id="{E578ACFD-E6EB-E145-913B-D2605BE9A3AF}"/>
               </a:ext>
             </a:extLst>
           </p:cNvPr>
@@ -28722,14 +29198,14 @@
           <a:bodyPr/>
           <a:lstStyle/>
           <a:p>
-            <a:endParaRPr lang="en-US"/>
+            <a:endParaRPr lang="en-US" dirty="0"/>
           </a:p>
         </p:txBody>
       </p:sp>
     </p:spTree>
     <p:extLst>
       <p:ext uri="{BB962C8B-B14F-4D97-AF65-F5344CB8AC3E}">
-        <p14:creationId xmlns:p14="http://schemas.microsoft.com/office/powerpoint/2010/main" val="3218723111"/>
+        <p14:creationId xmlns:p14="http://schemas.microsoft.com/office/powerpoint/2010/main" val="1233653541"/>
       </p:ext>
     </p:extLst>
   </p:cSld>
@@ -28740,94 +29216,6 @@
 </file>
 
 <file path=ppt/slides/slide12.xml><?xml version="1.0" encoding="utf-8"?>
-<p:sld xmlns:a="http://schemas.openxmlformats.org/drawingml/2006/main" xmlns:r="http://schemas.openxmlformats.org/officeDocument/2006/relationships" xmlns:p="http://schemas.openxmlformats.org/presentationml/2006/main">
-  <p:cSld>
-    <p:bg>
-      <p:bgPr>
-        <a:gradFill rotWithShape="1">
-          <a:gsLst>
-            <a:gs pos="0">
-              <a:schemeClr val="bg1">
-                <a:tint val="90000"/>
-                <a:lumMod val="110000"/>
-              </a:schemeClr>
-            </a:gs>
-            <a:gs pos="100000">
-              <a:schemeClr val="bg1">
-                <a:shade val="64000"/>
-                <a:lumMod val="88000"/>
-              </a:schemeClr>
-            </a:gs>
-          </a:gsLst>
-          <a:lin ang="5400000" scaled="0"/>
-        </a:gradFill>
-        <a:effectLst/>
-      </p:bgPr>
-    </p:bg>
-    <p:spTree>
-      <p:nvGrpSpPr>
-        <p:cNvPr id="1" name=""/>
-        <p:cNvGrpSpPr/>
-        <p:nvPr/>
-      </p:nvGrpSpPr>
-      <p:grpSpPr>
-        <a:xfrm>
-          <a:off x="0" y="0"/>
-          <a:ext cx="0" cy="0"/>
-          <a:chOff x="0" y="0"/>
-          <a:chExt cx="0" cy="0"/>
-        </a:xfrm>
-      </p:grpSpPr>
-      <p:sp>
-        <p:nvSpPr>
-          <p:cNvPr id="2" name="Title 1">
-            <a:extLst>
-              <a:ext uri="{FF2B5EF4-FFF2-40B4-BE49-F238E27FC236}">
-                <a16:creationId xmlns:a16="http://schemas.microsoft.com/office/drawing/2014/main" id="{3C19FD08-50E6-3E4D-B7DB-1D97D49737C6}"/>
-              </a:ext>
-            </a:extLst>
-          </p:cNvPr>
-          <p:cNvSpPr>
-            <a:spLocks noGrp="1"/>
-          </p:cNvSpPr>
-          <p:nvPr>
-            <p:ph type="title"/>
-          </p:nvPr>
-        </p:nvSpPr>
-        <p:spPr>
-          <a:xfrm>
-            <a:off x="641074" y="1419900"/>
-            <a:ext cx="2844002" cy="4018201"/>
-          </a:xfrm>
-        </p:spPr>
-        <p:txBody>
-          <a:bodyPr>
-            <a:normAutofit/>
-          </a:bodyPr>
-          <a:lstStyle/>
-          <a:p>
-            <a:pPr algn="l"/>
-            <a:r>
-              <a:rPr lang="en-US" sz="4400" dirty="0"/>
-              <a:t>APPENDIX</a:t>
-            </a:r>
-          </a:p>
-        </p:txBody>
-      </p:sp>
-    </p:spTree>
-    <p:extLst>
-      <p:ext uri="{BB962C8B-B14F-4D97-AF65-F5344CB8AC3E}">
-        <p14:creationId xmlns:p14="http://schemas.microsoft.com/office/powerpoint/2010/main" val="1883081401"/>
-      </p:ext>
-    </p:extLst>
-  </p:cSld>
-  <p:clrMapOvr>
-    <a:masterClrMapping/>
-  </p:clrMapOvr>
-</p:sld>
-</file>
-
-<file path=ppt/slides/slide13.xml><?xml version="1.0" encoding="utf-8"?>
 <p:sld xmlns:a="http://schemas.openxmlformats.org/drawingml/2006/main" xmlns:r="http://schemas.openxmlformats.org/officeDocument/2006/relationships" xmlns:p="http://schemas.openxmlformats.org/presentationml/2006/main">
   <p:cSld>
     <p:spTree>
@@ -28908,17 +29296,53 @@
           </a:bodyPr>
           <a:lstStyle/>
           <a:p>
-            <a:pPr indent="-228600" algn="l">
-              <a:buFont typeface="Arial" panose="020B0604020202020204" pitchFamily="34" charset="0"/>
-              <a:buChar char="•"/>
-            </a:pPr>
+            <a:pPr lvl="0"/>
             <a:r>
-              <a:rPr lang="en-US" dirty="0">
-                <a:solidFill>
-                  <a:schemeClr val="tx1"/>
-                </a:solidFill>
-              </a:rPr>
-              <a:t>Nandini</a:t>
+              <a:rPr lang="en-US" dirty="0"/>
+              <a:t>GIS data – Area?</a:t>
+            </a:r>
+          </a:p>
+          <a:p>
+            <a:pPr lvl="0"/>
+            <a:r>
+              <a:rPr lang="en-US" dirty="0"/>
+              <a:t>School District / Tax (Licking, Morrow, Hocking, Franklin)</a:t>
+            </a:r>
+          </a:p>
+          <a:p>
+            <a:pPr lvl="0"/>
+            <a:r>
+              <a:rPr lang="en-US" dirty="0"/>
+              <a:t>Neighborhood Codes </a:t>
+            </a:r>
+          </a:p>
+          <a:p>
+            <a:pPr lvl="0"/>
+            <a:r>
+              <a:rPr lang="en-US" dirty="0"/>
+              <a:t>Remove </a:t>
+            </a:r>
+            <a:r>
+              <a:rPr lang="en-US" dirty="0" err="1"/>
+              <a:t>ValidSale</a:t>
+            </a:r>
+            <a:r>
+              <a:rPr lang="en-US" dirty="0"/>
+              <a:t> = NO (ex., Morrow has NO for 100 rows)</a:t>
+            </a:r>
+          </a:p>
+          <a:p>
+            <a:pPr lvl="0"/>
+            <a:r>
+              <a:rPr lang="en-US" dirty="0"/>
+              <a:t>Beautification of visualizations (ex., formatting sales amounts)</a:t>
+            </a:r>
+          </a:p>
+          <a:p>
+            <a:pPr lvl="0"/>
+            <a:r>
+              <a:rPr lang="en-US" dirty="0"/>
+              <a:t>Explain trends in housing market</a:t>
             </a:r>
           </a:p>
           <a:p>
@@ -28926,42 +29350,11 @@
               <a:buFont typeface="Arial" panose="020B0604020202020204" pitchFamily="34" charset="0"/>
               <a:buChar char="•"/>
             </a:pPr>
-            <a:r>
-              <a:rPr lang="en-US" dirty="0">
-                <a:solidFill>
-                  <a:schemeClr val="tx1"/>
-                </a:solidFill>
-              </a:rPr>
-              <a:t>Kelly</a:t>
-            </a:r>
-          </a:p>
-          <a:p>
-            <a:pPr indent="-228600" algn="l">
-              <a:buFont typeface="Arial" panose="020B0604020202020204" pitchFamily="34" charset="0"/>
-              <a:buChar char="•"/>
-            </a:pPr>
-            <a:r>
-              <a:rPr lang="en-US" dirty="0">
-                <a:solidFill>
-                  <a:schemeClr val="tx1"/>
-                </a:solidFill>
-              </a:rPr>
-              <a:t>Chad</a:t>
-            </a:r>
-          </a:p>
-          <a:p>
-            <a:pPr indent="-228600" algn="l">
-              <a:buFont typeface="Arial" panose="020B0604020202020204" pitchFamily="34" charset="0"/>
-              <a:buChar char="•"/>
-            </a:pPr>
-            <a:r>
-              <a:rPr lang="en-US" dirty="0">
-                <a:solidFill>
-                  <a:schemeClr val="tx1"/>
-                </a:solidFill>
-              </a:rPr>
-              <a:t>Raji</a:t>
-            </a:r>
+            <a:endParaRPr lang="en-US" dirty="0">
+              <a:solidFill>
+                <a:schemeClr val="tx1"/>
+              </a:solidFill>
+            </a:endParaRPr>
           </a:p>
         </p:txBody>
       </p:sp>
@@ -29020,6 +29413,94 @@
     <p:extLst>
       <p:ext uri="{BB962C8B-B14F-4D97-AF65-F5344CB8AC3E}">
         <p14:creationId xmlns:p14="http://schemas.microsoft.com/office/powerpoint/2010/main" val="2408273670"/>
+      </p:ext>
+    </p:extLst>
+  </p:cSld>
+  <p:clrMapOvr>
+    <a:masterClrMapping/>
+  </p:clrMapOvr>
+</p:sld>
+</file>
+
+<file path=ppt/slides/slide13.xml><?xml version="1.0" encoding="utf-8"?>
+<p:sld xmlns:a="http://schemas.openxmlformats.org/drawingml/2006/main" xmlns:r="http://schemas.openxmlformats.org/officeDocument/2006/relationships" xmlns:p="http://schemas.openxmlformats.org/presentationml/2006/main">
+  <p:cSld>
+    <p:bg>
+      <p:bgPr>
+        <a:gradFill rotWithShape="1">
+          <a:gsLst>
+            <a:gs pos="0">
+              <a:schemeClr val="bg1">
+                <a:tint val="90000"/>
+                <a:lumMod val="110000"/>
+              </a:schemeClr>
+            </a:gs>
+            <a:gs pos="100000">
+              <a:schemeClr val="bg1">
+                <a:shade val="64000"/>
+                <a:lumMod val="88000"/>
+              </a:schemeClr>
+            </a:gs>
+          </a:gsLst>
+          <a:lin ang="5400000" scaled="0"/>
+        </a:gradFill>
+        <a:effectLst/>
+      </p:bgPr>
+    </p:bg>
+    <p:spTree>
+      <p:nvGrpSpPr>
+        <p:cNvPr id="1" name=""/>
+        <p:cNvGrpSpPr/>
+        <p:nvPr/>
+      </p:nvGrpSpPr>
+      <p:grpSpPr>
+        <a:xfrm>
+          <a:off x="0" y="0"/>
+          <a:ext cx="0" cy="0"/>
+          <a:chOff x="0" y="0"/>
+          <a:chExt cx="0" cy="0"/>
+        </a:xfrm>
+      </p:grpSpPr>
+      <p:sp>
+        <p:nvSpPr>
+          <p:cNvPr id="2" name="Title 1">
+            <a:extLst>
+              <a:ext uri="{FF2B5EF4-FFF2-40B4-BE49-F238E27FC236}">
+                <a16:creationId xmlns:a16="http://schemas.microsoft.com/office/drawing/2014/main" id="{3C19FD08-50E6-3E4D-B7DB-1D97D49737C6}"/>
+              </a:ext>
+            </a:extLst>
+          </p:cNvPr>
+          <p:cNvSpPr>
+            <a:spLocks noGrp="1"/>
+          </p:cNvSpPr>
+          <p:nvPr>
+            <p:ph type="title"/>
+          </p:nvPr>
+        </p:nvSpPr>
+        <p:spPr>
+          <a:xfrm>
+            <a:off x="641074" y="1419900"/>
+            <a:ext cx="2844002" cy="4018201"/>
+          </a:xfrm>
+        </p:spPr>
+        <p:txBody>
+          <a:bodyPr>
+            <a:normAutofit/>
+          </a:bodyPr>
+          <a:lstStyle/>
+          <a:p>
+            <a:pPr algn="l"/>
+            <a:r>
+              <a:rPr lang="en-US" sz="4400" dirty="0"/>
+              <a:t>APPENDIX</a:t>
+            </a:r>
+          </a:p>
+        </p:txBody>
+      </p:sp>
+    </p:spTree>
+    <p:extLst>
+      <p:ext uri="{BB962C8B-B14F-4D97-AF65-F5344CB8AC3E}">
+        <p14:creationId xmlns:p14="http://schemas.microsoft.com/office/powerpoint/2010/main" val="1883081401"/>
       </p:ext>
     </p:extLst>
   </p:cSld>
@@ -29648,6 +30129,162 @@
         <a:gradFill rotWithShape="1">
           <a:gsLst>
             <a:gs pos="0">
+              <a:schemeClr val="bg1">
+                <a:tint val="84000"/>
+                <a:shade val="100000"/>
+                <a:hueMod val="130000"/>
+                <a:satMod val="150000"/>
+                <a:lumMod val="112000"/>
+              </a:schemeClr>
+            </a:gs>
+            <a:gs pos="100000">
+              <a:schemeClr val="bg1">
+                <a:shade val="92000"/>
+                <a:satMod val="140000"/>
+                <a:lumMod val="110000"/>
+              </a:schemeClr>
+            </a:gs>
+          </a:gsLst>
+          <a:lin ang="5400000" scaled="0"/>
+        </a:gradFill>
+        <a:effectLst/>
+      </p:bgPr>
+    </p:bg>
+    <p:spTree>
+      <p:nvGrpSpPr>
+        <p:cNvPr id="1" name=""/>
+        <p:cNvGrpSpPr/>
+        <p:nvPr/>
+      </p:nvGrpSpPr>
+      <p:grpSpPr>
+        <a:xfrm>
+          <a:off x="0" y="0"/>
+          <a:ext cx="0" cy="0"/>
+          <a:chOff x="0" y="0"/>
+          <a:chExt cx="0" cy="0"/>
+        </a:xfrm>
+      </p:grpSpPr>
+      <p:sp>
+        <p:nvSpPr>
+          <p:cNvPr id="2" name="Title 1">
+            <a:extLst>
+              <a:ext uri="{FF2B5EF4-FFF2-40B4-BE49-F238E27FC236}">
+                <a16:creationId xmlns:a16="http://schemas.microsoft.com/office/drawing/2014/main" id="{678DD913-5037-0C41-8E1A-EF273600243D}"/>
+              </a:ext>
+            </a:extLst>
+          </p:cNvPr>
+          <p:cNvSpPr>
+            <a:spLocks noGrp="1"/>
+          </p:cNvSpPr>
+          <p:nvPr>
+            <p:ph type="title"/>
+          </p:nvPr>
+        </p:nvSpPr>
+        <p:spPr>
+          <a:xfrm>
+            <a:off x="641074" y="1588878"/>
+            <a:ext cx="2844002" cy="3680244"/>
+          </a:xfrm>
+        </p:spPr>
+        <p:txBody>
+          <a:bodyPr>
+            <a:normAutofit/>
+          </a:bodyPr>
+          <a:lstStyle/>
+          <a:p>
+            <a:pPr algn="l"/>
+            <a:r>
+              <a:rPr lang="en-US" sz="4400">
+                <a:solidFill>
+                  <a:srgbClr val="FFFFFF"/>
+                </a:solidFill>
+              </a:rPr>
+              <a:t>Problem Statement</a:t>
+            </a:r>
+          </a:p>
+        </p:txBody>
+      </p:sp>
+      <p:sp>
+        <p:nvSpPr>
+          <p:cNvPr id="20" name="Content Placeholder 2">
+            <a:extLst>
+              <a:ext uri="{FF2B5EF4-FFF2-40B4-BE49-F238E27FC236}">
+                <a16:creationId xmlns:a16="http://schemas.microsoft.com/office/drawing/2014/main" id="{2B175BB5-DB1E-314D-80D8-2AD268C82C20}"/>
+              </a:ext>
+            </a:extLst>
+          </p:cNvPr>
+          <p:cNvSpPr>
+            <a:spLocks noGrp="1"/>
+          </p:cNvSpPr>
+          <p:nvPr>
+            <p:ph idx="1"/>
+          </p:nvPr>
+        </p:nvSpPr>
+        <p:spPr>
+          <a:xfrm>
+            <a:off x="4634794" y="1049695"/>
+            <a:ext cx="6642806" cy="4758611"/>
+          </a:xfrm>
+        </p:spPr>
+        <p:txBody>
+          <a:bodyPr anchor="ctr">
+            <a:normAutofit/>
+          </a:bodyPr>
+          <a:lstStyle/>
+          <a:p>
+            <a:r>
+              <a:rPr lang="en-US" dirty="0"/>
+              <a:t>Understand How number of rooms impact sales price on home sales </a:t>
+            </a:r>
+          </a:p>
+          <a:p>
+            <a:r>
+              <a:rPr lang="en-US" dirty="0"/>
+              <a:t>Understanding Land Use across counties</a:t>
+            </a:r>
+          </a:p>
+          <a:p>
+            <a:pPr lvl="1"/>
+            <a:r>
+              <a:rPr lang="en-US" dirty="0"/>
+              <a:t>Ex., Is Delaware more rural or agricultural?</a:t>
+            </a:r>
+          </a:p>
+          <a:p>
+            <a:r>
+              <a:rPr lang="en-US" dirty="0"/>
+              <a:t>Determine if we can explain trends in the housing market with knowledge of events or other aspects that would influence the data</a:t>
+            </a:r>
+          </a:p>
+          <a:p>
+            <a:r>
+              <a:rPr lang="en-US" dirty="0"/>
+              <a:t>Which county has more sales of newer builds</a:t>
+            </a:r>
+          </a:p>
+        </p:txBody>
+      </p:sp>
+    </p:spTree>
+    <p:extLst>
+      <p:ext uri="{BB962C8B-B14F-4D97-AF65-F5344CB8AC3E}">
+        <p14:creationId xmlns:p14="http://schemas.microsoft.com/office/powerpoint/2010/main" val="1124696525"/>
+      </p:ext>
+    </p:extLst>
+  </p:cSld>
+  <p:clrMapOvr>
+    <a:masterClrMapping/>
+  </p:clrMapOvr>
+</p:sld>
+</file>
+
+<file path=ppt/slides/slide4.xml><?xml version="1.0" encoding="utf-8"?>
+<p:sld xmlns:a="http://schemas.openxmlformats.org/drawingml/2006/main" xmlns:r="http://schemas.openxmlformats.org/officeDocument/2006/relationships" xmlns:p="http://schemas.openxmlformats.org/presentationml/2006/main">
+  <p:cSld>
+    <p:bg>
+      <p:bgPr>
+        <a:gradFill rotWithShape="1">
+          <a:gsLst>
+            <a:gs pos="0">
               <a:schemeClr val="bg2">
                 <a:tint val="84000"/>
                 <a:shade val="100000"/>
@@ -29763,7 +30400,7 @@
 </p:sld>
 </file>
 
-<file path=ppt/slides/slide4.xml><?xml version="1.0" encoding="utf-8"?>
+<file path=ppt/slides/slide5.xml><?xml version="1.0" encoding="utf-8"?>
 <p:sld xmlns:a="http://schemas.openxmlformats.org/drawingml/2006/main" xmlns:r="http://schemas.openxmlformats.org/officeDocument/2006/relationships" xmlns:p="http://schemas.openxmlformats.org/presentationml/2006/main">
   <p:cSld>
     <p:spTree>
@@ -29856,7 +30493,7 @@
 </p:sld>
 </file>
 
-<file path=ppt/slides/slide5.xml><?xml version="1.0" encoding="utf-8"?>
+<file path=ppt/slides/slide6.xml><?xml version="1.0" encoding="utf-8"?>
 <p:sld xmlns:a="http://schemas.openxmlformats.org/drawingml/2006/main" xmlns:r="http://schemas.openxmlformats.org/officeDocument/2006/relationships" xmlns:p="http://schemas.openxmlformats.org/presentationml/2006/main">
   <p:cSld>
     <p:spTree>
@@ -29916,7 +30553,7 @@
 </p:sld>
 </file>
 
-<file path=ppt/slides/slide6.xml><?xml version="1.0" encoding="utf-8"?>
+<file path=ppt/slides/slide7.xml><?xml version="1.0" encoding="utf-8"?>
 <p:sld xmlns:a="http://schemas.openxmlformats.org/drawingml/2006/main" xmlns:r="http://schemas.openxmlformats.org/officeDocument/2006/relationships" xmlns:p="http://schemas.openxmlformats.org/presentationml/2006/main">
   <p:cSld>
     <p:bg>
@@ -30011,7 +30648,7 @@
             <p:ph idx="1"/>
             <p:extLst>
               <p:ext uri="{D42A27DB-BD31-4B8C-83A1-F6EECF244321}">
-                <p14:modId xmlns:p14="http://schemas.microsoft.com/office/powerpoint/2010/main" val="2031088828"/>
+                <p14:modId xmlns:p14="http://schemas.microsoft.com/office/powerpoint/2010/main" val="2830282225"/>
               </p:ext>
             </p:extLst>
           </p:nvPr>
@@ -30039,7 +30676,7 @@
 </p:sld>
 </file>
 
-<file path=ppt/slides/slide7.xml><?xml version="1.0" encoding="utf-8"?>
+<file path=ppt/slides/slide8.xml><?xml version="1.0" encoding="utf-8"?>
 <p:sld xmlns:a="http://schemas.openxmlformats.org/drawingml/2006/main" xmlns:r="http://schemas.openxmlformats.org/officeDocument/2006/relationships" xmlns:p="http://schemas.openxmlformats.org/presentationml/2006/main">
   <p:cSld>
     <p:spTree>
@@ -30136,7 +30773,7 @@
 </p:sld>
 </file>
 
-<file path=ppt/slides/slide8.xml><?xml version="1.0" encoding="utf-8"?>
+<file path=ppt/slides/slide9.xml><?xml version="1.0" encoding="utf-8"?>
 <p:sld xmlns:a="http://schemas.openxmlformats.org/drawingml/2006/main" xmlns:r="http://schemas.openxmlformats.org/officeDocument/2006/relationships" xmlns:p="http://schemas.openxmlformats.org/presentationml/2006/main">
   <p:cSld>
     <p:spTree>
@@ -30233,89 +30870,6 @@
 </p:sld>
 </file>
 
-<file path=ppt/slides/slide9.xml><?xml version="1.0" encoding="utf-8"?>
-<p:sld xmlns:a="http://schemas.openxmlformats.org/drawingml/2006/main" xmlns:r="http://schemas.openxmlformats.org/officeDocument/2006/relationships" xmlns:p="http://schemas.openxmlformats.org/presentationml/2006/main">
-  <p:cSld>
-    <p:spTree>
-      <p:nvGrpSpPr>
-        <p:cNvPr id="1" name=""/>
-        <p:cNvGrpSpPr/>
-        <p:nvPr/>
-      </p:nvGrpSpPr>
-      <p:grpSpPr>
-        <a:xfrm>
-          <a:off x="0" y="0"/>
-          <a:ext cx="0" cy="0"/>
-          <a:chOff x="0" y="0"/>
-          <a:chExt cx="0" cy="0"/>
-        </a:xfrm>
-      </p:grpSpPr>
-      <p:sp>
-        <p:nvSpPr>
-          <p:cNvPr id="2" name="Title 1">
-            <a:extLst>
-              <a:ext uri="{FF2B5EF4-FFF2-40B4-BE49-F238E27FC236}">
-                <a16:creationId xmlns:a16="http://schemas.microsoft.com/office/drawing/2014/main" id="{113756C1-8E0A-E54F-B8BC-71B07A65BA8C}"/>
-              </a:ext>
-            </a:extLst>
-          </p:cNvPr>
-          <p:cNvSpPr>
-            <a:spLocks noGrp="1"/>
-          </p:cNvSpPr>
-          <p:nvPr>
-            <p:ph type="title"/>
-          </p:nvPr>
-        </p:nvSpPr>
-        <p:spPr/>
-        <p:txBody>
-          <a:bodyPr/>
-          <a:lstStyle/>
-          <a:p>
-            <a:r>
-              <a:rPr lang="en-US" dirty="0"/>
-              <a:t>SCATTER PLOT</a:t>
-            </a:r>
-          </a:p>
-        </p:txBody>
-      </p:sp>
-      <p:sp>
-        <p:nvSpPr>
-          <p:cNvPr id="3" name="Content Placeholder 2">
-            <a:extLst>
-              <a:ext uri="{FF2B5EF4-FFF2-40B4-BE49-F238E27FC236}">
-                <a16:creationId xmlns:a16="http://schemas.microsoft.com/office/drawing/2014/main" id="{E578ACFD-E6EB-E145-913B-D2605BE9A3AF}"/>
-              </a:ext>
-            </a:extLst>
-          </p:cNvPr>
-          <p:cNvSpPr>
-            <a:spLocks noGrp="1"/>
-          </p:cNvSpPr>
-          <p:nvPr>
-            <p:ph idx="1"/>
-          </p:nvPr>
-        </p:nvSpPr>
-        <p:spPr/>
-        <p:txBody>
-          <a:bodyPr/>
-          <a:lstStyle/>
-          <a:p>
-            <a:endParaRPr lang="en-US"/>
-          </a:p>
-        </p:txBody>
-      </p:sp>
-    </p:spTree>
-    <p:extLst>
-      <p:ext uri="{BB962C8B-B14F-4D97-AF65-F5344CB8AC3E}">
-        <p14:creationId xmlns:p14="http://schemas.microsoft.com/office/powerpoint/2010/main" val="1233653541"/>
-      </p:ext>
-    </p:extLst>
-  </p:cSld>
-  <p:clrMapOvr>
-    <a:masterClrMapping/>
-  </p:clrMapOvr>
-</p:sld>
-</file>
-
 <file path=ppt/theme/theme1.xml><?xml version="1.0" encoding="utf-8"?>
 <a:theme xmlns:a="http://schemas.openxmlformats.org/drawingml/2006/main" name="Droplet">
   <a:themeElements>
@@ -30327,34 +30881,34 @@
         <a:sysClr val="window" lastClr="FFFFFF"/>
       </a:lt1>
       <a:dk2>
-        <a:srgbClr val="355071"/>
+        <a:srgbClr val="1C647B"/>
       </a:dk2>
       <a:lt2>
-        <a:srgbClr val="AABED7"/>
+        <a:srgbClr val="98B7D3"/>
       </a:lt2>
       <a:accent1>
-        <a:srgbClr val="2FA3EE"/>
+        <a:srgbClr val="274FA4"/>
       </a:accent1>
       <a:accent2>
-        <a:srgbClr val="4BCAAD"/>
+        <a:srgbClr val="48A8D0"/>
       </a:accent2>
       <a:accent3>
-        <a:srgbClr val="86C157"/>
+        <a:srgbClr val="53B18F"/>
       </a:accent3>
       <a:accent4>
-        <a:srgbClr val="D99C3F"/>
+        <a:srgbClr val="D78D38"/>
       </a:accent4>
       <a:accent5>
-        <a:srgbClr val="CE6633"/>
+        <a:srgbClr val="BA3F51"/>
       </a:accent5>
       <a:accent6>
-        <a:srgbClr val="A35DD1"/>
+        <a:srgbClr val="AE52D9"/>
       </a:accent6>
       <a:hlink>
-        <a:srgbClr val="56BCFE"/>
+        <a:srgbClr val="2AA2DA"/>
       </a:hlink>
       <a:folHlink>
-        <a:srgbClr val="97C5E3"/>
+        <a:srgbClr val="76A3B8"/>
       </a:folHlink>
     </a:clrScheme>
     <a:fontScheme name="Droplet">
@@ -30552,16 +31106,16 @@
               <a:schemeClr val="phClr">
                 <a:tint val="84000"/>
                 <a:shade val="100000"/>
-                <a:hueMod val="130000"/>
-                <a:satMod val="150000"/>
-                <a:lumMod val="112000"/>
+                <a:hueMod val="92000"/>
+                <a:satMod val="180000"/>
+                <a:lumMod val="114000"/>
               </a:schemeClr>
             </a:gs>
             <a:gs pos="100000">
               <a:schemeClr val="phClr">
                 <a:shade val="92000"/>
-                <a:satMod val="140000"/>
-                <a:lumMod val="110000"/>
+                <a:satMod val="170000"/>
+                <a:lumMod val="96000"/>
               </a:schemeClr>
             </a:gs>
           </a:gsLst>
@@ -30574,7 +31128,7 @@
   <a:extraClrSchemeLst/>
   <a:extLst>
     <a:ext uri="{05A4C25C-085E-4340-85A3-A5531E510DB2}">
-      <thm15:themeFamily xmlns:thm15="http://schemas.microsoft.com/office/thememl/2012/main" name="Droplet" id="{8984A317-299A-4E50-B45D-BFC9EDE2337A}" vid="{A633B6A3-9E7F-4C10-9C98-2517A3134361}"/>
+      <thm15:themeFamily xmlns:thm15="http://schemas.microsoft.com/office/thememl/2012/main" name="Droplet" id="{8984A317-299A-4E50-B45D-BFC9EDE2337A}" vid="{DEB094D4-7FD8-4F86-93D5-B0F1341EF586}"/>
     </a:ext>
   </a:extLst>
 </a:theme>

--- a/docs/Team 4 Lab 1.pptx
+++ b/docs/Team 4 Lab 1.pptx
@@ -10,16 +10,17 @@
     <p:sldId id="273" r:id="rId4"/>
     <p:sldId id="262" r:id="rId5"/>
     <p:sldId id="263" r:id="rId6"/>
-    <p:sldId id="261" r:id="rId7"/>
-    <p:sldId id="257" r:id="rId8"/>
-    <p:sldId id="266" r:id="rId9"/>
-    <p:sldId id="267" r:id="rId10"/>
-    <p:sldId id="270" r:id="rId11"/>
-    <p:sldId id="269" r:id="rId12"/>
-    <p:sldId id="272" r:id="rId13"/>
-    <p:sldId id="268" r:id="rId14"/>
-    <p:sldId id="259" r:id="rId15"/>
-    <p:sldId id="260" r:id="rId16"/>
+    <p:sldId id="257" r:id="rId7"/>
+    <p:sldId id="266" r:id="rId8"/>
+    <p:sldId id="267" r:id="rId9"/>
+    <p:sldId id="270" r:id="rId10"/>
+    <p:sldId id="274" r:id="rId11"/>
+    <p:sldId id="276" r:id="rId12"/>
+    <p:sldId id="277" r:id="rId13"/>
+    <p:sldId id="272" r:id="rId14"/>
+    <p:sldId id="268" r:id="rId15"/>
+    <p:sldId id="259" r:id="rId16"/>
+    <p:sldId id="260" r:id="rId17"/>
   </p:sldIdLst>
   <p:sldSz cx="12192000" cy="6858000"/>
   <p:notesSz cx="6858000" cy="9144000"/>
@@ -7163,8 +7164,8 @@
         <a:lstStyle/>
         <a:p>
           <a:r>
-            <a:rPr lang="en-US"/>
-            <a:t>APPROACH – get data from county auditor site ourselves</a:t>
+            <a:rPr lang="en-US" dirty="0"/>
+            <a:t>APPROACH: get data from county auditor site (Morrow, Madison, Franklin)</a:t>
           </a:r>
         </a:p>
       </dgm:t>
@@ -7200,7 +7201,7 @@
         <a:p>
           <a:r>
             <a:rPr lang="en-US" dirty="0"/>
-            <a:t>Extraneous&amp; duplicate columns</a:t>
+            <a:t>Extraneous, duplicate &amp; split out columns</a:t>
           </a:r>
         </a:p>
       </dgm:t>
@@ -7235,7 +7236,7 @@
         <a:lstStyle/>
         <a:p>
           <a:r>
-            <a:rPr lang="en-US"/>
+            <a:rPr lang="en-US" dirty="0"/>
             <a:t>Ex., only 86 / 156 recs for Madison/Morrow</a:t>
           </a:r>
         </a:p>
@@ -7272,7 +7273,7 @@
         <a:p>
           <a:r>
             <a:rPr lang="en-US" dirty="0"/>
-            <a:t>Dropped unnamed:27 </a:t>
+            <a:t>APPROACH:</a:t>
           </a:r>
         </a:p>
       </dgm:t>
@@ -7388,6 +7389,12 @@
           </a:r>
           <a:endParaRPr lang="en-US" dirty="0"/>
         </a:p>
+        <a:p>
+          <a:r>
+            <a:rPr lang="en-US" dirty="0"/>
+            <a:t>APPROACH: Where column were present in most files, we kept and filled with NA</a:t>
+          </a:r>
+        </a:p>
       </dgm:t>
     </dgm:pt>
     <dgm:pt modelId="{E29461F0-BFCF-8848-9A48-195C48E63DB8}" type="parTrans" cxnId="{2B929FC1-217D-6F45-9237-D404D810B5E2}">
@@ -7411,6 +7418,108 @@
           <a:endParaRPr lang="en-US"/>
         </a:p>
       </dgm:t>
+    </dgm:pt>
+    <dgm:pt modelId="{A947A013-76E4-DF4B-9CF1-F7C2C55EEFB9}">
+      <dgm:prSet/>
+      <dgm:spPr/>
+      <dgm:t>
+        <a:bodyPr/>
+        <a:lstStyle/>
+        <a:p>
+          <a:r>
+            <a:rPr lang="en-US" dirty="0"/>
+            <a:t>Combined (ex., </a:t>
+          </a:r>
+          <a:r>
+            <a:rPr lang="en-US" dirty="0" err="1"/>
+            <a:t>TotalBaths</a:t>
+          </a:r>
+          <a:r>
+            <a:rPr lang="en-US" dirty="0"/>
+            <a:t>, address fields)</a:t>
+          </a:r>
+        </a:p>
+      </dgm:t>
+    </dgm:pt>
+    <dgm:pt modelId="{BAABF8A1-BE38-B74F-B091-EC9F969E6268}" type="parTrans" cxnId="{4DFDCC77-1ABE-6145-B874-414F0EA1BBB9}">
+      <dgm:prSet/>
+      <dgm:spPr/>
+      <dgm:t>
+        <a:bodyPr/>
+        <a:lstStyle/>
+        <a:p>
+          <a:endParaRPr lang="en-US"/>
+        </a:p>
+      </dgm:t>
+    </dgm:pt>
+    <dgm:pt modelId="{1638B7A9-8DFA-E141-8DA4-8B30ADD45FA5}" type="sibTrans" cxnId="{4DFDCC77-1ABE-6145-B874-414F0EA1BBB9}">
+      <dgm:prSet/>
+      <dgm:spPr/>
+      <dgm:t>
+        <a:bodyPr/>
+        <a:lstStyle/>
+        <a:p>
+          <a:endParaRPr lang="en-US"/>
+        </a:p>
+      </dgm:t>
+    </dgm:pt>
+    <dgm:pt modelId="{ED5D12D2-B22C-4A4C-BD18-7458D5F5797E}">
+      <dgm:prSet/>
+      <dgm:spPr/>
+      <dgm:t>
+        <a:bodyPr/>
+        <a:lstStyle/>
+        <a:p>
+          <a:r>
+            <a:rPr lang="en-US" dirty="0"/>
+            <a:t>Manual examination to determine which columns to ignore </a:t>
+          </a:r>
+        </a:p>
+      </dgm:t>
+    </dgm:pt>
+    <dgm:pt modelId="{8481EB87-1695-5347-9497-6A9AA8F827AA}" type="parTrans" cxnId="{E6ABDFE5-B361-C84A-847A-C5302F3A3529}">
+      <dgm:prSet/>
+      <dgm:spPr/>
+      <dgm:t>
+        <a:bodyPr/>
+        <a:lstStyle/>
+        <a:p>
+          <a:endParaRPr lang="en-US"/>
+        </a:p>
+      </dgm:t>
+    </dgm:pt>
+    <dgm:pt modelId="{2FE800B5-A7AF-9C40-AA24-6E8DE80F017A}" type="sibTrans" cxnId="{E6ABDFE5-B361-C84A-847A-C5302F3A3529}">
+      <dgm:prSet/>
+      <dgm:spPr/>
+      <dgm:t>
+        <a:bodyPr/>
+        <a:lstStyle/>
+        <a:p>
+          <a:endParaRPr lang="en-US"/>
+        </a:p>
+      </dgm:t>
+    </dgm:pt>
+    <dgm:pt modelId="{375AE359-DD5E-E84B-B842-BC39428AA17F}">
+      <dgm:prSet/>
+      <dgm:spPr/>
+      <dgm:t>
+        <a:bodyPr/>
+        <a:lstStyle/>
+        <a:p>
+          <a:r>
+            <a:rPr lang="en-US" dirty="0"/>
+            <a:t>Dropped (ex., unnamed:27)</a:t>
+          </a:r>
+        </a:p>
+      </dgm:t>
+    </dgm:pt>
+    <dgm:pt modelId="{240DA9E6-A825-854A-888E-86AC6A0A5D09}" type="parTrans" cxnId="{21E3D12C-9673-3A40-8675-958D75963A13}">
+      <dgm:prSet/>
+      <dgm:spPr/>
+    </dgm:pt>
+    <dgm:pt modelId="{72B35281-F69A-8E48-ACF7-93664D71A95E}" type="sibTrans" cxnId="{21E3D12C-9673-3A40-8675-958D75963A13}">
+      <dgm:prSet/>
+      <dgm:spPr/>
     </dgm:pt>
     <dgm:pt modelId="{85F9CB5E-8F0B-B542-B3A8-99AEA5FAF5E6}" type="pres">
       <dgm:prSet presAssocID="{EC1DFBE0-DAA2-4B10-8E8A-2A1B348C4A53}" presName="Name0" presStyleCnt="0">
@@ -7498,17 +7607,22 @@
   <dgm:cxnLst>
     <dgm:cxn modelId="{36F9EC05-A33F-4A6A-9110-FB9C7082D122}" srcId="{EC1DFBE0-DAA2-4B10-8E8A-2A1B348C4A53}" destId="{63A470ED-A414-457F-9811-9666917432B0}" srcOrd="0" destOrd="0" parTransId="{3829DBEB-028A-4E11-897D-606A97DD4783}" sibTransId="{5EB56BA7-A60D-4C4A-AA65-43B79941CB41}"/>
     <dgm:cxn modelId="{D2A1F309-1386-1F4B-9C43-2568CCFB5F21}" type="presOf" srcId="{3783F72F-D97E-0749-9A86-75B629BE9BC2}" destId="{89AD44BE-3D68-A140-8134-8FDA8D0E9568}" srcOrd="0" destOrd="0" presId="urn:microsoft.com/office/officeart/2016/7/layout/VerticalDownArrowProcess"/>
+    <dgm:cxn modelId="{C723B00C-A54A-3C44-A8E6-7D861C34B41E}" type="presOf" srcId="{ED5D12D2-B22C-4A4C-BD18-7458D5F5797E}" destId="{A667DCE4-B6F2-E344-85E2-1732BC678AE7}" srcOrd="0" destOrd="3" presId="urn:microsoft.com/office/officeart/2016/7/layout/VerticalDownArrowProcess"/>
     <dgm:cxn modelId="{D040370E-29B7-9647-9694-974EBF2C023C}" type="presOf" srcId="{B8C36A48-C3CB-2641-AA6F-A25EBE958F47}" destId="{49A4D71C-A340-254F-B81E-E4C39273157E}" srcOrd="0" destOrd="0" presId="urn:microsoft.com/office/officeart/2016/7/layout/VerticalDownArrowProcess"/>
     <dgm:cxn modelId="{9279F414-0029-FF47-871E-36A22D618337}" type="presOf" srcId="{E8246E1B-EDFE-471E-AEEC-3FA780E49EBC}" destId="{22864D99-1B9E-4946-A54D-7FB01F72FF9C}" srcOrd="1" destOrd="0" presId="urn:microsoft.com/office/officeart/2016/7/layout/VerticalDownArrowProcess"/>
+    <dgm:cxn modelId="{7EA8FE1D-4622-7647-ACB0-D2B33ADC3266}" type="presOf" srcId="{A947A013-76E4-DF4B-9CF1-F7C2C55EEFB9}" destId="{A667DCE4-B6F2-E344-85E2-1732BC678AE7}" srcOrd="0" destOrd="2" presId="urn:microsoft.com/office/officeart/2016/7/layout/VerticalDownArrowProcess"/>
     <dgm:cxn modelId="{3273E825-C530-9B48-9FB1-60E3EB0D9F87}" srcId="{EC1DFBE0-DAA2-4B10-8E8A-2A1B348C4A53}" destId="{3783F72F-D97E-0749-9A86-75B629BE9BC2}" srcOrd="3" destOrd="0" parTransId="{81D1FADE-0153-AE4A-BAFE-13FA60E363BC}" sibTransId="{8BA0185A-DF62-DD47-A6FA-C0AF72D5265E}"/>
+    <dgm:cxn modelId="{21E3D12C-9673-3A40-8675-958D75963A13}" srcId="{C463A361-0DA8-4DA0-96D4-416076B813CE}" destId="{375AE359-DD5E-E84B-B842-BC39428AA17F}" srcOrd="1" destOrd="0" parTransId="{240DA9E6-A825-854A-888E-86AC6A0A5D09}" sibTransId="{72B35281-F69A-8E48-ACF7-93664D71A95E}"/>
     <dgm:cxn modelId="{96471431-CE8F-1E46-B0D6-F9ECEAED8EAC}" type="presOf" srcId="{63A470ED-A414-457F-9811-9666917432B0}" destId="{5FE31BDE-2103-B44C-95CA-774CA3D9D77E}" srcOrd="1" destOrd="0" presId="urn:microsoft.com/office/officeart/2016/7/layout/VerticalDownArrowProcess"/>
     <dgm:cxn modelId="{21D7B739-9DC7-44B7-B4BB-6C3296A62E61}" srcId="{EC1DFBE0-DAA2-4B10-8E8A-2A1B348C4A53}" destId="{E8246E1B-EDFE-471E-AEEC-3FA780E49EBC}" srcOrd="1" destOrd="0" parTransId="{33003EA8-C190-429E-9012-3BCDD936918D}" sibTransId="{0A5B7410-35DD-4E7A-9A54-6B39FA05D95D}"/>
     <dgm:cxn modelId="{EB23804E-E94F-454F-90AF-3D9412914498}" srcId="{63A470ED-A414-457F-9811-9666917432B0}" destId="{81A172FA-DCFC-C149-97DD-CA49425896FA}" srcOrd="0" destOrd="0" parTransId="{299BB3F2-9836-CE41-BCD0-6D41B1678AD5}" sibTransId="{E1C78585-75A2-3348-A409-77CCA3B0A9E5}"/>
     <dgm:cxn modelId="{80DE8660-668A-3E4D-9E96-0942E364263B}" type="presOf" srcId="{E8246E1B-EDFE-471E-AEEC-3FA780E49EBC}" destId="{7FFF925C-8696-9749-90D2-870D0E1C4193}" srcOrd="0" destOrd="0" presId="urn:microsoft.com/office/officeart/2016/7/layout/VerticalDownArrowProcess"/>
     <dgm:cxn modelId="{A623EE6D-AB18-4A0A-9E38-564CB93F6393}" srcId="{E8246E1B-EDFE-471E-AEEC-3FA780E49EBC}" destId="{460BD642-E618-495B-81D5-70122BDCACD5}" srcOrd="1" destOrd="0" parTransId="{E3C793E7-2ED4-4676-8D4B-3C072DD70752}" sibTransId="{F12B3DD0-7AE6-4C29-A9FB-F78335CE584B}"/>
     <dgm:cxn modelId="{1CDE9676-94FD-A848-AB42-CBC344777B7A}" type="presOf" srcId="{C463A361-0DA8-4DA0-96D4-416076B813CE}" destId="{1D27ECA7-A8A9-0443-AD71-C185F729E42A}" srcOrd="0" destOrd="0" presId="urn:microsoft.com/office/officeart/2016/7/layout/VerticalDownArrowProcess"/>
+    <dgm:cxn modelId="{4DFDCC77-1ABE-6145-B874-414F0EA1BBB9}" srcId="{C463A361-0DA8-4DA0-96D4-416076B813CE}" destId="{A947A013-76E4-DF4B-9CF1-F7C2C55EEFB9}" srcOrd="2" destOrd="0" parTransId="{BAABF8A1-BE38-B74F-B091-EC9F969E6268}" sibTransId="{1638B7A9-8DFA-E141-8DA4-8B30ADD45FA5}"/>
     <dgm:cxn modelId="{95A8AB7B-E5F5-A045-936A-2B4D946FC898}" type="presOf" srcId="{C463A361-0DA8-4DA0-96D4-416076B813CE}" destId="{A7D4B1E3-1B9C-FB4E-A059-2AE73927E3E4}" srcOrd="1" destOrd="0" presId="urn:microsoft.com/office/officeart/2016/7/layout/VerticalDownArrowProcess"/>
     <dgm:cxn modelId="{806F1091-6609-4EA5-B1B3-15FB8CDD854E}" srcId="{EC1DFBE0-DAA2-4B10-8E8A-2A1B348C4A53}" destId="{C463A361-0DA8-4DA0-96D4-416076B813CE}" srcOrd="2" destOrd="0" parTransId="{2023E2C3-1D22-45C2-8C8A-80202B1446A6}" sibTransId="{36A79A53-7953-47A4-9FF9-EB7D849103E1}"/>
+    <dgm:cxn modelId="{04646E92-4956-CA4F-98BF-5026E36A38B4}" type="presOf" srcId="{375AE359-DD5E-E84B-B842-BC39428AA17F}" destId="{A667DCE4-B6F2-E344-85E2-1732BC678AE7}" srcOrd="0" destOrd="1" presId="urn:microsoft.com/office/officeart/2016/7/layout/VerticalDownArrowProcess"/>
     <dgm:cxn modelId="{10AC7495-E3CA-4649-9D12-76157441848F}" type="presOf" srcId="{63A470ED-A414-457F-9811-9666917432B0}" destId="{2EAE166A-08DA-D840-93BF-570FB0511B2A}" srcOrd="0" destOrd="0" presId="urn:microsoft.com/office/officeart/2016/7/layout/VerticalDownArrowProcess"/>
     <dgm:cxn modelId="{CD3A4196-0562-6E4C-850A-DDDF097CB9A5}" srcId="{E8246E1B-EDFE-471E-AEEC-3FA780E49EBC}" destId="{B8C36A48-C3CB-2641-AA6F-A25EBE958F47}" srcOrd="0" destOrd="0" parTransId="{109A6399-A2C1-5B45-A20B-82BCD193E120}" sibTransId="{5A397D24-3E1E-5749-97F6-2F01D1622C01}"/>
     <dgm:cxn modelId="{CE16EC97-83B2-A049-9C6D-20AB0E0B1011}" type="presOf" srcId="{460BD642-E618-495B-81D5-70122BDCACD5}" destId="{49A4D71C-A340-254F-B81E-E4C39273157E}" srcOrd="0" destOrd="1" presId="urn:microsoft.com/office/officeart/2016/7/layout/VerticalDownArrowProcess"/>
@@ -7517,6 +7631,7 @@
     <dgm:cxn modelId="{A05202B8-F058-9043-93C2-6C8F4286DEF9}" type="presOf" srcId="{10708CAF-5F7C-1349-BF89-D494C777F359}" destId="{AEBED8D7-1A7B-2044-B251-2D879BA646F3}" srcOrd="0" destOrd="0" presId="urn:microsoft.com/office/officeart/2016/7/layout/VerticalDownArrowProcess"/>
     <dgm:cxn modelId="{F86D64B9-2206-CD4B-8D9D-5DF88CC4B752}" type="presOf" srcId="{81A172FA-DCFC-C149-97DD-CA49425896FA}" destId="{E8253855-FC7D-3047-9ECF-6F5635667838}" srcOrd="0" destOrd="0" presId="urn:microsoft.com/office/officeart/2016/7/layout/VerticalDownArrowProcess"/>
     <dgm:cxn modelId="{2B929FC1-217D-6F45-9237-D404D810B5E2}" srcId="{3783F72F-D97E-0749-9A86-75B629BE9BC2}" destId="{10708CAF-5F7C-1349-BF89-D494C777F359}" srcOrd="0" destOrd="0" parTransId="{E29461F0-BFCF-8848-9A48-195C48E63DB8}" sibTransId="{1E4EF67F-79C4-BF45-808B-C1C46B7A3711}"/>
+    <dgm:cxn modelId="{E6ABDFE5-B361-C84A-847A-C5302F3A3529}" srcId="{C463A361-0DA8-4DA0-96D4-416076B813CE}" destId="{ED5D12D2-B22C-4A4C-BD18-7458D5F5797E}" srcOrd="3" destOrd="0" parTransId="{8481EB87-1695-5347-9497-6A9AA8F827AA}" sibTransId="{2FE800B5-A7AF-9C40-AA24-6E8DE80F017A}"/>
     <dgm:cxn modelId="{B5D92AE7-1172-5E4C-8852-B541995911BB}" srcId="{C463A361-0DA8-4DA0-96D4-416076B813CE}" destId="{A6B923B4-A766-C945-9E49-3F975957608D}" srcOrd="0" destOrd="0" parTransId="{C171B2E8-F0BA-9C4B-89FA-FDD56C239614}" sibTransId="{F8EB4B7A-2E15-0242-9CAB-4BD258618298}"/>
     <dgm:cxn modelId="{9239421E-FDFE-0E41-AC93-B600BC8BBA3B}" type="presParOf" srcId="{85F9CB5E-8F0B-B542-B3A8-99AEA5FAF5E6}" destId="{852C04B0-C008-B84F-8636-8178E90B2CFD}" srcOrd="0" destOrd="0" presId="urn:microsoft.com/office/officeart/2016/7/layout/VerticalDownArrowProcess"/>
     <dgm:cxn modelId="{ACEBA01D-0146-524F-9811-9FE12C0F7A4B}" type="presParOf" srcId="{852C04B0-C008-B84F-8636-8178E90B2CFD}" destId="{89AD44BE-3D68-A140-8134-8FDA8D0E9568}" srcOrd="0" destOrd="0" presId="urn:microsoft.com/office/officeart/2016/7/layout/VerticalDownArrowProcess"/>
@@ -7662,7 +7777,7 @@
           </a:pPr>
           <a:r>
             <a:rPr lang="en-US" dirty="0"/>
-            <a:t>APPROACH:  Eliminate</a:t>
+            <a:t>APPROACH:  Eliminate (some)</a:t>
           </a:r>
         </a:p>
       </dgm:t>
@@ -7872,7 +7987,7 @@
           </a:pPr>
           <a:r>
             <a:rPr lang="en-US" dirty="0"/>
-            <a:t>Analyze data values post-merge (VALUES_COUNT(), UNIQUE())</a:t>
+            <a:t>Analyze data values post-merge (VALUES_COUNT(), UNIQUE()); view Excel csv file</a:t>
           </a:r>
         </a:p>
       </dgm:t>
@@ -8229,7 +8344,7 @@
           </a:pPr>
           <a:r>
             <a:rPr lang="en-US" dirty="0"/>
-            <a:t>Bar Charts</a:t>
+            <a:t>Validate Anomalies</a:t>
           </a:r>
         </a:p>
       </dgm:t>
@@ -8270,7 +8385,7 @@
           </a:pPr>
           <a:r>
             <a:rPr lang="en-US" dirty="0"/>
-            <a:t>Pivot Tables</a:t>
+            <a:t>Explore other visualizations</a:t>
           </a:r>
         </a:p>
       </dgm:t>
@@ -8298,6 +8413,96 @@
       </dgm:t>
     </dgm:pt>
     <dgm:pt modelId="{77529999-F094-494F-9068-3908BE02B6D6}">
+      <dgm:prSet/>
+      <dgm:spPr/>
+      <dgm:t>
+        <a:bodyPr/>
+        <a:lstStyle/>
+        <a:p>
+          <a:pPr>
+            <a:lnSpc>
+              <a:spcPct val="100000"/>
+            </a:lnSpc>
+          </a:pPr>
+          <a:r>
+            <a:rPr lang="en-US" dirty="0"/>
+            <a:t>pair plots</a:t>
+          </a:r>
+        </a:p>
+      </dgm:t>
+    </dgm:pt>
+    <dgm:pt modelId="{EFC15313-EFFA-4D44-AC0E-1289E05F7B62}" type="parTrans" cxnId="{A7471D9F-5472-4E68-8B7E-AF7BA9FBE874}">
+      <dgm:prSet/>
+      <dgm:spPr/>
+      <dgm:t>
+        <a:bodyPr/>
+        <a:lstStyle/>
+        <a:p>
+          <a:endParaRPr lang="en-US"/>
+        </a:p>
+      </dgm:t>
+    </dgm:pt>
+    <dgm:pt modelId="{0850F0EA-F780-4105-87C6-7B40DF9EBC1A}" type="sibTrans" cxnId="{A7471D9F-5472-4E68-8B7E-AF7BA9FBE874}">
+      <dgm:prSet/>
+      <dgm:spPr/>
+      <dgm:t>
+        <a:bodyPr/>
+        <a:lstStyle/>
+        <a:p>
+          <a:endParaRPr lang="en-US"/>
+        </a:p>
+      </dgm:t>
+    </dgm:pt>
+    <dgm:pt modelId="{5873FC4D-A636-4ED2-B02D-D955FAA79EB1}">
+      <dgm:prSet/>
+      <dgm:spPr/>
+      <dgm:t>
+        <a:bodyPr/>
+        <a:lstStyle/>
+        <a:p>
+          <a:pPr>
+            <a:lnSpc>
+              <a:spcPct val="100000"/>
+            </a:lnSpc>
+          </a:pPr>
+          <a:r>
+            <a:rPr lang="en-US" dirty="0"/>
+            <a:t>Number of </a:t>
+          </a:r>
+          <a:r>
+            <a:rPr lang="en-US"/>
+            <a:t>rooms vs. </a:t>
+          </a:r>
+          <a:r>
+            <a:rPr lang="en-US" dirty="0"/>
+            <a:t>sales price</a:t>
+          </a:r>
+        </a:p>
+      </dgm:t>
+    </dgm:pt>
+    <dgm:pt modelId="{099096C9-03D2-4BFC-8783-B13D14BB3615}" type="sibTrans" cxnId="{E77CCF8F-4CAA-4639-AD68-BCBE79652688}">
+      <dgm:prSet/>
+      <dgm:spPr/>
+      <dgm:t>
+        <a:bodyPr/>
+        <a:lstStyle/>
+        <a:p>
+          <a:endParaRPr lang="en-US"/>
+        </a:p>
+      </dgm:t>
+    </dgm:pt>
+    <dgm:pt modelId="{0570C11B-7AAA-4A1D-B305-1C470BA41EED}" type="parTrans" cxnId="{E77CCF8F-4CAA-4639-AD68-BCBE79652688}">
+      <dgm:prSet/>
+      <dgm:spPr/>
+      <dgm:t>
+        <a:bodyPr/>
+        <a:lstStyle/>
+        <a:p>
+          <a:endParaRPr lang="en-US"/>
+        </a:p>
+      </dgm:t>
+    </dgm:pt>
+    <dgm:pt modelId="{6D779DA9-40A1-1748-9425-E4CF7E6FFD7E}">
       <dgm:prSet/>
       <dgm:spPr/>
       <dgm:t>
@@ -8313,7 +8518,7 @@
         </a:p>
       </dgm:t>
     </dgm:pt>
-    <dgm:pt modelId="{EFC15313-EFFA-4D44-AC0E-1289E05F7B62}" type="parTrans" cxnId="{A7471D9F-5472-4E68-8B7E-AF7BA9FBE874}">
+    <dgm:pt modelId="{66E70A11-6F16-204F-8F5B-8C777F1A592E}" type="sibTrans" cxnId="{EBBD5C40-3F57-8440-BE19-BB528BD092E8}">
       <dgm:prSet/>
       <dgm:spPr/>
       <dgm:t>
@@ -8324,7 +8529,7 @@
         </a:p>
       </dgm:t>
     </dgm:pt>
-    <dgm:pt modelId="{0850F0EA-F780-4105-87C6-7B40DF9EBC1A}" type="sibTrans" cxnId="{A7471D9F-5472-4E68-8B7E-AF7BA9FBE874}">
+    <dgm:pt modelId="{5D749623-14DD-9B41-8E3B-94658F99FC41}" type="parTrans" cxnId="{EBBD5C40-3F57-8440-BE19-BB528BD092E8}">
       <dgm:prSet/>
       <dgm:spPr/>
       <dgm:t>
@@ -8335,48 +8540,7 @@
         </a:p>
       </dgm:t>
     </dgm:pt>
-    <dgm:pt modelId="{5873FC4D-A636-4ED2-B02D-D955FAA79EB1}">
-      <dgm:prSet/>
-      <dgm:spPr/>
-      <dgm:t>
-        <a:bodyPr/>
-        <a:lstStyle/>
-        <a:p>
-          <a:pPr>
-            <a:lnSpc>
-              <a:spcPct val="100000"/>
-            </a:lnSpc>
-          </a:pPr>
-          <a:r>
-            <a:rPr lang="en-US" dirty="0"/>
-            <a:t>Scatter Plots</a:t>
-          </a:r>
-        </a:p>
-      </dgm:t>
-    </dgm:pt>
-    <dgm:pt modelId="{099096C9-03D2-4BFC-8783-B13D14BB3615}" type="sibTrans" cxnId="{E77CCF8F-4CAA-4639-AD68-BCBE79652688}">
-      <dgm:prSet/>
-      <dgm:spPr/>
-      <dgm:t>
-        <a:bodyPr/>
-        <a:lstStyle/>
-        <a:p>
-          <a:endParaRPr lang="en-US"/>
-        </a:p>
-      </dgm:t>
-    </dgm:pt>
-    <dgm:pt modelId="{0570C11B-7AAA-4A1D-B305-1C470BA41EED}" type="parTrans" cxnId="{E77CCF8F-4CAA-4639-AD68-BCBE79652688}">
-      <dgm:prSet/>
-      <dgm:spPr/>
-      <dgm:t>
-        <a:bodyPr/>
-        <a:lstStyle/>
-        <a:p>
-          <a:endParaRPr lang="en-US"/>
-        </a:p>
-      </dgm:t>
-    </dgm:pt>
-    <dgm:pt modelId="{6D779DA9-40A1-1748-9425-E4CF7E6FFD7E}">
+    <dgm:pt modelId="{8D1A3D70-66BB-D643-9561-3F9E74BD973E}">
       <dgm:prSet/>
       <dgm:spPr/>
       <dgm:t>
@@ -8392,7 +8556,7 @@
         </a:p>
       </dgm:t>
     </dgm:pt>
-    <dgm:pt modelId="{66E70A11-6F16-204F-8F5B-8C777F1A592E}" type="sibTrans" cxnId="{EBBD5C40-3F57-8440-BE19-BB528BD092E8}">
+    <dgm:pt modelId="{0FCE3DF9-1440-3D49-A307-1633E4C12D84}" type="parTrans" cxnId="{D8B88E24-A524-D547-A736-3F36C67AA718}">
       <dgm:prSet/>
       <dgm:spPr/>
       <dgm:t>
@@ -8403,7 +8567,7 @@
         </a:p>
       </dgm:t>
     </dgm:pt>
-    <dgm:pt modelId="{5D749623-14DD-9B41-8E3B-94658F99FC41}" type="parTrans" cxnId="{EBBD5C40-3F57-8440-BE19-BB528BD092E8}">
+    <dgm:pt modelId="{D016945A-AFBC-AB42-803D-AE7010E12D12}" type="sibTrans" cxnId="{D8B88E24-A524-D547-A736-3F36C67AA718}">
       <dgm:prSet/>
       <dgm:spPr/>
       <dgm:t>
@@ -8414,7 +8578,7 @@
         </a:p>
       </dgm:t>
     </dgm:pt>
-    <dgm:pt modelId="{8D1A3D70-66BB-D643-9561-3F9E74BD973E}">
+    <dgm:pt modelId="{65D513A8-4271-124A-855D-D88B4350C7BF}">
       <dgm:prSet/>
       <dgm:spPr/>
       <dgm:t>
@@ -8426,31 +8590,20 @@
               <a:spcPct val="100000"/>
             </a:lnSpc>
           </a:pPr>
-          <a:endParaRPr lang="en-US" dirty="0"/>
+          <a:r>
+            <a:rPr lang="en-US" dirty="0"/>
+            <a:t>Land Use by County</a:t>
+          </a:r>
         </a:p>
       </dgm:t>
     </dgm:pt>
-    <dgm:pt modelId="{0FCE3DF9-1440-3D49-A307-1633E4C12D84}" type="parTrans" cxnId="{D8B88E24-A524-D547-A736-3F36C67AA718}">
+    <dgm:pt modelId="{F3A98413-AA55-5944-A739-25E6EF61DBF6}" type="parTrans" cxnId="{657F68E1-759F-474A-B956-7C5DC359BA52}">
       <dgm:prSet/>
       <dgm:spPr/>
-      <dgm:t>
-        <a:bodyPr/>
-        <a:lstStyle/>
-        <a:p>
-          <a:endParaRPr lang="en-US"/>
-        </a:p>
-      </dgm:t>
-    </dgm:pt>
-    <dgm:pt modelId="{D016945A-AFBC-AB42-803D-AE7010E12D12}" type="sibTrans" cxnId="{D8B88E24-A524-D547-A736-3F36C67AA718}">
+    </dgm:pt>
+    <dgm:pt modelId="{12E3496D-EDBD-4B49-A0AA-60F5C35AB9A4}" type="sibTrans" cxnId="{657F68E1-759F-474A-B956-7C5DC359BA52}">
       <dgm:prSet/>
       <dgm:spPr/>
-      <dgm:t>
-        <a:bodyPr/>
-        <a:lstStyle/>
-        <a:p>
-          <a:endParaRPr lang="en-US"/>
-        </a:p>
-      </dgm:t>
     </dgm:pt>
     <dgm:pt modelId="{387DC67F-A9F2-446D-82B7-5C80013D551E}" type="pres">
       <dgm:prSet presAssocID="{948181E7-E737-4543-891B-8986C51BD21B}" presName="root" presStyleCnt="0">
@@ -8466,11 +8619,11 @@
       <dgm:spPr/>
     </dgm:pt>
     <dgm:pt modelId="{82B719EC-8B43-42CD-A7AE-42A57D3C55A2}" type="pres">
-      <dgm:prSet presAssocID="{5873FC4D-A636-4ED2-B02D-D955FAA79EB1}" presName="bgRect" presStyleLbl="bgShp" presStyleIdx="0" presStyleCnt="3"/>
+      <dgm:prSet presAssocID="{5873FC4D-A636-4ED2-B02D-D955FAA79EB1}" presName="bgRect" presStyleLbl="bgShp" presStyleIdx="0" presStyleCnt="4"/>
       <dgm:spPr/>
     </dgm:pt>
     <dgm:pt modelId="{B50D3951-936D-493C-AC7C-20C81206641F}" type="pres">
-      <dgm:prSet presAssocID="{5873FC4D-A636-4ED2-B02D-D955FAA79EB1}" presName="iconRect" presStyleLbl="node1" presStyleIdx="0" presStyleCnt="3"/>
+      <dgm:prSet presAssocID="{5873FC4D-A636-4ED2-B02D-D955FAA79EB1}" presName="iconRect" presStyleLbl="node1" presStyleIdx="0" presStyleCnt="4"/>
       <dgm:spPr>
         <a:blipFill>
           <a:blip xmlns:r="http://schemas.openxmlformats.org/officeDocument/2006/relationships" r:embed="rId1">
@@ -8502,7 +8655,7 @@
       <dgm:spPr/>
     </dgm:pt>
     <dgm:pt modelId="{A47D6DB4-4CC5-4CEF-9260-3233BCD382E7}" type="pres">
-      <dgm:prSet presAssocID="{5873FC4D-A636-4ED2-B02D-D955FAA79EB1}" presName="parTx" presStyleLbl="revTx" presStyleIdx="0" presStyleCnt="6">
+      <dgm:prSet presAssocID="{5873FC4D-A636-4ED2-B02D-D955FAA79EB1}" presName="parTx" presStyleLbl="revTx" presStyleIdx="0" presStyleCnt="7">
         <dgm:presLayoutVars>
           <dgm:chMax val="0"/>
           <dgm:chPref val="0"/>
@@ -8511,7 +8664,7 @@
       <dgm:spPr/>
     </dgm:pt>
     <dgm:pt modelId="{379FAF27-AE5A-6841-B441-CE8C7875941F}" type="pres">
-      <dgm:prSet presAssocID="{5873FC4D-A636-4ED2-B02D-D955FAA79EB1}" presName="desTx" presStyleLbl="revTx" presStyleIdx="1" presStyleCnt="6">
+      <dgm:prSet presAssocID="{5873FC4D-A636-4ED2-B02D-D955FAA79EB1}" presName="desTx" presStyleLbl="revTx" presStyleIdx="1" presStyleCnt="7">
         <dgm:presLayoutVars/>
       </dgm:prSet>
       <dgm:spPr/>
@@ -8525,11 +8678,11 @@
       <dgm:spPr/>
     </dgm:pt>
     <dgm:pt modelId="{03C031E7-C3B8-4ACD-94AF-5652341D66A6}" type="pres">
-      <dgm:prSet presAssocID="{E6EFF48B-198D-455A-96A9-E1C01942D3E1}" presName="bgRect" presStyleLbl="bgShp" presStyleIdx="1" presStyleCnt="3"/>
+      <dgm:prSet presAssocID="{E6EFF48B-198D-455A-96A9-E1C01942D3E1}" presName="bgRect" presStyleLbl="bgShp" presStyleIdx="1" presStyleCnt="4"/>
       <dgm:spPr/>
     </dgm:pt>
     <dgm:pt modelId="{F6B8C935-2963-4219-AEBD-E6CD12C6D0F0}" type="pres">
-      <dgm:prSet presAssocID="{E6EFF48B-198D-455A-96A9-E1C01942D3E1}" presName="iconRect" presStyleLbl="node1" presStyleIdx="1" presStyleCnt="3"/>
+      <dgm:prSet presAssocID="{E6EFF48B-198D-455A-96A9-E1C01942D3E1}" presName="iconRect" presStyleLbl="node1" presStyleIdx="1" presStyleCnt="4"/>
       <dgm:spPr>
         <a:blipFill>
           <a:blip xmlns:r="http://schemas.openxmlformats.org/officeDocument/2006/relationships" r:embed="rId3">
@@ -8561,7 +8714,7 @@
       <dgm:spPr/>
     </dgm:pt>
     <dgm:pt modelId="{FB190A4A-BB7D-46CF-9E35-83F4B6238FFD}" type="pres">
-      <dgm:prSet presAssocID="{E6EFF48B-198D-455A-96A9-E1C01942D3E1}" presName="parTx" presStyleLbl="revTx" presStyleIdx="2" presStyleCnt="6">
+      <dgm:prSet presAssocID="{E6EFF48B-198D-455A-96A9-E1C01942D3E1}" presName="parTx" presStyleLbl="revTx" presStyleIdx="2" presStyleCnt="7">
         <dgm:presLayoutVars>
           <dgm:chMax val="0"/>
           <dgm:chPref val="0"/>
@@ -8570,7 +8723,7 @@
       <dgm:spPr/>
     </dgm:pt>
     <dgm:pt modelId="{7E9FC0A7-BE53-804B-AD73-3DBDEBA7DC72}" type="pres">
-      <dgm:prSet presAssocID="{E6EFF48B-198D-455A-96A9-E1C01942D3E1}" presName="desTx" presStyleLbl="revTx" presStyleIdx="3" presStyleCnt="6">
+      <dgm:prSet presAssocID="{E6EFF48B-198D-455A-96A9-E1C01942D3E1}" presName="desTx" presStyleLbl="revTx" presStyleIdx="3" presStyleCnt="7">
         <dgm:presLayoutVars/>
       </dgm:prSet>
       <dgm:spPr/>
@@ -8579,16 +8732,45 @@
       <dgm:prSet presAssocID="{E9BFABA1-C201-4AC6-8782-6B86D2AD7F5A}" presName="sibTrans" presStyleCnt="0"/>
       <dgm:spPr/>
     </dgm:pt>
+    <dgm:pt modelId="{F8E5D946-9A60-D24B-AAB3-729C544F5FD1}" type="pres">
+      <dgm:prSet presAssocID="{65D513A8-4271-124A-855D-D88B4350C7BF}" presName="compNode" presStyleCnt="0"/>
+      <dgm:spPr/>
+    </dgm:pt>
+    <dgm:pt modelId="{5CB01F6F-CB1B-6F45-9F13-D8B5C8CEEA0F}" type="pres">
+      <dgm:prSet presAssocID="{65D513A8-4271-124A-855D-D88B4350C7BF}" presName="bgRect" presStyleLbl="bgShp" presStyleIdx="2" presStyleCnt="4"/>
+      <dgm:spPr/>
+    </dgm:pt>
+    <dgm:pt modelId="{5DFB9C58-4E2F-984C-B38B-829D6FFF3239}" type="pres">
+      <dgm:prSet presAssocID="{65D513A8-4271-124A-855D-D88B4350C7BF}" presName="iconRect" presStyleLbl="node1" presStyleIdx="2" presStyleCnt="4"/>
+      <dgm:spPr/>
+    </dgm:pt>
+    <dgm:pt modelId="{9451D69D-FD5C-AF48-9336-BD99787DDBF8}" type="pres">
+      <dgm:prSet presAssocID="{65D513A8-4271-124A-855D-D88B4350C7BF}" presName="spaceRect" presStyleCnt="0"/>
+      <dgm:spPr/>
+    </dgm:pt>
+    <dgm:pt modelId="{17E8031A-CB33-3843-A803-8AB2B75261CF}" type="pres">
+      <dgm:prSet presAssocID="{65D513A8-4271-124A-855D-D88B4350C7BF}" presName="parTx" presStyleLbl="revTx" presStyleIdx="4" presStyleCnt="7">
+        <dgm:presLayoutVars>
+          <dgm:chMax val="0"/>
+          <dgm:chPref val="0"/>
+        </dgm:presLayoutVars>
+      </dgm:prSet>
+      <dgm:spPr/>
+    </dgm:pt>
+    <dgm:pt modelId="{CB474B4B-26C8-B345-806A-0FD6808B81A3}" type="pres">
+      <dgm:prSet presAssocID="{12E3496D-EDBD-4B49-A0AA-60F5C35AB9A4}" presName="sibTrans" presStyleCnt="0"/>
+      <dgm:spPr/>
+    </dgm:pt>
     <dgm:pt modelId="{902B18E8-6472-472B-8E4A-40F0D652BB29}" type="pres">
       <dgm:prSet presAssocID="{0A89FBE6-64C0-4597-B173-D36F7EB32044}" presName="compNode" presStyleCnt="0"/>
       <dgm:spPr/>
     </dgm:pt>
     <dgm:pt modelId="{CC9C7262-3239-4653-BDAC-978273559665}" type="pres">
-      <dgm:prSet presAssocID="{0A89FBE6-64C0-4597-B173-D36F7EB32044}" presName="bgRect" presStyleLbl="bgShp" presStyleIdx="2" presStyleCnt="3"/>
+      <dgm:prSet presAssocID="{0A89FBE6-64C0-4597-B173-D36F7EB32044}" presName="bgRect" presStyleLbl="bgShp" presStyleIdx="3" presStyleCnt="4"/>
       <dgm:spPr/>
     </dgm:pt>
     <dgm:pt modelId="{EB4D65DC-27FB-407D-8F91-5208E0CD6443}" type="pres">
-      <dgm:prSet presAssocID="{0A89FBE6-64C0-4597-B173-D36F7EB32044}" presName="iconRect" presStyleLbl="node1" presStyleIdx="2" presStyleCnt="3"/>
+      <dgm:prSet presAssocID="{0A89FBE6-64C0-4597-B173-D36F7EB32044}" presName="iconRect" presStyleLbl="node1" presStyleIdx="3" presStyleCnt="4"/>
       <dgm:spPr>
         <a:blipFill>
           <a:blip xmlns:r="http://schemas.openxmlformats.org/officeDocument/2006/relationships" r:embed="rId5">
@@ -8620,7 +8802,7 @@
       <dgm:spPr/>
     </dgm:pt>
     <dgm:pt modelId="{B4E6CAAE-C156-4BB0-BEB9-FACEB305F5FA}" type="pres">
-      <dgm:prSet presAssocID="{0A89FBE6-64C0-4597-B173-D36F7EB32044}" presName="parTx" presStyleLbl="revTx" presStyleIdx="4" presStyleCnt="6">
+      <dgm:prSet presAssocID="{0A89FBE6-64C0-4597-B173-D36F7EB32044}" presName="parTx" presStyleLbl="revTx" presStyleIdx="5" presStyleCnt="7">
         <dgm:presLayoutVars>
           <dgm:chMax val="0"/>
           <dgm:chPref val="0"/>
@@ -8629,14 +8811,14 @@
       <dgm:spPr/>
     </dgm:pt>
     <dgm:pt modelId="{2030756D-85B0-4EB7-8B00-E1C92708548E}" type="pres">
-      <dgm:prSet presAssocID="{0A89FBE6-64C0-4597-B173-D36F7EB32044}" presName="desTx" presStyleLbl="revTx" presStyleIdx="5" presStyleCnt="6">
+      <dgm:prSet presAssocID="{0A89FBE6-64C0-4597-B173-D36F7EB32044}" presName="desTx" presStyleLbl="revTx" presStyleIdx="6" presStyleCnt="7">
         <dgm:presLayoutVars/>
       </dgm:prSet>
       <dgm:spPr/>
     </dgm:pt>
   </dgm:ptLst>
   <dgm:cxnLst>
-    <dgm:cxn modelId="{2E6A1D12-7B57-4B87-9138-74E972C686AB}" srcId="{948181E7-E737-4543-891B-8986C51BD21B}" destId="{0A89FBE6-64C0-4597-B173-D36F7EB32044}" srcOrd="2" destOrd="0" parTransId="{2DFBA470-903C-48EF-9656-33FDBC8A5C5B}" sibTransId="{A91F5CA6-1A26-42B9-AC6C-B1148DD89535}"/>
+    <dgm:cxn modelId="{2E6A1D12-7B57-4B87-9138-74E972C686AB}" srcId="{948181E7-E737-4543-891B-8986C51BD21B}" destId="{0A89FBE6-64C0-4597-B173-D36F7EB32044}" srcOrd="3" destOrd="0" parTransId="{2DFBA470-903C-48EF-9656-33FDBC8A5C5B}" sibTransId="{A91F5CA6-1A26-42B9-AC6C-B1148DD89535}"/>
     <dgm:cxn modelId="{5A453319-21A5-E444-8A1E-512978914C24}" type="presOf" srcId="{0A89FBE6-64C0-4597-B173-D36F7EB32044}" destId="{B4E6CAAE-C156-4BB0-BEB9-FACEB305F5FA}" srcOrd="0" destOrd="0" presId="urn:microsoft.com/office/officeart/2018/2/layout/IconVerticalSolidList"/>
     <dgm:cxn modelId="{D8B88E24-A524-D547-A736-3F36C67AA718}" srcId="{E6EFF48B-198D-455A-96A9-E1C01942D3E1}" destId="{8D1A3D70-66BB-D643-9561-3F9E74BD973E}" srcOrd="0" destOrd="0" parTransId="{0FCE3DF9-1440-3D49-A307-1633E4C12D84}" sibTransId="{D016945A-AFBC-AB42-803D-AE7010E12D12}"/>
     <dgm:cxn modelId="{93A9393C-F6A5-7743-AD8D-A8048533F12C}" type="presOf" srcId="{8D1A3D70-66BB-D643-9561-3F9E74BD973E}" destId="{7E9FC0A7-BE53-804B-AD73-3DBDEBA7DC72}" srcOrd="0" destOrd="0" presId="urn:microsoft.com/office/officeart/2018/2/layout/IconVerticalSolidList"/>
@@ -8649,6 +8831,8 @@
     <dgm:cxn modelId="{1E1F2597-08D6-457B-945A-6EA00C33ABA4}" type="presOf" srcId="{948181E7-E737-4543-891B-8986C51BD21B}" destId="{387DC67F-A9F2-446D-82B7-5C80013D551E}" srcOrd="0" destOrd="0" presId="urn:microsoft.com/office/officeart/2018/2/layout/IconVerticalSolidList"/>
     <dgm:cxn modelId="{A7471D9F-5472-4E68-8B7E-AF7BA9FBE874}" srcId="{0A89FBE6-64C0-4597-B173-D36F7EB32044}" destId="{77529999-F094-494F-9068-3908BE02B6D6}" srcOrd="0" destOrd="0" parTransId="{EFC15313-EFFA-4D44-AC0E-1289E05F7B62}" sibTransId="{0850F0EA-F780-4105-87C6-7B40DF9EBC1A}"/>
     <dgm:cxn modelId="{BD55E7A3-54D8-0D46-A71E-4B0D49F7EA0B}" type="presOf" srcId="{E6EFF48B-198D-455A-96A9-E1C01942D3E1}" destId="{FB190A4A-BB7D-46CF-9E35-83F4B6238FFD}" srcOrd="0" destOrd="0" presId="urn:microsoft.com/office/officeart/2018/2/layout/IconVerticalSolidList"/>
+    <dgm:cxn modelId="{B98A87A7-5D80-664D-8FC6-D565BA513127}" type="presOf" srcId="{65D513A8-4271-124A-855D-D88B4350C7BF}" destId="{17E8031A-CB33-3843-A803-8AB2B75261CF}" srcOrd="0" destOrd="0" presId="urn:microsoft.com/office/officeart/2018/2/layout/IconVerticalSolidList"/>
+    <dgm:cxn modelId="{657F68E1-759F-474A-B956-7C5DC359BA52}" srcId="{948181E7-E737-4543-891B-8986C51BD21B}" destId="{65D513A8-4271-124A-855D-D88B4350C7BF}" srcOrd="2" destOrd="0" parTransId="{F3A98413-AA55-5944-A739-25E6EF61DBF6}" sibTransId="{12E3496D-EDBD-4B49-A0AA-60F5C35AB9A4}"/>
     <dgm:cxn modelId="{5C46E7D0-8FFD-DF40-8A8F-973FDEFA3E4A}" type="presParOf" srcId="{387DC67F-A9F2-446D-82B7-5C80013D551E}" destId="{DECB8149-11EC-48F2-912F-9916CCF920FB}" srcOrd="0" destOrd="0" presId="urn:microsoft.com/office/officeart/2018/2/layout/IconVerticalSolidList"/>
     <dgm:cxn modelId="{ED30DAC8-0846-9A4E-BE18-8BF94BB0A7E9}" type="presParOf" srcId="{DECB8149-11EC-48F2-912F-9916CCF920FB}" destId="{82B719EC-8B43-42CD-A7AE-42A57D3C55A2}" srcOrd="0" destOrd="0" presId="urn:microsoft.com/office/officeart/2018/2/layout/IconVerticalSolidList"/>
     <dgm:cxn modelId="{120A8E0A-AF4D-4F41-B0B3-6E010B64FB0B}" type="presParOf" srcId="{DECB8149-11EC-48F2-912F-9916CCF920FB}" destId="{B50D3951-936D-493C-AC7C-20C81206641F}" srcOrd="1" destOrd="0" presId="urn:microsoft.com/office/officeart/2018/2/layout/IconVerticalSolidList"/>
@@ -8663,7 +8847,13 @@
     <dgm:cxn modelId="{A97E9B43-D296-4D46-9094-03411CE55A55}" type="presParOf" srcId="{F3B7917B-8272-4804-8206-CB8E86B2163F}" destId="{FB190A4A-BB7D-46CF-9E35-83F4B6238FFD}" srcOrd="3" destOrd="0" presId="urn:microsoft.com/office/officeart/2018/2/layout/IconVerticalSolidList"/>
     <dgm:cxn modelId="{5E672443-3EAC-3D42-976E-0C30BDCA7C6E}" type="presParOf" srcId="{F3B7917B-8272-4804-8206-CB8E86B2163F}" destId="{7E9FC0A7-BE53-804B-AD73-3DBDEBA7DC72}" srcOrd="4" destOrd="0" presId="urn:microsoft.com/office/officeart/2018/2/layout/IconVerticalSolidList"/>
     <dgm:cxn modelId="{280EC69D-4B13-C14F-BFAF-26B43CC4CCF6}" type="presParOf" srcId="{387DC67F-A9F2-446D-82B7-5C80013D551E}" destId="{CEB3A09A-B1F8-44F6-91BE-0036DEE1BB70}" srcOrd="3" destOrd="0" presId="urn:microsoft.com/office/officeart/2018/2/layout/IconVerticalSolidList"/>
-    <dgm:cxn modelId="{EE2AEF58-ABE3-9445-8EEC-02E8E583000C}" type="presParOf" srcId="{387DC67F-A9F2-446D-82B7-5C80013D551E}" destId="{902B18E8-6472-472B-8E4A-40F0D652BB29}" srcOrd="4" destOrd="0" presId="urn:microsoft.com/office/officeart/2018/2/layout/IconVerticalSolidList"/>
+    <dgm:cxn modelId="{4B5097E0-F465-9C4C-B04D-9361D34A0C3A}" type="presParOf" srcId="{387DC67F-A9F2-446D-82B7-5C80013D551E}" destId="{F8E5D946-9A60-D24B-AAB3-729C544F5FD1}" srcOrd="4" destOrd="0" presId="urn:microsoft.com/office/officeart/2018/2/layout/IconVerticalSolidList"/>
+    <dgm:cxn modelId="{22AA5AD2-993A-0B4E-9135-8E358D776C6D}" type="presParOf" srcId="{F8E5D946-9A60-D24B-AAB3-729C544F5FD1}" destId="{5CB01F6F-CB1B-6F45-9F13-D8B5C8CEEA0F}" srcOrd="0" destOrd="0" presId="urn:microsoft.com/office/officeart/2018/2/layout/IconVerticalSolidList"/>
+    <dgm:cxn modelId="{1DB098BD-245D-4944-B0AC-7F4EDC3138C8}" type="presParOf" srcId="{F8E5D946-9A60-D24B-AAB3-729C544F5FD1}" destId="{5DFB9C58-4E2F-984C-B38B-829D6FFF3239}" srcOrd="1" destOrd="0" presId="urn:microsoft.com/office/officeart/2018/2/layout/IconVerticalSolidList"/>
+    <dgm:cxn modelId="{1634104F-3285-E04E-90F2-24C0AC95FF80}" type="presParOf" srcId="{F8E5D946-9A60-D24B-AAB3-729C544F5FD1}" destId="{9451D69D-FD5C-AF48-9336-BD99787DDBF8}" srcOrd="2" destOrd="0" presId="urn:microsoft.com/office/officeart/2018/2/layout/IconVerticalSolidList"/>
+    <dgm:cxn modelId="{A01649F8-47DB-CF4D-ABD5-C54F1CCF2FCE}" type="presParOf" srcId="{F8E5D946-9A60-D24B-AAB3-729C544F5FD1}" destId="{17E8031A-CB33-3843-A803-8AB2B75261CF}" srcOrd="3" destOrd="0" presId="urn:microsoft.com/office/officeart/2018/2/layout/IconVerticalSolidList"/>
+    <dgm:cxn modelId="{8AA74D15-0A74-0446-82B9-142B1B49B3D2}" type="presParOf" srcId="{387DC67F-A9F2-446D-82B7-5C80013D551E}" destId="{CB474B4B-26C8-B345-806A-0FD6808B81A3}" srcOrd="5" destOrd="0" presId="urn:microsoft.com/office/officeart/2018/2/layout/IconVerticalSolidList"/>
+    <dgm:cxn modelId="{EE2AEF58-ABE3-9445-8EEC-02E8E583000C}" type="presParOf" srcId="{387DC67F-A9F2-446D-82B7-5C80013D551E}" destId="{902B18E8-6472-472B-8E4A-40F0D652BB29}" srcOrd="6" destOrd="0" presId="urn:microsoft.com/office/officeart/2018/2/layout/IconVerticalSolidList"/>
     <dgm:cxn modelId="{B725654A-792E-FD42-8C8C-8DFA3B55AFD0}" type="presParOf" srcId="{902B18E8-6472-472B-8E4A-40F0D652BB29}" destId="{CC9C7262-3239-4653-BDAC-978273559665}" srcOrd="0" destOrd="0" presId="urn:microsoft.com/office/officeart/2018/2/layout/IconVerticalSolidList"/>
     <dgm:cxn modelId="{29606A51-BD56-2948-9B5B-E2A867769F61}" type="presParOf" srcId="{902B18E8-6472-472B-8E4A-40F0D652BB29}" destId="{EB4D65DC-27FB-407D-8F91-5208E0CD6443}" srcOrd="1" destOrd="0" presId="urn:microsoft.com/office/officeart/2018/2/layout/IconVerticalSolidList"/>
     <dgm:cxn modelId="{F0DFC654-A520-C84B-BCC0-FA1647E83BC8}" type="presParOf" srcId="{902B18E8-6472-472B-8E4A-40F0D652BB29}" destId="{00C9F9D8-D4E4-46C8-88E2-273AA9C752A3}" srcOrd="2" destOrd="0" presId="urn:microsoft.com/office/officeart/2018/2/layout/IconVerticalSolidList"/>
@@ -11306,12 +11496,12 @@
         <a:fontRef idx="minor"/>
       </dsp:style>
       <dsp:txBody>
-        <a:bodyPr spcFirstLastPara="0" vert="horz" wrap="square" lIns="101678" tIns="177800" rIns="101678" bIns="177800" numCol="1" spcCol="1270" anchor="ctr" anchorCtr="0">
+        <a:bodyPr spcFirstLastPara="0" vert="horz" wrap="square" lIns="101678" tIns="139700" rIns="101678" bIns="139700" numCol="1" spcCol="1270" anchor="ctr" anchorCtr="0">
           <a:noAutofit/>
         </a:bodyPr>
         <a:lstStyle/>
         <a:p>
-          <a:pPr marL="0" lvl="0" indent="0" algn="l" defTabSz="622300">
+          <a:pPr marL="0" lvl="0" indent="0" algn="l" defTabSz="488950">
             <a:lnSpc>
               <a:spcPct val="90000"/>
             </a:lnSpc>
@@ -11324,14 +11514,32 @@
             <a:buNone/>
           </a:pPr>
           <a:r>
-            <a:rPr lang="en-US" sz="1400" kern="1200" dirty="0"/>
+            <a:rPr lang="en-US" sz="1100" kern="1200" dirty="0"/>
             <a:t>Ex., Missing </a:t>
           </a:r>
           <a:r>
-            <a:rPr lang="en-US" sz="1400" kern="1200" dirty="0" err="1"/>
+            <a:rPr lang="en-US" sz="1100" kern="1200" dirty="0" err="1"/>
             <a:t>LandUse</a:t>
           </a:r>
-          <a:endParaRPr lang="en-US" sz="1400" kern="1200" dirty="0"/>
+          <a:endParaRPr lang="en-US" sz="1100" kern="1200" dirty="0"/>
+        </a:p>
+        <a:p>
+          <a:pPr marL="0" lvl="0" indent="0" algn="l" defTabSz="488950">
+            <a:lnSpc>
+              <a:spcPct val="90000"/>
+            </a:lnSpc>
+            <a:spcBef>
+              <a:spcPct val="0"/>
+            </a:spcBef>
+            <a:spcAft>
+              <a:spcPct val="35000"/>
+            </a:spcAft>
+            <a:buNone/>
+          </a:pPr>
+          <a:r>
+            <a:rPr lang="en-US" sz="1100" kern="1200" dirty="0"/>
+            <a:t>APPROACH: Where column were present in most files, we kept and filled with NA</a:t>
+          </a:r>
         </a:p>
       </dsp:txBody>
       <dsp:txXfrm>
@@ -11449,7 +11657,7 @@
           </a:pPr>
           <a:r>
             <a:rPr lang="en-US" sz="1600" kern="1200" dirty="0"/>
-            <a:t>Extraneous&amp; duplicate columns</a:t>
+            <a:t>Extraneous, duplicate &amp; split out columns</a:t>
           </a:r>
         </a:p>
       </dsp:txBody>
@@ -11509,12 +11717,12 @@
         <a:fontRef idx="minor"/>
       </dsp:style>
       <dsp:txBody>
-        <a:bodyPr spcFirstLastPara="0" vert="horz" wrap="square" lIns="101678" tIns="177800" rIns="101678" bIns="177800" numCol="1" spcCol="1270" anchor="ctr" anchorCtr="0">
+        <a:bodyPr spcFirstLastPara="0" vert="horz" wrap="square" lIns="101678" tIns="139700" rIns="101678" bIns="139700" numCol="1" spcCol="1270" anchor="ctr" anchorCtr="0">
           <a:noAutofit/>
         </a:bodyPr>
         <a:lstStyle/>
         <a:p>
-          <a:pPr marL="0" lvl="0" indent="0" algn="l" defTabSz="622300">
+          <a:pPr marL="0" lvl="0" indent="0" algn="l" defTabSz="488950">
             <a:lnSpc>
               <a:spcPct val="90000"/>
             </a:lnSpc>
@@ -11527,8 +11735,70 @@
             <a:buNone/>
           </a:pPr>
           <a:r>
-            <a:rPr lang="en-US" sz="1400" kern="1200" dirty="0"/>
-            <a:t>Dropped unnamed:27 </a:t>
+            <a:rPr lang="en-US" sz="1100" kern="1200" dirty="0"/>
+            <a:t>APPROACH:</a:t>
+          </a:r>
+        </a:p>
+        <a:p>
+          <a:pPr marL="0" lvl="0" indent="0" algn="l" defTabSz="488950">
+            <a:lnSpc>
+              <a:spcPct val="90000"/>
+            </a:lnSpc>
+            <a:spcBef>
+              <a:spcPct val="0"/>
+            </a:spcBef>
+            <a:spcAft>
+              <a:spcPct val="35000"/>
+            </a:spcAft>
+            <a:buNone/>
+          </a:pPr>
+          <a:r>
+            <a:rPr lang="en-US" sz="1100" kern="1200" dirty="0"/>
+            <a:t>Dropped (ex., unnamed:27)</a:t>
+          </a:r>
+        </a:p>
+        <a:p>
+          <a:pPr marL="0" lvl="0" indent="0" algn="l" defTabSz="488950">
+            <a:lnSpc>
+              <a:spcPct val="90000"/>
+            </a:lnSpc>
+            <a:spcBef>
+              <a:spcPct val="0"/>
+            </a:spcBef>
+            <a:spcAft>
+              <a:spcPct val="35000"/>
+            </a:spcAft>
+            <a:buNone/>
+          </a:pPr>
+          <a:r>
+            <a:rPr lang="en-US" sz="1100" kern="1200" dirty="0"/>
+            <a:t>Combined (ex., </a:t>
+          </a:r>
+          <a:r>
+            <a:rPr lang="en-US" sz="1100" kern="1200" dirty="0" err="1"/>
+            <a:t>TotalBaths</a:t>
+          </a:r>
+          <a:r>
+            <a:rPr lang="en-US" sz="1100" kern="1200" dirty="0"/>
+            <a:t>, address fields)</a:t>
+          </a:r>
+        </a:p>
+        <a:p>
+          <a:pPr marL="0" lvl="0" indent="0" algn="l" defTabSz="488950">
+            <a:lnSpc>
+              <a:spcPct val="90000"/>
+            </a:lnSpc>
+            <a:spcBef>
+              <a:spcPct val="0"/>
+            </a:spcBef>
+            <a:spcAft>
+              <a:spcPct val="35000"/>
+            </a:spcAft>
+            <a:buNone/>
+          </a:pPr>
+          <a:r>
+            <a:rPr lang="en-US" sz="1100" kern="1200" dirty="0"/>
+            <a:t>Manual examination to determine which columns to ignore </a:t>
           </a:r>
         </a:p>
       </dsp:txBody>
@@ -11707,12 +11977,12 @@
         <a:fontRef idx="minor"/>
       </dsp:style>
       <dsp:txBody>
-        <a:bodyPr spcFirstLastPara="0" vert="horz" wrap="square" lIns="101678" tIns="177800" rIns="101678" bIns="177800" numCol="1" spcCol="1270" anchor="ctr" anchorCtr="0">
+        <a:bodyPr spcFirstLastPara="0" vert="horz" wrap="square" lIns="101678" tIns="139700" rIns="101678" bIns="139700" numCol="1" spcCol="1270" anchor="ctr" anchorCtr="0">
           <a:noAutofit/>
         </a:bodyPr>
         <a:lstStyle/>
         <a:p>
-          <a:pPr marL="0" lvl="0" indent="0" algn="l" defTabSz="622300">
+          <a:pPr marL="0" lvl="0" indent="0" algn="l" defTabSz="488950">
             <a:lnSpc>
               <a:spcPct val="90000"/>
             </a:lnSpc>
@@ -11725,12 +11995,12 @@
             <a:buNone/>
           </a:pPr>
           <a:r>
-            <a:rPr lang="en-US" sz="1400" kern="1200" dirty="0"/>
+            <a:rPr lang="en-US" sz="1100" kern="1200" dirty="0"/>
             <a:t>Ex., Franklin was old &lt;=2015</a:t>
           </a:r>
         </a:p>
         <a:p>
-          <a:pPr marL="0" lvl="0" indent="0" algn="l" defTabSz="622300">
+          <a:pPr marL="0" lvl="0" indent="0" algn="l" defTabSz="488950">
             <a:lnSpc>
               <a:spcPct val="90000"/>
             </a:lnSpc>
@@ -11743,8 +12013,8 @@
             <a:buNone/>
           </a:pPr>
           <a:r>
-            <a:rPr lang="en-US" sz="1400" kern="1200"/>
-            <a:t>APPROACH – get data from county auditor site ourselves</a:t>
+            <a:rPr lang="en-US" sz="1100" kern="1200" dirty="0"/>
+            <a:t>APPROACH: get data from county auditor site (Morrow, Madison, Franklin)</a:t>
           </a:r>
         </a:p>
       </dsp:txBody>
@@ -11923,12 +12193,12 @@
         <a:fontRef idx="minor"/>
       </dsp:style>
       <dsp:txBody>
-        <a:bodyPr spcFirstLastPara="0" vert="horz" wrap="square" lIns="101678" tIns="177800" rIns="101678" bIns="177800" numCol="1" spcCol="1270" anchor="ctr" anchorCtr="0">
+        <a:bodyPr spcFirstLastPara="0" vert="horz" wrap="square" lIns="101678" tIns="139700" rIns="101678" bIns="139700" numCol="1" spcCol="1270" anchor="ctr" anchorCtr="0">
           <a:noAutofit/>
         </a:bodyPr>
         <a:lstStyle/>
         <a:p>
-          <a:pPr marL="0" lvl="0" indent="0" algn="l" defTabSz="622300">
+          <a:pPr marL="0" lvl="0" indent="0" algn="l" defTabSz="488950">
             <a:lnSpc>
               <a:spcPct val="90000"/>
             </a:lnSpc>
@@ -11941,7 +12211,7 @@
             <a:buNone/>
           </a:pPr>
           <a:r>
-            <a:rPr lang="en-US" sz="1400" kern="1200"/>
+            <a:rPr lang="en-US" sz="1100" kern="1200" dirty="0"/>
             <a:t>Ex., only 86 / 156 recs for Madison/Morrow</a:t>
           </a:r>
         </a:p>
@@ -12745,7 +13015,7 @@
           </a:pPr>
           <a:r>
             <a:rPr lang="en-US" sz="1800" kern="1200" dirty="0"/>
-            <a:t>APPROACH:  Eliminate</a:t>
+            <a:t>APPROACH:  Eliminate (some)</a:t>
           </a:r>
         </a:p>
       </dsp:txBody>
@@ -12896,7 +13166,7 @@
           </a:pPr>
           <a:r>
             <a:rPr lang="en-US" sz="1900" kern="1200" dirty="0"/>
-            <a:t>Analyze data values post-merge (VALUES_COUNT(), UNIQUE())</a:t>
+            <a:t>Analyze data values post-merge (VALUES_COUNT(), UNIQUE()); view Excel csv file</a:t>
           </a:r>
         </a:p>
       </dsp:txBody>
@@ -12924,8 +13194,8 @@
       </dsp:nvSpPr>
       <dsp:spPr>
         <a:xfrm>
-          <a:off x="0" y="562"/>
-          <a:ext cx="6683374" cy="1315942"/>
+          <a:off x="0" y="1912"/>
+          <a:ext cx="6683374" cy="969073"/>
         </a:xfrm>
         <a:prstGeom prst="roundRect">
           <a:avLst>
@@ -12965,8 +13235,8 @@
       </dsp:nvSpPr>
       <dsp:spPr>
         <a:xfrm>
-          <a:off x="398072" y="296649"/>
-          <a:ext cx="723768" cy="723768"/>
+          <a:off x="293144" y="219953"/>
+          <a:ext cx="532990" cy="532990"/>
         </a:xfrm>
         <a:prstGeom prst="rect">
           <a:avLst/>
@@ -13014,8 +13284,8 @@
       </dsp:nvSpPr>
       <dsp:spPr>
         <a:xfrm>
-          <a:off x="1519914" y="562"/>
-          <a:ext cx="3007518" cy="1315942"/>
+          <a:off x="1119280" y="1912"/>
+          <a:ext cx="3007518" cy="969073"/>
         </a:xfrm>
         <a:prstGeom prst="rect">
           <a:avLst/>
@@ -13039,12 +13309,12 @@
         <a:fontRef idx="minor"/>
       </dsp:style>
       <dsp:txBody>
-        <a:bodyPr spcFirstLastPara="0" vert="horz" wrap="square" lIns="139271" tIns="139271" rIns="139271" bIns="139271" numCol="1" spcCol="1270" anchor="ctr" anchorCtr="0">
+        <a:bodyPr spcFirstLastPara="0" vert="horz" wrap="square" lIns="102560" tIns="102560" rIns="102560" bIns="102560" numCol="1" spcCol="1270" anchor="ctr" anchorCtr="0">
           <a:noAutofit/>
         </a:bodyPr>
         <a:lstStyle/>
         <a:p>
-          <a:pPr marL="0" lvl="0" indent="0" algn="l" defTabSz="1111250">
+          <a:pPr marL="0" lvl="0" indent="0" algn="l" defTabSz="977900">
             <a:lnSpc>
               <a:spcPct val="100000"/>
             </a:lnSpc>
@@ -13057,14 +13327,22 @@
             <a:buNone/>
           </a:pPr>
           <a:r>
-            <a:rPr lang="en-US" sz="2500" kern="1200" dirty="0"/>
-            <a:t>Scatter Plots</a:t>
+            <a:rPr lang="en-US" sz="2200" kern="1200" dirty="0"/>
+            <a:t>Number of </a:t>
+          </a:r>
+          <a:r>
+            <a:rPr lang="en-US" sz="2200" kern="1200"/>
+            <a:t>rooms vs. </a:t>
+          </a:r>
+          <a:r>
+            <a:rPr lang="en-US" sz="2200" kern="1200" dirty="0"/>
+            <a:t>sales price</a:t>
           </a:r>
         </a:p>
       </dsp:txBody>
       <dsp:txXfrm>
-        <a:off x="1519914" y="562"/>
-        <a:ext cx="3007518" cy="1315942"/>
+        <a:off x="1119280" y="1912"/>
+        <a:ext cx="3007518" cy="969073"/>
       </dsp:txXfrm>
     </dsp:sp>
     <dsp:sp modelId="{379FAF27-AE5A-6841-B441-CE8C7875941F}">
@@ -13074,8 +13352,8 @@
       </dsp:nvSpPr>
       <dsp:spPr>
         <a:xfrm>
-          <a:off x="4527432" y="562"/>
-          <a:ext cx="2155942" cy="1315942"/>
+          <a:off x="4126799" y="1912"/>
+          <a:ext cx="2556575" cy="969073"/>
         </a:xfrm>
         <a:prstGeom prst="rect">
           <a:avLst/>
@@ -13099,7 +13377,7 @@
         <a:fontRef idx="minor"/>
       </dsp:style>
       <dsp:txBody>
-        <a:bodyPr spcFirstLastPara="0" vert="horz" wrap="square" lIns="139271" tIns="139271" rIns="139271" bIns="139271" numCol="1" spcCol="1270" anchor="ctr" anchorCtr="0">
+        <a:bodyPr spcFirstLastPara="0" vert="horz" wrap="square" lIns="102560" tIns="102560" rIns="102560" bIns="102560" numCol="1" spcCol="1270" anchor="ctr" anchorCtr="0">
           <a:noAutofit/>
         </a:bodyPr>
         <a:lstStyle/>
@@ -13120,8 +13398,8 @@
         </a:p>
       </dsp:txBody>
       <dsp:txXfrm>
-        <a:off x="4527432" y="562"/>
-        <a:ext cx="2155942" cy="1315942"/>
+        <a:off x="4126799" y="1912"/>
+        <a:ext cx="2556575" cy="969073"/>
       </dsp:txXfrm>
     </dsp:sp>
     <dsp:sp modelId="{03C031E7-C3B8-4ACD-94AF-5652341D66A6}">
@@ -13131,8 +13409,8 @@
       </dsp:nvSpPr>
       <dsp:spPr>
         <a:xfrm>
-          <a:off x="0" y="1645491"/>
-          <a:ext cx="6683374" cy="1315942"/>
+          <a:off x="0" y="1213254"/>
+          <a:ext cx="6683374" cy="969073"/>
         </a:xfrm>
         <a:prstGeom prst="roundRect">
           <a:avLst>
@@ -13172,8 +13450,8 @@
       </dsp:nvSpPr>
       <dsp:spPr>
         <a:xfrm>
-          <a:off x="398072" y="1941578"/>
-          <a:ext cx="723768" cy="723768"/>
+          <a:off x="293144" y="1431296"/>
+          <a:ext cx="532990" cy="532990"/>
         </a:xfrm>
         <a:prstGeom prst="rect">
           <a:avLst/>
@@ -13221,8 +13499,8 @@
       </dsp:nvSpPr>
       <dsp:spPr>
         <a:xfrm>
-          <a:off x="1519914" y="1645491"/>
-          <a:ext cx="3007518" cy="1315942"/>
+          <a:off x="1119280" y="1213254"/>
+          <a:ext cx="3007518" cy="969073"/>
         </a:xfrm>
         <a:prstGeom prst="rect">
           <a:avLst/>
@@ -13246,12 +13524,12 @@
         <a:fontRef idx="minor"/>
       </dsp:style>
       <dsp:txBody>
-        <a:bodyPr spcFirstLastPara="0" vert="horz" wrap="square" lIns="139271" tIns="139271" rIns="139271" bIns="139271" numCol="1" spcCol="1270" anchor="ctr" anchorCtr="0">
+        <a:bodyPr spcFirstLastPara="0" vert="horz" wrap="square" lIns="102560" tIns="102560" rIns="102560" bIns="102560" numCol="1" spcCol="1270" anchor="ctr" anchorCtr="0">
           <a:noAutofit/>
         </a:bodyPr>
         <a:lstStyle/>
         <a:p>
-          <a:pPr marL="0" lvl="0" indent="0" algn="l" defTabSz="1111250">
+          <a:pPr marL="0" lvl="0" indent="0" algn="l" defTabSz="977900">
             <a:lnSpc>
               <a:spcPct val="100000"/>
             </a:lnSpc>
@@ -13264,14 +13542,14 @@
             <a:buNone/>
           </a:pPr>
           <a:r>
-            <a:rPr lang="en-US" sz="2500" kern="1200" dirty="0"/>
-            <a:t>Bar Charts</a:t>
+            <a:rPr lang="en-US" sz="2200" kern="1200" dirty="0"/>
+            <a:t>Validate Anomalies</a:t>
           </a:r>
         </a:p>
       </dsp:txBody>
       <dsp:txXfrm>
-        <a:off x="1519914" y="1645491"/>
-        <a:ext cx="3007518" cy="1315942"/>
+        <a:off x="1119280" y="1213254"/>
+        <a:ext cx="3007518" cy="969073"/>
       </dsp:txXfrm>
     </dsp:sp>
     <dsp:sp modelId="{7E9FC0A7-BE53-804B-AD73-3DBDEBA7DC72}">
@@ -13281,8 +13559,8 @@
       </dsp:nvSpPr>
       <dsp:spPr>
         <a:xfrm>
-          <a:off x="4527432" y="1645491"/>
-          <a:ext cx="2155942" cy="1315942"/>
+          <a:off x="4126799" y="1213254"/>
+          <a:ext cx="2556575" cy="969073"/>
         </a:xfrm>
         <a:prstGeom prst="rect">
           <a:avLst/>
@@ -13306,7 +13584,7 @@
         <a:fontRef idx="minor"/>
       </dsp:style>
       <dsp:txBody>
-        <a:bodyPr spcFirstLastPara="0" vert="horz" wrap="square" lIns="139271" tIns="139271" rIns="139271" bIns="139271" numCol="1" spcCol="1270" anchor="ctr" anchorCtr="0">
+        <a:bodyPr spcFirstLastPara="0" vert="horz" wrap="square" lIns="102560" tIns="102560" rIns="102560" bIns="102560" numCol="1" spcCol="1270" anchor="ctr" anchorCtr="0">
           <a:noAutofit/>
         </a:bodyPr>
         <a:lstStyle/>
@@ -13327,19 +13605,19 @@
         </a:p>
       </dsp:txBody>
       <dsp:txXfrm>
-        <a:off x="4527432" y="1645491"/>
-        <a:ext cx="2155942" cy="1315942"/>
+        <a:off x="4126799" y="1213254"/>
+        <a:ext cx="2556575" cy="969073"/>
       </dsp:txXfrm>
     </dsp:sp>
-    <dsp:sp modelId="{CC9C7262-3239-4653-BDAC-978273559665}">
+    <dsp:sp modelId="{5CB01F6F-CB1B-6F45-9F13-D8B5C8CEEA0F}">
       <dsp:nvSpPr>
         <dsp:cNvPr id="0" name=""/>
         <dsp:cNvSpPr/>
       </dsp:nvSpPr>
       <dsp:spPr>
         <a:xfrm>
-          <a:off x="0" y="3290419"/>
-          <a:ext cx="6683374" cy="1315942"/>
+          <a:off x="0" y="2424596"/>
+          <a:ext cx="6683374" cy="969073"/>
         </a:xfrm>
         <a:prstGeom prst="roundRect">
           <a:avLst>
@@ -13372,6 +13650,157 @@
         <a:fontRef idx="minor"/>
       </dsp:style>
     </dsp:sp>
+    <dsp:sp modelId="{5DFB9C58-4E2F-984C-B38B-829D6FFF3239}">
+      <dsp:nvSpPr>
+        <dsp:cNvPr id="0" name=""/>
+        <dsp:cNvSpPr/>
+      </dsp:nvSpPr>
+      <dsp:spPr>
+        <a:xfrm>
+          <a:off x="293144" y="2642638"/>
+          <a:ext cx="532990" cy="532990"/>
+        </a:xfrm>
+        <a:prstGeom prst="rect">
+          <a:avLst/>
+        </a:prstGeom>
+        <a:solidFill>
+          <a:schemeClr val="bg1">
+            <a:hueOff val="0"/>
+            <a:satOff val="0"/>
+            <a:lumOff val="0"/>
+            <a:alphaOff val="0"/>
+          </a:schemeClr>
+        </a:solidFill>
+        <a:ln w="15875" cap="flat" cmpd="sng" algn="ctr">
+          <a:solidFill>
+            <a:schemeClr val="lt1">
+              <a:alpha val="0"/>
+              <a:hueOff val="0"/>
+              <a:satOff val="0"/>
+              <a:lumOff val="0"/>
+              <a:alphaOff val="0"/>
+            </a:schemeClr>
+          </a:solidFill>
+          <a:prstDash val="solid"/>
+        </a:ln>
+        <a:effectLst/>
+      </dsp:spPr>
+      <dsp:style>
+        <a:lnRef idx="2">
+          <a:scrgbClr r="0" g="0" b="0"/>
+        </a:lnRef>
+        <a:fillRef idx="1">
+          <a:scrgbClr r="0" g="0" b="0"/>
+        </a:fillRef>
+        <a:effectRef idx="0">
+          <a:scrgbClr r="0" g="0" b="0"/>
+        </a:effectRef>
+        <a:fontRef idx="minor">
+          <a:schemeClr val="lt1"/>
+        </a:fontRef>
+      </dsp:style>
+    </dsp:sp>
+    <dsp:sp modelId="{17E8031A-CB33-3843-A803-8AB2B75261CF}">
+      <dsp:nvSpPr>
+        <dsp:cNvPr id="0" name=""/>
+        <dsp:cNvSpPr/>
+      </dsp:nvSpPr>
+      <dsp:spPr>
+        <a:xfrm>
+          <a:off x="1119280" y="2424596"/>
+          <a:ext cx="5564094" cy="969073"/>
+        </a:xfrm>
+        <a:prstGeom prst="rect">
+          <a:avLst/>
+        </a:prstGeom>
+        <a:noFill/>
+        <a:ln>
+          <a:noFill/>
+        </a:ln>
+        <a:effectLst/>
+      </dsp:spPr>
+      <dsp:style>
+        <a:lnRef idx="0">
+          <a:scrgbClr r="0" g="0" b="0"/>
+        </a:lnRef>
+        <a:fillRef idx="0">
+          <a:scrgbClr r="0" g="0" b="0"/>
+        </a:fillRef>
+        <a:effectRef idx="0">
+          <a:scrgbClr r="0" g="0" b="0"/>
+        </a:effectRef>
+        <a:fontRef idx="minor"/>
+      </dsp:style>
+      <dsp:txBody>
+        <a:bodyPr spcFirstLastPara="0" vert="horz" wrap="square" lIns="102560" tIns="102560" rIns="102560" bIns="102560" numCol="1" spcCol="1270" anchor="ctr" anchorCtr="0">
+          <a:noAutofit/>
+        </a:bodyPr>
+        <a:lstStyle/>
+        <a:p>
+          <a:pPr marL="0" lvl="0" indent="0" algn="l" defTabSz="977900">
+            <a:lnSpc>
+              <a:spcPct val="100000"/>
+            </a:lnSpc>
+            <a:spcBef>
+              <a:spcPct val="0"/>
+            </a:spcBef>
+            <a:spcAft>
+              <a:spcPct val="35000"/>
+            </a:spcAft>
+            <a:buNone/>
+          </a:pPr>
+          <a:r>
+            <a:rPr lang="en-US" sz="2200" kern="1200" dirty="0"/>
+            <a:t>Land Use by County</a:t>
+          </a:r>
+        </a:p>
+      </dsp:txBody>
+      <dsp:txXfrm>
+        <a:off x="1119280" y="2424596"/>
+        <a:ext cx="5564094" cy="969073"/>
+      </dsp:txXfrm>
+    </dsp:sp>
+    <dsp:sp modelId="{CC9C7262-3239-4653-BDAC-978273559665}">
+      <dsp:nvSpPr>
+        <dsp:cNvPr id="0" name=""/>
+        <dsp:cNvSpPr/>
+      </dsp:nvSpPr>
+      <dsp:spPr>
+        <a:xfrm>
+          <a:off x="0" y="3635939"/>
+          <a:ext cx="6683374" cy="969073"/>
+        </a:xfrm>
+        <a:prstGeom prst="roundRect">
+          <a:avLst>
+            <a:gd name="adj" fmla="val 10000"/>
+          </a:avLst>
+        </a:prstGeom>
+        <a:solidFill>
+          <a:schemeClr val="accent5">
+            <a:hueOff val="0"/>
+            <a:satOff val="0"/>
+            <a:lumOff val="0"/>
+            <a:alphaOff val="0"/>
+          </a:schemeClr>
+        </a:solidFill>
+        <a:ln>
+          <a:noFill/>
+        </a:ln>
+        <a:effectLst/>
+      </dsp:spPr>
+      <dsp:style>
+        <a:lnRef idx="0">
+          <a:scrgbClr r="0" g="0" b="0"/>
+        </a:lnRef>
+        <a:fillRef idx="1">
+          <a:scrgbClr r="0" g="0" b="0"/>
+        </a:fillRef>
+        <a:effectRef idx="0">
+          <a:scrgbClr r="0" g="0" b="0"/>
+        </a:effectRef>
+        <a:fontRef idx="minor"/>
+      </dsp:style>
+    </dsp:sp>
     <dsp:sp modelId="{EB4D65DC-27FB-407D-8F91-5208E0CD6443}">
       <dsp:nvSpPr>
         <dsp:cNvPr id="0" name=""/>
@@ -13379,8 +13808,8 @@
       </dsp:nvSpPr>
       <dsp:spPr>
         <a:xfrm>
-          <a:off x="398072" y="3586506"/>
-          <a:ext cx="723768" cy="723768"/>
+          <a:off x="293144" y="3853980"/>
+          <a:ext cx="532990" cy="532990"/>
         </a:xfrm>
         <a:prstGeom prst="rect">
           <a:avLst/>
@@ -13428,8 +13857,8 @@
       </dsp:nvSpPr>
       <dsp:spPr>
         <a:xfrm>
-          <a:off x="1519914" y="3290419"/>
-          <a:ext cx="3007518" cy="1315942"/>
+          <a:off x="1119280" y="3635939"/>
+          <a:ext cx="3007518" cy="969073"/>
         </a:xfrm>
         <a:prstGeom prst="rect">
           <a:avLst/>
@@ -13453,12 +13882,12 @@
         <a:fontRef idx="minor"/>
       </dsp:style>
       <dsp:txBody>
-        <a:bodyPr spcFirstLastPara="0" vert="horz" wrap="square" lIns="139271" tIns="139271" rIns="139271" bIns="139271" numCol="1" spcCol="1270" anchor="ctr" anchorCtr="0">
+        <a:bodyPr spcFirstLastPara="0" vert="horz" wrap="square" lIns="102560" tIns="102560" rIns="102560" bIns="102560" numCol="1" spcCol="1270" anchor="ctr" anchorCtr="0">
           <a:noAutofit/>
         </a:bodyPr>
         <a:lstStyle/>
         <a:p>
-          <a:pPr marL="0" lvl="0" indent="0" algn="l" defTabSz="1111250">
+          <a:pPr marL="0" lvl="0" indent="0" algn="l" defTabSz="977900">
             <a:lnSpc>
               <a:spcPct val="100000"/>
             </a:lnSpc>
@@ -13471,14 +13900,14 @@
             <a:buNone/>
           </a:pPr>
           <a:r>
-            <a:rPr lang="en-US" sz="2500" kern="1200" dirty="0"/>
-            <a:t>Pivot Tables</a:t>
+            <a:rPr lang="en-US" sz="2200" kern="1200" dirty="0"/>
+            <a:t>Explore other visualizations</a:t>
           </a:r>
         </a:p>
       </dsp:txBody>
       <dsp:txXfrm>
-        <a:off x="1519914" y="3290419"/>
-        <a:ext cx="3007518" cy="1315942"/>
+        <a:off x="1119280" y="3635939"/>
+        <a:ext cx="3007518" cy="969073"/>
       </dsp:txXfrm>
     </dsp:sp>
     <dsp:sp modelId="{2030756D-85B0-4EB7-8B00-E1C92708548E}">
@@ -13488,8 +13917,8 @@
       </dsp:nvSpPr>
       <dsp:spPr>
         <a:xfrm>
-          <a:off x="4527432" y="3290419"/>
-          <a:ext cx="2155942" cy="1315942"/>
+          <a:off x="4126799" y="3635939"/>
+          <a:ext cx="2556575" cy="969073"/>
         </a:xfrm>
         <a:prstGeom prst="rect">
           <a:avLst/>
@@ -13513,7 +13942,7 @@
         <a:fontRef idx="minor"/>
       </dsp:style>
       <dsp:txBody>
-        <a:bodyPr spcFirstLastPara="0" vert="horz" wrap="square" lIns="139271" tIns="139271" rIns="139271" bIns="139271" numCol="1" spcCol="1270" anchor="ctr" anchorCtr="0">
+        <a:bodyPr spcFirstLastPara="0" vert="horz" wrap="square" lIns="102560" tIns="102560" rIns="102560" bIns="102560" numCol="1" spcCol="1270" anchor="ctr" anchorCtr="0">
           <a:noAutofit/>
         </a:bodyPr>
         <a:lstStyle/>
@@ -13530,12 +13959,15 @@
             </a:spcAft>
             <a:buNone/>
           </a:pPr>
-          <a:endParaRPr lang="en-US" sz="1800" kern="1200" dirty="0"/>
+          <a:r>
+            <a:rPr lang="en-US" sz="1800" kern="1200" dirty="0"/>
+            <a:t>pair plots</a:t>
+          </a:r>
         </a:p>
       </dsp:txBody>
       <dsp:txXfrm>
-        <a:off x="4527432" y="3290419"/>
-        <a:ext cx="2155942" cy="1315942"/>
+        <a:off x="4126799" y="3635939"/>
+        <a:ext cx="2556575" cy="969073"/>
       </dsp:txXfrm>
     </dsp:sp>
   </dsp:spTree>
@@ -28983,7 +29415,7 @@
           <p:cNvPr id="2" name="Title 1">
             <a:extLst>
               <a:ext uri="{FF2B5EF4-FFF2-40B4-BE49-F238E27FC236}">
-                <a16:creationId xmlns:a16="http://schemas.microsoft.com/office/drawing/2014/main" id="{3F7E14FC-512D-9B42-8CD5-94B4C8DDE8AB}"/>
+                <a16:creationId xmlns:a16="http://schemas.microsoft.com/office/drawing/2014/main" id="{B21FC5B6-3EB1-0447-9BD9-C751D9A3ABD4}"/>
               </a:ext>
             </a:extLst>
           </p:cNvPr>
@@ -28994,19 +29426,105 @@
             <p:ph type="title"/>
           </p:nvPr>
         </p:nvSpPr>
-        <p:spPr>
-          <a:xfrm>
-            <a:off x="913774" y="0"/>
-            <a:ext cx="10364451" cy="1596177"/>
-          </a:xfrm>
-        </p:spPr>
+        <p:spPr/>
         <p:txBody>
           <a:bodyPr/>
           <a:lstStyle/>
           <a:p>
             <a:r>
               <a:rPr lang="en-US" dirty="0"/>
-              <a:t>number of rooms Vs sales price</a:t>
+              <a:t>Verifying anomalies</a:t>
+            </a:r>
+          </a:p>
+        </p:txBody>
+      </p:sp>
+      <p:sp>
+        <p:nvSpPr>
+          <p:cNvPr id="3" name="Content Placeholder 2">
+            <a:extLst>
+              <a:ext uri="{FF2B5EF4-FFF2-40B4-BE49-F238E27FC236}">
+                <a16:creationId xmlns:a16="http://schemas.microsoft.com/office/drawing/2014/main" id="{801B5EF1-639D-2942-9D27-FED96DCC780A}"/>
+              </a:ext>
+            </a:extLst>
+          </p:cNvPr>
+          <p:cNvSpPr>
+            <a:spLocks noGrp="1"/>
+          </p:cNvSpPr>
+          <p:nvPr>
+            <p:ph idx="1"/>
+          </p:nvPr>
+        </p:nvSpPr>
+        <p:spPr>
+          <a:xfrm>
+            <a:off x="913775" y="1962149"/>
+            <a:ext cx="6741101" cy="4506889"/>
+          </a:xfrm>
+        </p:spPr>
+        <p:txBody>
+          <a:bodyPr>
+            <a:normAutofit fontScale="92500" lnSpcReduction="10000"/>
+          </a:bodyPr>
+          <a:lstStyle/>
+          <a:p>
+            <a:r>
+              <a:rPr lang="en-US" dirty="0"/>
+              <a:t>17 rooms took a dip in price</a:t>
+            </a:r>
+          </a:p>
+          <a:p>
+            <a:r>
+              <a:rPr lang="en-US" dirty="0"/>
+              <a:t>In looking at our merged file, only 2 properties had 17 rooms that had sale prices.  Viewed Land Use:</a:t>
+            </a:r>
+          </a:p>
+          <a:p>
+            <a:pPr lvl="1"/>
+            <a:r>
+              <a:rPr lang="en-US" dirty="0"/>
+              <a:t>One was an apartment building in Newark</a:t>
+            </a:r>
+          </a:p>
+          <a:p>
+            <a:pPr lvl="1"/>
+            <a:r>
+              <a:rPr lang="en-US" dirty="0"/>
+              <a:t>One was residential @$96.5k.  </a:t>
+            </a:r>
+            <a:r>
+              <a:rPr lang="en-US" i="1" dirty="0"/>
+              <a:t>Is this the bates motel?</a:t>
+            </a:r>
+          </a:p>
+          <a:p>
+            <a:pPr lvl="1"/>
+            <a:r>
+              <a:rPr lang="en-US" dirty="0"/>
+              <a:t>Google search on address…We don’t think this house has 17 rooms</a:t>
+            </a:r>
+          </a:p>
+          <a:p>
+            <a:r>
+              <a:rPr lang="en-US" b="1" dirty="0"/>
+              <a:t>VERIFIED HUNCH</a:t>
+            </a:r>
+            <a:r>
+              <a:rPr lang="en-US" dirty="0"/>
+              <a:t>:  with the larger number of rooms having few data points, we cannot rely on the accuracy of the trend results for rooms &gt; 12</a:t>
+            </a:r>
+          </a:p>
+          <a:p>
+            <a:pPr lvl="1"/>
+            <a:r>
+              <a:rPr lang="en-US" dirty="0"/>
+              <a:t>May want to establish minimum </a:t>
+            </a:r>
+            <a:r>
+              <a:rPr lang="en-US" dirty="0" err="1"/>
+              <a:t>value_counts</a:t>
+            </a:r>
+            <a:r>
+              <a:rPr lang="en-US" dirty="0"/>
+              <a:t>() and/or exclude specific Land Use CODES</a:t>
             </a:r>
           </a:p>
         </p:txBody>
@@ -29016,7 +29534,7 @@
           <p:cNvPr id="4" name="Picture 3">
             <a:extLst>
               <a:ext uri="{FF2B5EF4-FFF2-40B4-BE49-F238E27FC236}">
-                <a16:creationId xmlns:a16="http://schemas.microsoft.com/office/drawing/2014/main" id="{45D77041-C015-AB48-9206-7EF8DCF9D39E}"/>
+                <a16:creationId xmlns:a16="http://schemas.microsoft.com/office/drawing/2014/main" id="{88A8BF38-5319-CC4E-9B5A-4FB6AF2D0FAE}"/>
               </a:ext>
             </a:extLst>
           </p:cNvPr>
@@ -29033,81 +29551,8 @@
         </p:blipFill>
         <p:spPr>
           <a:xfrm>
-            <a:off x="26187" y="1392072"/>
-            <a:ext cx="7731646" cy="4641411"/>
-          </a:xfrm>
-          <a:prstGeom prst="rect">
-            <a:avLst/>
-          </a:prstGeom>
-        </p:spPr>
-      </p:pic>
-      <p:sp>
-        <p:nvSpPr>
-          <p:cNvPr id="6" name="TextBox 5">
-            <a:extLst>
-              <a:ext uri="{FF2B5EF4-FFF2-40B4-BE49-F238E27FC236}">
-                <a16:creationId xmlns:a16="http://schemas.microsoft.com/office/drawing/2014/main" id="{F2A50264-2E65-0F41-AFBA-DA3B8E5A4F5D}"/>
-              </a:ext>
-            </a:extLst>
-          </p:cNvPr>
-          <p:cNvSpPr txBox="1"/>
-          <p:nvPr/>
-        </p:nvSpPr>
-        <p:spPr>
-          <a:xfrm>
-            <a:off x="8352430" y="1392072"/>
-            <a:ext cx="3616657" cy="1477328"/>
-          </a:xfrm>
-          <a:prstGeom prst="rect">
-            <a:avLst/>
-          </a:prstGeom>
-          <a:noFill/>
-        </p:spPr>
-        <p:txBody>
-          <a:bodyPr wrap="square" rtlCol="0">
-            <a:spAutoFit/>
-          </a:bodyPr>
-          <a:lstStyle/>
-          <a:p>
-            <a:r>
-              <a:rPr lang="en-US" dirty="0"/>
-              <a:t>There is a general upward trend in sales price as the number of rooms increase.  However, </a:t>
-            </a:r>
-            <a:r>
-              <a:rPr lang="en-US" dirty="0" err="1"/>
-              <a:t>noote</a:t>
-            </a:r>
-            <a:r>
-              <a:rPr lang="en-US" dirty="0"/>
-              <a:t> that properties with &gt;12 rooms have very few data points.</a:t>
-            </a:r>
-          </a:p>
-        </p:txBody>
-      </p:sp>
-      <p:pic>
-        <p:nvPicPr>
-          <p:cNvPr id="7" name="Picture 6">
-            <a:extLst>
-              <a:ext uri="{FF2B5EF4-FFF2-40B4-BE49-F238E27FC236}">
-                <a16:creationId xmlns:a16="http://schemas.microsoft.com/office/drawing/2014/main" id="{F219CED8-CD6B-804C-8AB9-2012D3C96678}"/>
-              </a:ext>
-            </a:extLst>
-          </p:cNvPr>
-          <p:cNvPicPr>
-            <a:picLocks noChangeAspect="1"/>
-          </p:cNvPicPr>
-          <p:nvPr/>
-        </p:nvPicPr>
-        <p:blipFill>
-          <a:blip r:embed="rId3"/>
-          <a:stretch>
-            <a:fillRect/>
-          </a:stretch>
-        </p:blipFill>
-        <p:spPr>
-          <a:xfrm>
-            <a:off x="7891536" y="3122400"/>
-            <a:ext cx="4300464" cy="2911083"/>
+            <a:off x="7654876" y="1962149"/>
+            <a:ext cx="4058151" cy="4506889"/>
           </a:xfrm>
           <a:prstGeom prst="rect">
             <a:avLst/>
@@ -29117,7 +29562,7 @@
     </p:spTree>
     <p:extLst>
       <p:ext uri="{BB962C8B-B14F-4D97-AF65-F5344CB8AC3E}">
-        <p14:creationId xmlns:p14="http://schemas.microsoft.com/office/powerpoint/2010/main" val="1387192950"/>
+        <p14:creationId xmlns:p14="http://schemas.microsoft.com/office/powerpoint/2010/main" val="3243488108"/>
       </p:ext>
     </p:extLst>
   </p:cSld>
@@ -29149,7 +29594,7 @@
           <p:cNvPr id="2" name="Title 1">
             <a:extLst>
               <a:ext uri="{FF2B5EF4-FFF2-40B4-BE49-F238E27FC236}">
-                <a16:creationId xmlns:a16="http://schemas.microsoft.com/office/drawing/2014/main" id="{113756C1-8E0A-E54F-B8BC-71B07A65BA8C}"/>
+                <a16:creationId xmlns:a16="http://schemas.microsoft.com/office/drawing/2014/main" id="{9AF1CF1C-B367-604C-A275-CEBC685AEBF7}"/>
               </a:ext>
             </a:extLst>
           </p:cNvPr>
@@ -29160,29 +29605,811 @@
             <p:ph type="title"/>
           </p:nvPr>
         </p:nvSpPr>
-        <p:spPr/>
+        <p:spPr>
+          <a:xfrm>
+            <a:off x="4062746" y="0"/>
+            <a:ext cx="3622389" cy="2789625"/>
+          </a:xfrm>
+        </p:spPr>
         <p:txBody>
           <a:bodyPr/>
           <a:lstStyle/>
           <a:p>
             <a:r>
+              <a:rPr lang="en-US" dirty="0">
+                <a:hlinkClick r:id="rId2"/>
+              </a:rPr>
+              <a:t>Land Use </a:t>
+            </a:r>
+            <a:br>
               <a:rPr lang="en-US" dirty="0"/>
-              <a:t>Understanding Land Use By </a:t>
+            </a:br>
+            <a:r>
+              <a:rPr lang="en-US" dirty="0"/>
+              <a:t>By </a:t>
             </a:r>
+            <a:br>
+              <a:rPr lang="en-US" dirty="0"/>
+            </a:br>
             <a:r>
-              <a:rPr lang="en-US" dirty="0" err="1"/>
-              <a:t>countY</a:t>
+              <a:rPr lang="en-US" dirty="0"/>
+              <a:t>County</a:t>
             </a:r>
-            <a:endParaRPr lang="en-US" dirty="0"/>
+          </a:p>
+        </p:txBody>
+      </p:sp>
+      <p:pic>
+        <p:nvPicPr>
+          <p:cNvPr id="5" name="Content Placeholder 4" descr="A screenshot of a cell phone&#13;&#10;&#13;&#10;Description automatically generated">
+            <a:extLst>
+              <a:ext uri="{FF2B5EF4-FFF2-40B4-BE49-F238E27FC236}">
+                <a16:creationId xmlns:a16="http://schemas.microsoft.com/office/drawing/2014/main" id="{88B58B9C-8E89-AD49-84EE-6480215DEF12}"/>
+              </a:ext>
+            </a:extLst>
+          </p:cNvPr>
+          <p:cNvPicPr>
+            <a:picLocks noGrp="1" noChangeAspect="1"/>
+          </p:cNvPicPr>
+          <p:nvPr>
+            <p:ph idx="1"/>
+          </p:nvPr>
+        </p:nvPicPr>
+        <p:blipFill>
+          <a:blip r:embed="rId3"/>
+          <a:stretch>
+            <a:fillRect/>
+          </a:stretch>
+        </p:blipFill>
+        <p:spPr>
+          <a:xfrm>
+            <a:off x="0" y="3429001"/>
+            <a:ext cx="4284806" cy="3452286"/>
+          </a:xfrm>
+        </p:spPr>
+      </p:pic>
+      <p:pic>
+        <p:nvPicPr>
+          <p:cNvPr id="7" name="Picture 6" descr="A screenshot of a social media post&#13;&#10;&#13;&#10;Description automatically generated">
+            <a:extLst>
+              <a:ext uri="{FF2B5EF4-FFF2-40B4-BE49-F238E27FC236}">
+                <a16:creationId xmlns:a16="http://schemas.microsoft.com/office/drawing/2014/main" id="{EC3F2D69-F065-7A40-B393-8DAA4963CAEE}"/>
+              </a:ext>
+            </a:extLst>
+          </p:cNvPr>
+          <p:cNvPicPr>
+            <a:picLocks noChangeAspect="1"/>
+          </p:cNvPicPr>
+          <p:nvPr/>
+        </p:nvPicPr>
+        <p:blipFill>
+          <a:blip r:embed="rId4"/>
+          <a:stretch>
+            <a:fillRect/>
+          </a:stretch>
+        </p:blipFill>
+        <p:spPr>
+          <a:xfrm>
+            <a:off x="-1" y="50132"/>
+            <a:ext cx="4275514" cy="3423454"/>
+          </a:xfrm>
+          <a:prstGeom prst="rect">
+            <a:avLst/>
+          </a:prstGeom>
+        </p:spPr>
+      </p:pic>
+      <p:pic>
+        <p:nvPicPr>
+          <p:cNvPr id="9" name="Picture 8" descr="A screenshot of a cell phone&#13;&#10;&#13;&#10;Description automatically generated">
+            <a:extLst>
+              <a:ext uri="{FF2B5EF4-FFF2-40B4-BE49-F238E27FC236}">
+                <a16:creationId xmlns:a16="http://schemas.microsoft.com/office/drawing/2014/main" id="{91046139-3D51-684D-A727-15BDFC643791}"/>
+              </a:ext>
+            </a:extLst>
+          </p:cNvPr>
+          <p:cNvPicPr>
+            <a:picLocks noChangeAspect="1"/>
+          </p:cNvPicPr>
+          <p:nvPr/>
+        </p:nvPicPr>
+        <p:blipFill>
+          <a:blip r:embed="rId5"/>
+          <a:stretch>
+            <a:fillRect/>
+          </a:stretch>
+        </p:blipFill>
+        <p:spPr>
+          <a:xfrm>
+            <a:off x="7916488" y="1"/>
+            <a:ext cx="4332174" cy="3481350"/>
+          </a:xfrm>
+          <a:prstGeom prst="rect">
+            <a:avLst/>
+          </a:prstGeom>
+        </p:spPr>
+      </p:pic>
+      <p:pic>
+        <p:nvPicPr>
+          <p:cNvPr id="11" name="Picture 10" descr="A screenshot of a cell phone&#13;&#10;&#13;&#10;Description automatically generated">
+            <a:extLst>
+              <a:ext uri="{FF2B5EF4-FFF2-40B4-BE49-F238E27FC236}">
+                <a16:creationId xmlns:a16="http://schemas.microsoft.com/office/drawing/2014/main" id="{D2029DE1-A676-FB41-BC18-207D386272E5}"/>
+              </a:ext>
+            </a:extLst>
+          </p:cNvPr>
+          <p:cNvPicPr>
+            <a:picLocks noChangeAspect="1"/>
+          </p:cNvPicPr>
+          <p:nvPr/>
+        </p:nvPicPr>
+        <p:blipFill>
+          <a:blip r:embed="rId6"/>
+          <a:stretch>
+            <a:fillRect/>
+          </a:stretch>
+        </p:blipFill>
+        <p:spPr>
+          <a:xfrm>
+            <a:off x="7916488" y="3429000"/>
+            <a:ext cx="4332174" cy="3429000"/>
+          </a:xfrm>
+          <a:prstGeom prst="rect">
+            <a:avLst/>
+          </a:prstGeom>
+        </p:spPr>
+      </p:pic>
+      <p:sp>
+        <p:nvSpPr>
+          <p:cNvPr id="12" name="TextBox 11">
+            <a:extLst>
+              <a:ext uri="{FF2B5EF4-FFF2-40B4-BE49-F238E27FC236}">
+                <a16:creationId xmlns:a16="http://schemas.microsoft.com/office/drawing/2014/main" id="{17659101-8760-4A4E-8767-C8F2480F0E98}"/>
+              </a:ext>
+            </a:extLst>
+          </p:cNvPr>
+          <p:cNvSpPr txBox="1"/>
+          <p:nvPr/>
+        </p:nvSpPr>
+        <p:spPr>
+          <a:xfrm>
+            <a:off x="1776438" y="3481350"/>
+            <a:ext cx="1009935" cy="369332"/>
+          </a:xfrm>
+          <a:prstGeom prst="rect">
+            <a:avLst/>
+          </a:prstGeom>
+          <a:noFill/>
+        </p:spPr>
+        <p:txBody>
+          <a:bodyPr wrap="square" rtlCol="0">
+            <a:spAutoFit/>
+          </a:bodyPr>
+          <a:lstStyle/>
+          <a:p>
+            <a:r>
+              <a:rPr lang="en-US" dirty="0"/>
+              <a:t>Franklin</a:t>
+            </a:r>
           </a:p>
         </p:txBody>
       </p:sp>
       <p:sp>
         <p:nvSpPr>
-          <p:cNvPr id="3" name="Content Placeholder 2">
+          <p:cNvPr id="13" name="TextBox 12">
             <a:extLst>
               <a:ext uri="{FF2B5EF4-FFF2-40B4-BE49-F238E27FC236}">
-                <a16:creationId xmlns:a16="http://schemas.microsoft.com/office/drawing/2014/main" id="{E578ACFD-E6EB-E145-913B-D2605BE9A3AF}"/>
+                <a16:creationId xmlns:a16="http://schemas.microsoft.com/office/drawing/2014/main" id="{8981E57D-68E4-CF4A-9A49-A031D455FBEB}"/>
+              </a:ext>
+            </a:extLst>
+          </p:cNvPr>
+          <p:cNvSpPr txBox="1"/>
+          <p:nvPr/>
+        </p:nvSpPr>
+        <p:spPr>
+          <a:xfrm>
+            <a:off x="9910594" y="3481350"/>
+            <a:ext cx="1009935" cy="369332"/>
+          </a:xfrm>
+          <a:prstGeom prst="rect">
+            <a:avLst/>
+          </a:prstGeom>
+          <a:noFill/>
+        </p:spPr>
+        <p:txBody>
+          <a:bodyPr wrap="square" rtlCol="0">
+            <a:spAutoFit/>
+          </a:bodyPr>
+          <a:lstStyle/>
+          <a:p>
+            <a:r>
+              <a:rPr lang="en-US" dirty="0"/>
+              <a:t>Licking</a:t>
+            </a:r>
+          </a:p>
+        </p:txBody>
+      </p:sp>
+      <p:sp>
+        <p:nvSpPr>
+          <p:cNvPr id="14" name="TextBox 13">
+            <a:extLst>
+              <a:ext uri="{FF2B5EF4-FFF2-40B4-BE49-F238E27FC236}">
+                <a16:creationId xmlns:a16="http://schemas.microsoft.com/office/drawing/2014/main" id="{66326B01-8876-3B45-BB57-701EA73DC7EF}"/>
+              </a:ext>
+            </a:extLst>
+          </p:cNvPr>
+          <p:cNvSpPr txBox="1"/>
+          <p:nvPr/>
+        </p:nvSpPr>
+        <p:spPr>
+          <a:xfrm>
+            <a:off x="1598427" y="116119"/>
+            <a:ext cx="1187946" cy="369332"/>
+          </a:xfrm>
+          <a:prstGeom prst="rect">
+            <a:avLst/>
+          </a:prstGeom>
+          <a:noFill/>
+        </p:spPr>
+        <p:txBody>
+          <a:bodyPr wrap="square" rtlCol="0">
+            <a:spAutoFit/>
+          </a:bodyPr>
+          <a:lstStyle/>
+          <a:p>
+            <a:r>
+              <a:rPr lang="en-US" dirty="0"/>
+              <a:t>Pickaway</a:t>
+            </a:r>
+          </a:p>
+        </p:txBody>
+      </p:sp>
+      <p:sp>
+        <p:nvSpPr>
+          <p:cNvPr id="15" name="TextBox 14">
+            <a:extLst>
+              <a:ext uri="{FF2B5EF4-FFF2-40B4-BE49-F238E27FC236}">
+                <a16:creationId xmlns:a16="http://schemas.microsoft.com/office/drawing/2014/main" id="{5915CA9C-55DA-414E-933B-44B854E5E829}"/>
+              </a:ext>
+            </a:extLst>
+          </p:cNvPr>
+          <p:cNvSpPr txBox="1"/>
+          <p:nvPr/>
+        </p:nvSpPr>
+        <p:spPr>
+          <a:xfrm>
+            <a:off x="9796420" y="116119"/>
+            <a:ext cx="1009935" cy="369332"/>
+          </a:xfrm>
+          <a:prstGeom prst="rect">
+            <a:avLst/>
+          </a:prstGeom>
+          <a:noFill/>
+        </p:spPr>
+        <p:txBody>
+          <a:bodyPr wrap="square" rtlCol="0">
+            <a:spAutoFit/>
+          </a:bodyPr>
+          <a:lstStyle/>
+          <a:p>
+            <a:r>
+              <a:rPr lang="en-US" dirty="0"/>
+              <a:t>Madison</a:t>
+            </a:r>
+          </a:p>
+        </p:txBody>
+      </p:sp>
+      <p:sp>
+        <p:nvSpPr>
+          <p:cNvPr id="16" name="Title 1">
+            <a:extLst>
+              <a:ext uri="{FF2B5EF4-FFF2-40B4-BE49-F238E27FC236}">
+                <a16:creationId xmlns:a16="http://schemas.microsoft.com/office/drawing/2014/main" id="{43E21EFE-6BC9-E147-AFCF-6981260ADC6B}"/>
+              </a:ext>
+            </a:extLst>
+          </p:cNvPr>
+          <p:cNvSpPr txBox="1">
+            <a:spLocks/>
+          </p:cNvSpPr>
+          <p:nvPr/>
+        </p:nvSpPr>
+        <p:spPr>
+          <a:xfrm>
+            <a:off x="4610605" y="2175414"/>
+            <a:ext cx="2739437" cy="3481350"/>
+          </a:xfrm>
+          <a:prstGeom prst="rect">
+            <a:avLst/>
+          </a:prstGeom>
+        </p:spPr>
+        <p:txBody>
+          <a:bodyPr vert="horz" lIns="91440" tIns="45720" rIns="91440" bIns="45720" rtlCol="0" anchor="ctr">
+            <a:normAutofit/>
+          </a:bodyPr>
+          <a:lstStyle>
+            <a:lvl1pPr algn="ctr" defTabSz="914400" rtl="0" eaLnBrk="1" latinLnBrk="0" hangingPunct="1">
+              <a:lnSpc>
+                <a:spcPct val="90000"/>
+              </a:lnSpc>
+              <a:spcBef>
+                <a:spcPct val="0"/>
+              </a:spcBef>
+              <a:buNone/>
+              <a:defRPr sz="3600" kern="1200" cap="all" baseline="0">
+                <a:solidFill>
+                  <a:schemeClr val="tx1"/>
+                </a:solidFill>
+                <a:effectLst/>
+                <a:latin typeface="+mj-lt"/>
+                <a:ea typeface="+mj-ea"/>
+                <a:cs typeface="+mj-cs"/>
+              </a:defRPr>
+            </a:lvl1pPr>
+          </a:lstStyle>
+          <a:p>
+            <a:pPr algn="l"/>
+            <a:r>
+              <a:rPr lang="en-US" sz="1200" b="1" dirty="0" err="1"/>
+              <a:t>ObserVations</a:t>
+            </a:r>
+            <a:r>
+              <a:rPr lang="en-US" sz="1200" dirty="0"/>
+              <a:t>: </a:t>
+            </a:r>
+          </a:p>
+          <a:p>
+            <a:pPr marL="171450" indent="-171450" algn="l">
+              <a:buFont typeface="Arial" panose="020B0604020202020204" pitchFamily="34" charset="0"/>
+              <a:buChar char="•"/>
+            </a:pPr>
+            <a:r>
+              <a:rPr lang="en-US" sz="1200" dirty="0"/>
+              <a:t>510 (Single Family Dwelling) is the most common across these 4 counties.</a:t>
+            </a:r>
+          </a:p>
+          <a:p>
+            <a:pPr marL="171450" indent="-171450" algn="l">
+              <a:buFont typeface="Arial" panose="020B0604020202020204" pitchFamily="34" charset="0"/>
+              <a:buChar char="•"/>
+            </a:pPr>
+            <a:r>
+              <a:rPr lang="en-US" sz="1200" dirty="0"/>
+              <a:t>550 (Condominium residential unit) is common in franklin, licking and Madison, but not in Pickaway</a:t>
+            </a:r>
+          </a:p>
+          <a:p>
+            <a:pPr marL="171450" indent="-171450" algn="l">
+              <a:buFont typeface="Arial" panose="020B0604020202020204" pitchFamily="34" charset="0"/>
+              <a:buChar char="•"/>
+            </a:pPr>
+            <a:r>
+              <a:rPr lang="en-US" sz="1200" dirty="0"/>
+              <a:t>111 (Cash - grain or general farm "qualified for current agricultural use </a:t>
+            </a:r>
+            <a:r>
+              <a:rPr lang="en-US" sz="1200" dirty="0" err="1"/>
+              <a:t>value"in</a:t>
+            </a:r>
+            <a:r>
+              <a:rPr lang="en-US" sz="1200" dirty="0"/>
+              <a:t> Madison / Licking*</a:t>
+            </a:r>
+          </a:p>
+          <a:p>
+            <a:pPr algn="l"/>
+            <a:endParaRPr lang="en-US" sz="1200" dirty="0"/>
+          </a:p>
+          <a:p>
+            <a:pPr algn="l"/>
+            <a:endParaRPr lang="en-US" sz="1200" dirty="0"/>
+          </a:p>
+          <a:p>
+            <a:pPr algn="l"/>
+            <a:r>
+              <a:rPr lang="en-US" sz="1200" dirty="0"/>
+              <a:t>NOTE:  Not looking at counts, just trends (had much more data for Licking than the other counties)</a:t>
+            </a:r>
+          </a:p>
+        </p:txBody>
+      </p:sp>
+      <p:sp>
+        <p:nvSpPr>
+          <p:cNvPr id="17" name="Title 1">
+            <a:extLst>
+              <a:ext uri="{FF2B5EF4-FFF2-40B4-BE49-F238E27FC236}">
+                <a16:creationId xmlns:a16="http://schemas.microsoft.com/office/drawing/2014/main" id="{A87D0B7B-8D15-BA40-A176-255D0DDE402A}"/>
+              </a:ext>
+            </a:extLst>
+          </p:cNvPr>
+          <p:cNvSpPr txBox="1">
+            <a:spLocks/>
+          </p:cNvSpPr>
+          <p:nvPr/>
+        </p:nvSpPr>
+        <p:spPr>
+          <a:xfrm>
+            <a:off x="5479401" y="5117326"/>
+            <a:ext cx="2739437" cy="1065696"/>
+          </a:xfrm>
+          <a:prstGeom prst="rect">
+            <a:avLst/>
+          </a:prstGeom>
+        </p:spPr>
+        <p:txBody>
+          <a:bodyPr vert="horz" lIns="91440" tIns="45720" rIns="91440" bIns="45720" rtlCol="0" anchor="ctr">
+            <a:normAutofit/>
+          </a:bodyPr>
+          <a:lstStyle>
+            <a:lvl1pPr algn="ctr" defTabSz="914400" rtl="0" eaLnBrk="1" latinLnBrk="0" hangingPunct="1">
+              <a:lnSpc>
+                <a:spcPct val="90000"/>
+              </a:lnSpc>
+              <a:spcBef>
+                <a:spcPct val="0"/>
+              </a:spcBef>
+              <a:buNone/>
+              <a:defRPr sz="3600" kern="1200" cap="all" baseline="0">
+                <a:solidFill>
+                  <a:schemeClr val="tx1"/>
+                </a:solidFill>
+                <a:effectLst/>
+                <a:latin typeface="+mj-lt"/>
+                <a:ea typeface="+mj-ea"/>
+                <a:cs typeface="+mj-cs"/>
+              </a:defRPr>
+            </a:lvl1pPr>
+          </a:lstStyle>
+          <a:p>
+            <a:pPr algn="l"/>
+            <a:endParaRPr lang="en-US" sz="1200" dirty="0"/>
+          </a:p>
+        </p:txBody>
+      </p:sp>
+      <p:sp>
+        <p:nvSpPr>
+          <p:cNvPr id="18" name="TextBox 17">
+            <a:extLst>
+              <a:ext uri="{FF2B5EF4-FFF2-40B4-BE49-F238E27FC236}">
+                <a16:creationId xmlns:a16="http://schemas.microsoft.com/office/drawing/2014/main" id="{223E8E41-87E1-6447-A2A7-FDB4147A12F9}"/>
+              </a:ext>
+            </a:extLst>
+          </p:cNvPr>
+          <p:cNvSpPr txBox="1"/>
+          <p:nvPr/>
+        </p:nvSpPr>
+        <p:spPr>
+          <a:xfrm>
+            <a:off x="4577143" y="5650174"/>
+            <a:ext cx="3330053" cy="1200329"/>
+          </a:xfrm>
+          <a:prstGeom prst="rect">
+            <a:avLst/>
+          </a:prstGeom>
+          <a:noFill/>
+        </p:spPr>
+        <p:txBody>
+          <a:bodyPr wrap="square" rtlCol="0">
+            <a:spAutoFit/>
+          </a:bodyPr>
+          <a:lstStyle/>
+          <a:p>
+            <a:r>
+              <a:rPr lang="en-US" sz="1200" dirty="0"/>
+              <a:t>*From </a:t>
+            </a:r>
+            <a:r>
+              <a:rPr lang="en-US" sz="1200" dirty="0">
+                <a:hlinkClick r:id="rId7"/>
+              </a:rPr>
+              <a:t>2012 consensus of agriculture </a:t>
+            </a:r>
+            <a:r>
+              <a:rPr lang="en-US" sz="1200" dirty="0"/>
+              <a:t>(USDA), state rank of total value of ag products sold:</a:t>
+            </a:r>
+          </a:p>
+          <a:p>
+            <a:r>
+              <a:rPr lang="en-US" sz="1200" dirty="0"/>
+              <a:t>Madison 12</a:t>
+            </a:r>
+          </a:p>
+          <a:p>
+            <a:r>
+              <a:rPr lang="en-US" sz="1200" dirty="0"/>
+              <a:t>Licking 11</a:t>
+            </a:r>
+          </a:p>
+          <a:p>
+            <a:r>
+              <a:rPr lang="en-US" sz="1200" dirty="0"/>
+              <a:t>Franklin 63</a:t>
+            </a:r>
+          </a:p>
+          <a:p>
+            <a:r>
+              <a:rPr lang="en-US" sz="1200" dirty="0"/>
+              <a:t>Pickaway 20</a:t>
+            </a:r>
+          </a:p>
+        </p:txBody>
+      </p:sp>
+    </p:spTree>
+    <p:extLst>
+      <p:ext uri="{BB962C8B-B14F-4D97-AF65-F5344CB8AC3E}">
+        <p14:creationId xmlns:p14="http://schemas.microsoft.com/office/powerpoint/2010/main" val="793789283"/>
+      </p:ext>
+    </p:extLst>
+  </p:cSld>
+  <p:clrMapOvr>
+    <a:masterClrMapping/>
+  </p:clrMapOvr>
+</p:sld>
+</file>
+
+<file path=ppt/slides/slide12.xml><?xml version="1.0" encoding="utf-8"?>
+<p:sld xmlns:a="http://schemas.openxmlformats.org/drawingml/2006/main" xmlns:r="http://schemas.openxmlformats.org/officeDocument/2006/relationships" xmlns:p="http://schemas.openxmlformats.org/presentationml/2006/main">
+  <p:cSld>
+    <p:bg>
+      <p:bgPr>
+        <a:gradFill rotWithShape="1">
+          <a:gsLst>
+            <a:gs pos="0">
+              <a:schemeClr val="bg1">
+                <a:tint val="84000"/>
+                <a:shade val="100000"/>
+                <a:hueMod val="130000"/>
+                <a:satMod val="150000"/>
+                <a:lumMod val="112000"/>
+              </a:schemeClr>
+            </a:gs>
+            <a:gs pos="100000">
+              <a:schemeClr val="bg1">
+                <a:shade val="92000"/>
+                <a:satMod val="140000"/>
+                <a:lumMod val="110000"/>
+              </a:schemeClr>
+            </a:gs>
+          </a:gsLst>
+          <a:lin ang="5400000" scaled="0"/>
+        </a:gradFill>
+        <a:effectLst/>
+      </p:bgPr>
+    </p:bg>
+    <p:spTree>
+      <p:nvGrpSpPr>
+        <p:cNvPr id="1" name=""/>
+        <p:cNvGrpSpPr/>
+        <p:nvPr/>
+      </p:nvGrpSpPr>
+      <p:grpSpPr>
+        <a:xfrm>
+          <a:off x="0" y="0"/>
+          <a:ext cx="0" cy="0"/>
+          <a:chOff x="0" y="0"/>
+          <a:chExt cx="0" cy="0"/>
+        </a:xfrm>
+      </p:grpSpPr>
+      <p:sp useBgFill="1">
+        <p:nvSpPr>
+          <p:cNvPr id="25" name="Rectangle 24">
+            <a:extLst>
+              <a:ext uri="{FF2B5EF4-FFF2-40B4-BE49-F238E27FC236}">
+                <a16:creationId xmlns:a16="http://schemas.microsoft.com/office/drawing/2014/main" id="{3A9C15D4-2EE7-4D05-B87C-91D1F3B9604B}"/>
+              </a:ext>
+              <a:ext uri="{C183D7F6-B498-43B3-948B-1728B52AA6E4}">
+                <adec:decorative xmlns:adec="http://schemas.microsoft.com/office/drawing/2017/decorative" val="1"/>
+              </a:ext>
+            </a:extLst>
+          </p:cNvPr>
+          <p:cNvSpPr>
+            <a:spLocks noGrp="1" noRot="1" noChangeAspect="1" noMove="1" noResize="1" noEditPoints="1" noAdjustHandles="1" noChangeArrowheads="1" noChangeShapeType="1" noTextEdit="1"/>
+          </p:cNvSpPr>
+          <p:nvPr>
+            <p:extLst>
+              <p:ext uri="{386F3935-93C4-4BCD-93E2-E3B085C9AB24}">
+                <p16:designElem xmlns:p16="http://schemas.microsoft.com/office/powerpoint/2015/main" val="1"/>
+              </p:ext>
+            </p:extLst>
+          </p:nvPr>
+        </p:nvSpPr>
+        <p:spPr>
+          <a:xfrm>
+            <a:off x="4059935" y="0"/>
+            <a:ext cx="8132065" cy="6858000"/>
+          </a:xfrm>
+          <a:prstGeom prst="rect">
+            <a:avLst/>
+          </a:prstGeom>
+          <a:ln>
+            <a:noFill/>
+          </a:ln>
+        </p:spPr>
+        <p:style>
+          <a:lnRef idx="2">
+            <a:schemeClr val="accent1">
+              <a:shade val="50000"/>
+            </a:schemeClr>
+          </a:lnRef>
+          <a:fillRef idx="1">
+            <a:schemeClr val="accent1"/>
+          </a:fillRef>
+          <a:effectRef idx="0">
+            <a:schemeClr val="accent1"/>
+          </a:effectRef>
+          <a:fontRef idx="minor">
+            <a:schemeClr val="lt1"/>
+          </a:fontRef>
+        </p:style>
+        <p:txBody>
+          <a:bodyPr rtlCol="0" anchor="ctr"/>
+          <a:lstStyle/>
+          <a:p>
+            <a:pPr algn="ctr"/>
+            <a:endParaRPr lang="en-US"/>
+          </a:p>
+        </p:txBody>
+      </p:sp>
+      <p:sp>
+        <p:nvSpPr>
+          <p:cNvPr id="27" name="Rectangle 26">
+            <a:extLst>
+              <a:ext uri="{FF2B5EF4-FFF2-40B4-BE49-F238E27FC236}">
+                <a16:creationId xmlns:a16="http://schemas.microsoft.com/office/drawing/2014/main" id="{4ED7B0FB-9654-4441-9545-02D458B68620}"/>
+              </a:ext>
+              <a:ext uri="{C183D7F6-B498-43B3-948B-1728B52AA6E4}">
+                <adec:decorative xmlns:adec="http://schemas.microsoft.com/office/drawing/2017/decorative" val="1"/>
+              </a:ext>
+            </a:extLst>
+          </p:cNvPr>
+          <p:cNvSpPr>
+            <a:spLocks noGrp="1" noRot="1" noChangeAspect="1" noMove="1" noResize="1" noEditPoints="1" noAdjustHandles="1" noChangeArrowheads="1" noChangeShapeType="1" noTextEdit="1"/>
+          </p:cNvSpPr>
+          <p:nvPr>
+            <p:extLst>
+              <p:ext uri="{386F3935-93C4-4BCD-93E2-E3B085C9AB24}">
+                <p16:designElem xmlns:p16="http://schemas.microsoft.com/office/powerpoint/2015/main" val="1"/>
+              </p:ext>
+            </p:extLst>
+          </p:nvPr>
+        </p:nvSpPr>
+        <p:spPr>
+          <a:xfrm>
+            <a:off x="0" y="0"/>
+            <a:ext cx="4059935" cy="6858000"/>
+          </a:xfrm>
+          <a:prstGeom prst="rect">
+            <a:avLst/>
+          </a:prstGeom>
+          <a:solidFill>
+            <a:schemeClr val="accent1">
+              <a:lumMod val="75000"/>
+            </a:schemeClr>
+          </a:solidFill>
+          <a:ln>
+            <a:noFill/>
+          </a:ln>
+          <a:effectLst>
+            <a:outerShdw blurRad="50800" dist="12700" algn="l" rotWithShape="0">
+              <a:prstClr val="black">
+                <a:alpha val="30000"/>
+              </a:prstClr>
+            </a:outerShdw>
+          </a:effectLst>
+        </p:spPr>
+        <p:style>
+          <a:lnRef idx="2">
+            <a:schemeClr val="accent1">
+              <a:shade val="50000"/>
+            </a:schemeClr>
+          </a:lnRef>
+          <a:fillRef idx="1002">
+            <a:schemeClr val="lt1"/>
+          </a:fillRef>
+          <a:effectRef idx="0">
+            <a:schemeClr val="accent1"/>
+          </a:effectRef>
+          <a:fontRef idx="minor">
+            <a:schemeClr val="lt1"/>
+          </a:fontRef>
+        </p:style>
+        <p:txBody>
+          <a:bodyPr rtlCol="0" anchor="ctr"/>
+          <a:lstStyle/>
+          <a:p>
+            <a:pPr algn="ctr"/>
+            <a:endParaRPr lang="en-US"/>
+          </a:p>
+        </p:txBody>
+      </p:sp>
+      <p:sp>
+        <p:nvSpPr>
+          <p:cNvPr id="2" name="Title 1">
+            <a:extLst>
+              <a:ext uri="{FF2B5EF4-FFF2-40B4-BE49-F238E27FC236}">
+                <a16:creationId xmlns:a16="http://schemas.microsoft.com/office/drawing/2014/main" id="{678DD913-5037-0C41-8E1A-EF273600243D}"/>
+              </a:ext>
+            </a:extLst>
+          </p:cNvPr>
+          <p:cNvSpPr>
+            <a:spLocks noGrp="1"/>
+          </p:cNvSpPr>
+          <p:nvPr>
+            <p:ph type="title"/>
+          </p:nvPr>
+        </p:nvSpPr>
+        <p:spPr>
+          <a:xfrm>
+            <a:off x="641074" y="1588878"/>
+            <a:ext cx="2844002" cy="3680244"/>
+          </a:xfrm>
+        </p:spPr>
+        <p:txBody>
+          <a:bodyPr>
+            <a:normAutofit/>
+          </a:bodyPr>
+          <a:lstStyle/>
+          <a:p>
+            <a:pPr algn="l"/>
+            <a:r>
+              <a:rPr lang="en-US" sz="4400" dirty="0">
+                <a:solidFill>
+                  <a:srgbClr val="FFFFFF"/>
+                </a:solidFill>
+              </a:rPr>
+              <a:t>Problem Statement</a:t>
+            </a:r>
+          </a:p>
+        </p:txBody>
+      </p:sp>
+      <p:pic>
+        <p:nvPicPr>
+          <p:cNvPr id="29" name="Picture 28">
+            <a:extLst>
+              <a:ext uri="{FF2B5EF4-FFF2-40B4-BE49-F238E27FC236}">
+                <a16:creationId xmlns:a16="http://schemas.microsoft.com/office/drawing/2014/main" id="{7BB94C57-FDF3-45A3-9D1F-904523D795D4}"/>
+              </a:ext>
+              <a:ext uri="{C183D7F6-B498-43B3-948B-1728B52AA6E4}">
+                <adec:decorative xmlns:adec="http://schemas.microsoft.com/office/drawing/2017/decorative" val="1"/>
+              </a:ext>
+            </a:extLst>
+          </p:cNvPr>
+          <p:cNvPicPr>
+            <a:picLocks noGrp="1" noRot="1" noChangeAspect="1" noMove="1" noResize="1" noEditPoints="1" noAdjustHandles="1" noChangeArrowheads="1" noChangeShapeType="1" noCrop="1"/>
+          </p:cNvPicPr>
+          <p:nvPr>
+            <p:extLst>
+              <p:ext uri="{386F3935-93C4-4BCD-93E2-E3B085C9AB24}">
+                <p16:designElem xmlns:p16="http://schemas.microsoft.com/office/powerpoint/2015/main" val="1"/>
+              </p:ext>
+            </p:extLst>
+          </p:nvPr>
+        </p:nvPicPr>
+        <p:blipFill rotWithShape="1">
+          <a:blip r:embed="rId2">
+            <a:extLst>
+              <a:ext uri="{28A0092B-C50C-407E-A947-70E740481C1C}">
+                <a14:useLocalDpi xmlns:a14="http://schemas.microsoft.com/office/drawing/2010/main" val="0"/>
+              </a:ext>
+            </a:extLst>
+          </a:blip>
+          <a:srcRect r="66700" b="77917"/>
+          <a:stretch/>
+        </p:blipFill>
+        <p:spPr>
+          <a:xfrm>
+            <a:off x="0" y="0"/>
+            <a:ext cx="4059935" cy="1514475"/>
+          </a:xfrm>
+          <a:prstGeom prst="rect">
+            <a:avLst/>
+          </a:prstGeom>
+        </p:spPr>
+      </p:pic>
+      <p:sp>
+        <p:nvSpPr>
+          <p:cNvPr id="20" name="Content Placeholder 2">
+            <a:extLst>
+              <a:ext uri="{FF2B5EF4-FFF2-40B4-BE49-F238E27FC236}">
+                <a16:creationId xmlns:a16="http://schemas.microsoft.com/office/drawing/2014/main" id="{2B175BB5-DB1E-314D-80D8-2AD268C82C20}"/>
               </a:ext>
             </a:extLst>
           </p:cNvPr>
@@ -29193,19 +30420,182 @@
             <p:ph idx="1"/>
           </p:nvPr>
         </p:nvSpPr>
-        <p:spPr/>
+        <p:spPr>
+          <a:xfrm>
+            <a:off x="4634794" y="1049695"/>
+            <a:ext cx="6642806" cy="4758611"/>
+          </a:xfrm>
+        </p:spPr>
         <p:txBody>
-          <a:bodyPr/>
+          <a:bodyPr anchor="ctr">
+            <a:normAutofit/>
+          </a:bodyPr>
           <a:lstStyle/>
           <a:p>
-            <a:endParaRPr lang="en-US" dirty="0"/>
+            <a:r>
+              <a:rPr lang="en-US" dirty="0"/>
+              <a:t>Understand How number of rooms impact sales price on home sales </a:t>
+            </a:r>
+          </a:p>
+          <a:p>
+            <a:r>
+              <a:rPr lang="en-US" dirty="0"/>
+              <a:t>Understanding Land Use across counties</a:t>
+            </a:r>
+          </a:p>
+          <a:p>
+            <a:pPr lvl="1"/>
+            <a:r>
+              <a:rPr lang="en-US" dirty="0"/>
+              <a:t>Ex., Is FRANKLIN more rural or agricultural?</a:t>
+            </a:r>
+          </a:p>
+          <a:p>
+            <a:r>
+              <a:rPr lang="en-US" dirty="0"/>
+              <a:t>Determine if we can explain trends in the housing market with knowledge of events or other aspects that would influence the data</a:t>
+            </a:r>
           </a:p>
         </p:txBody>
       </p:sp>
+      <p:pic>
+        <p:nvPicPr>
+          <p:cNvPr id="31" name="Picture 30">
+            <a:extLst>
+              <a:ext uri="{FF2B5EF4-FFF2-40B4-BE49-F238E27FC236}">
+                <a16:creationId xmlns:a16="http://schemas.microsoft.com/office/drawing/2014/main" id="{6AEBDF1A-221A-4497-BBA9-57A70D161510}"/>
+              </a:ext>
+              <a:ext uri="{C183D7F6-B498-43B3-948B-1728B52AA6E4}">
+                <adec:decorative xmlns:adec="http://schemas.microsoft.com/office/drawing/2017/decorative" val="1"/>
+              </a:ext>
+            </a:extLst>
+          </p:cNvPr>
+          <p:cNvPicPr>
+            <a:picLocks noGrp="1" noRot="1" noChangeAspect="1" noMove="1" noResize="1" noEditPoints="1" noAdjustHandles="1" noChangeArrowheads="1" noChangeShapeType="1" noCrop="1"/>
+          </p:cNvPicPr>
+          <p:nvPr>
+            <p:extLst>
+              <p:ext uri="{386F3935-93C4-4BCD-93E2-E3B085C9AB24}">
+                <p16:designElem xmlns:p16="http://schemas.microsoft.com/office/powerpoint/2015/main" val="1"/>
+              </p:ext>
+            </p:extLst>
+          </p:nvPr>
+        </p:nvPicPr>
+        <p:blipFill rotWithShape="1">
+          <a:blip r:embed="rId3">
+            <a:extLst>
+              <a:ext uri="{28A0092B-C50C-407E-A947-70E740481C1C}">
+                <a14:useLocalDpi xmlns:a14="http://schemas.microsoft.com/office/drawing/2010/main" val="0"/>
+              </a:ext>
+            </a:extLst>
+          </a:blip>
+          <a:srcRect l="78750" t="72830" b="14149"/>
+          <a:stretch/>
+        </p:blipFill>
+        <p:spPr>
+          <a:xfrm>
+            <a:off x="1377059" y="5962903"/>
+            <a:ext cx="2590800" cy="892925"/>
+          </a:xfrm>
+          <a:prstGeom prst="rect">
+            <a:avLst/>
+          </a:prstGeom>
+        </p:spPr>
+      </p:pic>
+      <p:pic>
+        <p:nvPicPr>
+          <p:cNvPr id="8" name="Picture 7" descr="A close up of a sign&#13;&#10;&#13;&#10;Description automatically generated">
+            <a:extLst>
+              <a:ext uri="{FF2B5EF4-FFF2-40B4-BE49-F238E27FC236}">
+                <a16:creationId xmlns:a16="http://schemas.microsoft.com/office/drawing/2014/main" id="{BABF39B9-9D16-7548-B080-56E0F8F26E06}"/>
+              </a:ext>
+            </a:extLst>
+          </p:cNvPr>
+          <p:cNvPicPr>
+            <a:picLocks noChangeAspect="1"/>
+          </p:cNvPicPr>
+          <p:nvPr/>
+        </p:nvPicPr>
+        <p:blipFill>
+          <a:blip r:embed="rId4"/>
+          <a:stretch>
+            <a:fillRect/>
+          </a:stretch>
+        </p:blipFill>
+        <p:spPr>
+          <a:xfrm>
+            <a:off x="10845800" y="1691374"/>
+            <a:ext cx="1346200" cy="1346200"/>
+          </a:xfrm>
+          <a:prstGeom prst="rect">
+            <a:avLst/>
+          </a:prstGeom>
+        </p:spPr>
+      </p:pic>
+      <p:pic>
+        <p:nvPicPr>
+          <p:cNvPr id="9" name="Picture 8" descr="A close up of a sign&#13;&#10;&#13;&#10;Description automatically generated">
+            <a:extLst>
+              <a:ext uri="{FF2B5EF4-FFF2-40B4-BE49-F238E27FC236}">
+                <a16:creationId xmlns:a16="http://schemas.microsoft.com/office/drawing/2014/main" id="{38DA8A06-A9BC-544F-BD1A-46B06CEB674D}"/>
+              </a:ext>
+            </a:extLst>
+          </p:cNvPr>
+          <p:cNvPicPr>
+            <a:picLocks noChangeAspect="1"/>
+          </p:cNvPicPr>
+          <p:nvPr/>
+        </p:nvPicPr>
+        <p:blipFill>
+          <a:blip r:embed="rId4"/>
+          <a:stretch>
+            <a:fillRect/>
+          </a:stretch>
+        </p:blipFill>
+        <p:spPr>
+          <a:xfrm>
+            <a:off x="10845800" y="2755900"/>
+            <a:ext cx="1346200" cy="1346200"/>
+          </a:xfrm>
+          <a:prstGeom prst="rect">
+            <a:avLst/>
+          </a:prstGeom>
+        </p:spPr>
+      </p:pic>
+      <p:pic>
+        <p:nvPicPr>
+          <p:cNvPr id="10" name="Picture 9" descr="A close up of a sign&#13;&#10;&#13;&#10;Description automatically generated">
+            <a:extLst>
+              <a:ext uri="{FF2B5EF4-FFF2-40B4-BE49-F238E27FC236}">
+                <a16:creationId xmlns:a16="http://schemas.microsoft.com/office/drawing/2014/main" id="{CC1519BD-A971-FF4A-AF4D-A297658DDBB1}"/>
+              </a:ext>
+            </a:extLst>
+          </p:cNvPr>
+          <p:cNvPicPr>
+            <a:picLocks noChangeAspect="1"/>
+          </p:cNvPicPr>
+          <p:nvPr/>
+        </p:nvPicPr>
+        <p:blipFill>
+          <a:blip r:embed="rId4"/>
+          <a:stretch>
+            <a:fillRect/>
+          </a:stretch>
+        </p:blipFill>
+        <p:spPr>
+          <a:xfrm>
+            <a:off x="10877826" y="3820427"/>
+            <a:ext cx="1346200" cy="1346200"/>
+          </a:xfrm>
+          <a:prstGeom prst="rect">
+            <a:avLst/>
+          </a:prstGeom>
+        </p:spPr>
+      </p:pic>
     </p:spTree>
     <p:extLst>
       <p:ext uri="{BB962C8B-B14F-4D97-AF65-F5344CB8AC3E}">
-        <p14:creationId xmlns:p14="http://schemas.microsoft.com/office/powerpoint/2010/main" val="1233653541"/>
+        <p14:creationId xmlns:p14="http://schemas.microsoft.com/office/powerpoint/2010/main" val="2149211776"/>
       </p:ext>
     </p:extLst>
   </p:cSld>
@@ -29215,7 +30605,7 @@
 </p:sld>
 </file>
 
-<file path=ppt/slides/slide12.xml><?xml version="1.0" encoding="utf-8"?>
+<file path=ppt/slides/slide13.xml><?xml version="1.0" encoding="utf-8"?>
 <p:sld xmlns:a="http://schemas.openxmlformats.org/drawingml/2006/main" xmlns:r="http://schemas.openxmlformats.org/officeDocument/2006/relationships" xmlns:p="http://schemas.openxmlformats.org/presentationml/2006/main">
   <p:cSld>
     <p:spTree>
@@ -29292,32 +30682,46 @@
         </p:spPr>
         <p:txBody>
           <a:bodyPr vert="horz" lIns="91440" tIns="45720" rIns="91440" bIns="45720" rtlCol="0" anchor="ctr">
-            <a:normAutofit/>
+            <a:normAutofit fontScale="92500" lnSpcReduction="20000"/>
           </a:bodyPr>
           <a:lstStyle/>
           <a:p>
-            <a:pPr lvl="0"/>
+            <a:pPr lvl="0" algn="l"/>
+            <a:r>
+              <a:rPr lang="en-US" dirty="0"/>
+              <a:t>Additional data:  </a:t>
+            </a:r>
+          </a:p>
+          <a:p>
+            <a:pPr lvl="1" algn="l"/>
             <a:r>
               <a:rPr lang="en-US" dirty="0"/>
               <a:t>GIS data – Area?</a:t>
             </a:r>
           </a:p>
           <a:p>
-            <a:pPr lvl="0"/>
+            <a:pPr lvl="1" algn="l"/>
             <a:r>
               <a:rPr lang="en-US" dirty="0"/>
               <a:t>School District / Tax (Licking, Morrow, Hocking, Franklin)</a:t>
             </a:r>
           </a:p>
           <a:p>
-            <a:pPr lvl="0"/>
+            <a:pPr lvl="1" algn="l"/>
             <a:r>
               <a:rPr lang="en-US" dirty="0"/>
               <a:t>Neighborhood Codes </a:t>
             </a:r>
           </a:p>
           <a:p>
-            <a:pPr lvl="0"/>
+            <a:pPr lvl="0" algn="l"/>
+            <a:r>
+              <a:rPr lang="en-US" dirty="0"/>
+              <a:t>Additional Cleaning</a:t>
+            </a:r>
+          </a:p>
+          <a:p>
+            <a:pPr lvl="1" algn="l"/>
             <a:r>
               <a:rPr lang="en-US" dirty="0"/>
               <a:t>Remove </a:t>
@@ -29332,29 +30736,39 @@
             </a:r>
           </a:p>
           <a:p>
-            <a:pPr lvl="0"/>
+            <a:pPr lvl="0" algn="l"/>
             <a:r>
               <a:rPr lang="en-US" dirty="0"/>
-              <a:t>Beautification of visualizations (ex., formatting sales amounts)</a:t>
+              <a:t>Beautification of visualizations </a:t>
             </a:r>
           </a:p>
           <a:p>
-            <a:pPr lvl="0"/>
+            <a:pPr lvl="1" algn="l"/>
             <a:r>
               <a:rPr lang="en-US" dirty="0"/>
-              <a:t>Explain trends in housing market</a:t>
+              <a:t>formatting sales amounts</a:t>
             </a:r>
           </a:p>
           <a:p>
-            <a:pPr indent="-228600" algn="l">
-              <a:buFont typeface="Arial" panose="020B0604020202020204" pitchFamily="34" charset="0"/>
-              <a:buChar char="•"/>
-            </a:pPr>
-            <a:endParaRPr lang="en-US" dirty="0">
-              <a:solidFill>
-                <a:schemeClr val="tx1"/>
-              </a:solidFill>
-            </a:endParaRPr>
+            <a:pPr lvl="1" algn="l"/>
+            <a:r>
+              <a:rPr lang="en-US" dirty="0"/>
+              <a:t>Enhancing views</a:t>
+            </a:r>
+          </a:p>
+          <a:p>
+            <a:pPr algn="l"/>
+            <a:r>
+              <a:rPr lang="en-US" dirty="0"/>
+              <a:t>Additional analysis</a:t>
+            </a:r>
+          </a:p>
+          <a:p>
+            <a:pPr lvl="1" algn="l"/>
+            <a:r>
+              <a:rPr lang="en-US" dirty="0"/>
+              <a:t>Which county has more sales of newer builds</a:t>
+            </a:r>
           </a:p>
         </p:txBody>
       </p:sp>
@@ -29422,7 +30836,7 @@
 </p:sld>
 </file>
 
-<file path=ppt/slides/slide13.xml><?xml version="1.0" encoding="utf-8"?>
+<file path=ppt/slides/slide14.xml><?xml version="1.0" encoding="utf-8"?>
 <p:sld xmlns:a="http://schemas.openxmlformats.org/drawingml/2006/main" xmlns:r="http://schemas.openxmlformats.org/officeDocument/2006/relationships" xmlns:p="http://schemas.openxmlformats.org/presentationml/2006/main">
   <p:cSld>
     <p:bg>
@@ -29510,7 +30924,7 @@
 </p:sld>
 </file>
 
-<file path=ppt/slides/slide14.xml><?xml version="1.0" encoding="utf-8"?>
+<file path=ppt/slides/slide15.xml><?xml version="1.0" encoding="utf-8"?>
 <p:sld xmlns:a="http://schemas.openxmlformats.org/drawingml/2006/main" xmlns:r="http://schemas.openxmlformats.org/officeDocument/2006/relationships" xmlns:p="http://schemas.openxmlformats.org/presentationml/2006/main">
   <p:cSld>
     <p:bg>
@@ -29640,7 +31054,7 @@
 </p:sld>
 </file>
 
-<file path=ppt/slides/slide15.xml><?xml version="1.0" encoding="utf-8"?>
+<file path=ppt/slides/slide16.xml><?xml version="1.0" encoding="utf-8"?>
 <p:sld xmlns:a="http://schemas.openxmlformats.org/drawingml/2006/main" xmlns:r="http://schemas.openxmlformats.org/officeDocument/2006/relationships" xmlns:p="http://schemas.openxmlformats.org/presentationml/2006/main">
   <p:cSld>
     <p:spTree>
@@ -30164,6 +31578,138 @@
           <a:chExt cx="0" cy="0"/>
         </a:xfrm>
       </p:grpSpPr>
+      <p:sp useBgFill="1">
+        <p:nvSpPr>
+          <p:cNvPr id="25" name="Rectangle 24">
+            <a:extLst>
+              <a:ext uri="{FF2B5EF4-FFF2-40B4-BE49-F238E27FC236}">
+                <a16:creationId xmlns:a16="http://schemas.microsoft.com/office/drawing/2014/main" id="{3A9C15D4-2EE7-4D05-B87C-91D1F3B9604B}"/>
+              </a:ext>
+              <a:ext uri="{C183D7F6-B498-43B3-948B-1728B52AA6E4}">
+                <adec:decorative xmlns:adec="http://schemas.microsoft.com/office/drawing/2017/decorative" val="1"/>
+              </a:ext>
+            </a:extLst>
+          </p:cNvPr>
+          <p:cNvSpPr>
+            <a:spLocks noGrp="1" noRot="1" noChangeAspect="1" noMove="1" noResize="1" noEditPoints="1" noAdjustHandles="1" noChangeArrowheads="1" noChangeShapeType="1" noTextEdit="1"/>
+          </p:cNvSpPr>
+          <p:nvPr>
+            <p:extLst>
+              <p:ext uri="{386F3935-93C4-4BCD-93E2-E3B085C9AB24}">
+                <p16:designElem xmlns:p16="http://schemas.microsoft.com/office/powerpoint/2015/main" val="1"/>
+              </p:ext>
+            </p:extLst>
+          </p:nvPr>
+        </p:nvSpPr>
+        <p:spPr>
+          <a:xfrm>
+            <a:off x="4059935" y="0"/>
+            <a:ext cx="8132065" cy="6858000"/>
+          </a:xfrm>
+          <a:prstGeom prst="rect">
+            <a:avLst/>
+          </a:prstGeom>
+          <a:ln>
+            <a:noFill/>
+          </a:ln>
+        </p:spPr>
+        <p:style>
+          <a:lnRef idx="2">
+            <a:schemeClr val="accent1">
+              <a:shade val="50000"/>
+            </a:schemeClr>
+          </a:lnRef>
+          <a:fillRef idx="1">
+            <a:schemeClr val="accent1"/>
+          </a:fillRef>
+          <a:effectRef idx="0">
+            <a:schemeClr val="accent1"/>
+          </a:effectRef>
+          <a:fontRef idx="minor">
+            <a:schemeClr val="lt1"/>
+          </a:fontRef>
+        </p:style>
+        <p:txBody>
+          <a:bodyPr rtlCol="0" anchor="ctr"/>
+          <a:lstStyle/>
+          <a:p>
+            <a:pPr algn="ctr"/>
+            <a:endParaRPr lang="en-US"/>
+          </a:p>
+        </p:txBody>
+      </p:sp>
+      <p:sp>
+        <p:nvSpPr>
+          <p:cNvPr id="27" name="Rectangle 26">
+            <a:extLst>
+              <a:ext uri="{FF2B5EF4-FFF2-40B4-BE49-F238E27FC236}">
+                <a16:creationId xmlns:a16="http://schemas.microsoft.com/office/drawing/2014/main" id="{4ED7B0FB-9654-4441-9545-02D458B68620}"/>
+              </a:ext>
+              <a:ext uri="{C183D7F6-B498-43B3-948B-1728B52AA6E4}">
+                <adec:decorative xmlns:adec="http://schemas.microsoft.com/office/drawing/2017/decorative" val="1"/>
+              </a:ext>
+            </a:extLst>
+          </p:cNvPr>
+          <p:cNvSpPr>
+            <a:spLocks noGrp="1" noRot="1" noChangeAspect="1" noMove="1" noResize="1" noEditPoints="1" noAdjustHandles="1" noChangeArrowheads="1" noChangeShapeType="1" noTextEdit="1"/>
+          </p:cNvSpPr>
+          <p:nvPr>
+            <p:extLst>
+              <p:ext uri="{386F3935-93C4-4BCD-93E2-E3B085C9AB24}">
+                <p16:designElem xmlns:p16="http://schemas.microsoft.com/office/powerpoint/2015/main" val="1"/>
+              </p:ext>
+            </p:extLst>
+          </p:nvPr>
+        </p:nvSpPr>
+        <p:spPr>
+          <a:xfrm>
+            <a:off x="0" y="0"/>
+            <a:ext cx="4059935" cy="6858000"/>
+          </a:xfrm>
+          <a:prstGeom prst="rect">
+            <a:avLst/>
+          </a:prstGeom>
+          <a:solidFill>
+            <a:schemeClr val="accent1">
+              <a:lumMod val="75000"/>
+            </a:schemeClr>
+          </a:solidFill>
+          <a:ln>
+            <a:noFill/>
+          </a:ln>
+          <a:effectLst>
+            <a:outerShdw blurRad="50800" dist="12700" algn="l" rotWithShape="0">
+              <a:prstClr val="black">
+                <a:alpha val="30000"/>
+              </a:prstClr>
+            </a:outerShdw>
+          </a:effectLst>
+        </p:spPr>
+        <p:style>
+          <a:lnRef idx="2">
+            <a:schemeClr val="accent1">
+              <a:shade val="50000"/>
+            </a:schemeClr>
+          </a:lnRef>
+          <a:fillRef idx="1002">
+            <a:schemeClr val="lt1"/>
+          </a:fillRef>
+          <a:effectRef idx="0">
+            <a:schemeClr val="accent1"/>
+          </a:effectRef>
+          <a:fontRef idx="minor">
+            <a:schemeClr val="lt1"/>
+          </a:fontRef>
+        </p:style>
+        <p:txBody>
+          <a:bodyPr rtlCol="0" anchor="ctr"/>
+          <a:lstStyle/>
+          <a:p>
+            <a:pPr algn="ctr"/>
+            <a:endParaRPr lang="en-US"/>
+          </a:p>
+        </p:txBody>
+      </p:sp>
       <p:sp>
         <p:nvSpPr>
           <p:cNvPr id="2" name="Title 1">
@@ -30194,7 +31740,7 @@
           <a:p>
             <a:pPr algn="l"/>
             <a:r>
-              <a:rPr lang="en-US" sz="4400">
+              <a:rPr lang="en-US" sz="4400" dirty="0">
                 <a:solidFill>
                   <a:srgbClr val="FFFFFF"/>
                 </a:solidFill>
@@ -30204,6 +31750,50 @@
           </a:p>
         </p:txBody>
       </p:sp>
+      <p:pic>
+        <p:nvPicPr>
+          <p:cNvPr id="29" name="Picture 28">
+            <a:extLst>
+              <a:ext uri="{FF2B5EF4-FFF2-40B4-BE49-F238E27FC236}">
+                <a16:creationId xmlns:a16="http://schemas.microsoft.com/office/drawing/2014/main" id="{7BB94C57-FDF3-45A3-9D1F-904523D795D4}"/>
+              </a:ext>
+              <a:ext uri="{C183D7F6-B498-43B3-948B-1728B52AA6E4}">
+                <adec:decorative xmlns:adec="http://schemas.microsoft.com/office/drawing/2017/decorative" val="1"/>
+              </a:ext>
+            </a:extLst>
+          </p:cNvPr>
+          <p:cNvPicPr>
+            <a:picLocks noGrp="1" noRot="1" noChangeAspect="1" noMove="1" noResize="1" noEditPoints="1" noAdjustHandles="1" noChangeArrowheads="1" noChangeShapeType="1" noCrop="1"/>
+          </p:cNvPicPr>
+          <p:nvPr>
+            <p:extLst>
+              <p:ext uri="{386F3935-93C4-4BCD-93E2-E3B085C9AB24}">
+                <p16:designElem xmlns:p16="http://schemas.microsoft.com/office/powerpoint/2015/main" val="1"/>
+              </p:ext>
+            </p:extLst>
+          </p:nvPr>
+        </p:nvPicPr>
+        <p:blipFill rotWithShape="1">
+          <a:blip r:embed="rId2">
+            <a:extLst>
+              <a:ext uri="{28A0092B-C50C-407E-A947-70E740481C1C}">
+                <a14:useLocalDpi xmlns:a14="http://schemas.microsoft.com/office/drawing/2010/main" val="0"/>
+              </a:ext>
+            </a:extLst>
+          </a:blip>
+          <a:srcRect r="66700" b="77917"/>
+          <a:stretch/>
+        </p:blipFill>
+        <p:spPr>
+          <a:xfrm>
+            <a:off x="0" y="0"/>
+            <a:ext cx="4059935" cy="1514475"/>
+          </a:xfrm>
+          <a:prstGeom prst="rect">
+            <a:avLst/>
+          </a:prstGeom>
+        </p:spPr>
+      </p:pic>
       <p:sp>
         <p:nvSpPr>
           <p:cNvPr id="20" name="Content Placeholder 2">
@@ -30247,7 +31837,7 @@
             <a:pPr lvl="1"/>
             <a:r>
               <a:rPr lang="en-US" dirty="0"/>
-              <a:t>Ex., Is Delaware more rural or agricultural?</a:t>
+              <a:t>Ex., Is FRANKLIN more rural or agricultural?</a:t>
             </a:r>
           </a:p>
           <a:p>
@@ -30259,11 +31849,55 @@
           <a:p>
             <a:r>
               <a:rPr lang="en-US" dirty="0"/>
-              <a:t>Which county has more sales of newer builds</a:t>
+              <a:t>Which county has more sales of newer builds (FUTURE)</a:t>
             </a:r>
           </a:p>
         </p:txBody>
       </p:sp>
+      <p:pic>
+        <p:nvPicPr>
+          <p:cNvPr id="31" name="Picture 30">
+            <a:extLst>
+              <a:ext uri="{FF2B5EF4-FFF2-40B4-BE49-F238E27FC236}">
+                <a16:creationId xmlns:a16="http://schemas.microsoft.com/office/drawing/2014/main" id="{6AEBDF1A-221A-4497-BBA9-57A70D161510}"/>
+              </a:ext>
+              <a:ext uri="{C183D7F6-B498-43B3-948B-1728B52AA6E4}">
+                <adec:decorative xmlns:adec="http://schemas.microsoft.com/office/drawing/2017/decorative" val="1"/>
+              </a:ext>
+            </a:extLst>
+          </p:cNvPr>
+          <p:cNvPicPr>
+            <a:picLocks noGrp="1" noRot="1" noChangeAspect="1" noMove="1" noResize="1" noEditPoints="1" noAdjustHandles="1" noChangeArrowheads="1" noChangeShapeType="1" noCrop="1"/>
+          </p:cNvPicPr>
+          <p:nvPr>
+            <p:extLst>
+              <p:ext uri="{386F3935-93C4-4BCD-93E2-E3B085C9AB24}">
+                <p16:designElem xmlns:p16="http://schemas.microsoft.com/office/powerpoint/2015/main" val="1"/>
+              </p:ext>
+            </p:extLst>
+          </p:nvPr>
+        </p:nvPicPr>
+        <p:blipFill rotWithShape="1">
+          <a:blip r:embed="rId3">
+            <a:extLst>
+              <a:ext uri="{28A0092B-C50C-407E-A947-70E740481C1C}">
+                <a14:useLocalDpi xmlns:a14="http://schemas.microsoft.com/office/drawing/2010/main" val="0"/>
+              </a:ext>
+            </a:extLst>
+          </a:blip>
+          <a:srcRect l="78750" t="72830" b="14149"/>
+          <a:stretch/>
+        </p:blipFill>
+        <p:spPr>
+          <a:xfrm>
+            <a:off x="1377059" y="5962903"/>
+            <a:ext cx="2590800" cy="892925"/>
+          </a:xfrm>
+          <a:prstGeom prst="rect">
+            <a:avLst/>
+          </a:prstGeom>
+        </p:spPr>
+      </p:pic>
     </p:spTree>
     <p:extLst>
       <p:ext uri="{BB962C8B-B14F-4D97-AF65-F5344CB8AC3E}">
@@ -30403,6 +32037,32 @@
 <file path=ppt/slides/slide5.xml><?xml version="1.0" encoding="utf-8"?>
 <p:sld xmlns:a="http://schemas.openxmlformats.org/drawingml/2006/main" xmlns:r="http://schemas.openxmlformats.org/officeDocument/2006/relationships" xmlns:p="http://schemas.openxmlformats.org/presentationml/2006/main">
   <p:cSld>
+    <p:bg>
+      <p:bgPr>
+        <a:gradFill rotWithShape="1">
+          <a:gsLst>
+            <a:gs pos="0">
+              <a:schemeClr val="bg2">
+                <a:tint val="84000"/>
+                <a:shade val="100000"/>
+                <a:hueMod val="92000"/>
+                <a:satMod val="180000"/>
+                <a:lumMod val="114000"/>
+              </a:schemeClr>
+            </a:gs>
+            <a:gs pos="100000">
+              <a:schemeClr val="bg2">
+                <a:shade val="92000"/>
+                <a:satMod val="170000"/>
+                <a:lumMod val="96000"/>
+              </a:schemeClr>
+            </a:gs>
+          </a:gsLst>
+          <a:lin ang="5400000" scaled="0"/>
+        </a:gradFill>
+        <a:effectLst/>
+      </p:bgPr>
+    </p:bg>
     <p:spTree>
       <p:nvGrpSpPr>
         <p:cNvPr id="1" name=""/>
@@ -30419,28 +32079,262 @@
       </p:grpSpPr>
       <p:pic>
         <p:nvPicPr>
-          <p:cNvPr id="4" name="Picture 3">
+          <p:cNvPr id="11" name="Picture 2">
             <a:extLst>
               <a:ext uri="{FF2B5EF4-FFF2-40B4-BE49-F238E27FC236}">
-                <a16:creationId xmlns:a16="http://schemas.microsoft.com/office/drawing/2014/main" id="{5C056775-2AA3-6D46-BA00-1D7BF82BE5D8}"/>
+                <a16:creationId xmlns:a16="http://schemas.microsoft.com/office/drawing/2014/main" id="{E77D5960-B3B3-4AE1-8BBD-3C55D906A615}"/>
+              </a:ext>
+              <a:ext uri="{C183D7F6-B498-43B3-948B-1728B52AA6E4}">
+                <adec:decorative xmlns:adec="http://schemas.microsoft.com/office/drawing/2017/decorative" val="1"/>
               </a:ext>
             </a:extLst>
           </p:cNvPr>
           <p:cNvPicPr>
-            <a:picLocks noChangeAspect="1"/>
+            <a:picLocks noGrp="1" noRot="1" noChangeAspect="1" noMove="1" noResize="1" noEditPoints="1" noAdjustHandles="1" noChangeArrowheads="1" noChangeShapeType="1" noCrop="1"/>
           </p:cNvPicPr>
-          <p:nvPr/>
+          <p:nvPr>
+            <p:extLst>
+              <p:ext uri="{386F3935-93C4-4BCD-93E2-E3B085C9AB24}">
+                <p16:designElem xmlns:p16="http://schemas.microsoft.com/office/powerpoint/2015/main" val="1"/>
+              </p:ext>
+            </p:extLst>
+          </p:nvPr>
         </p:nvPicPr>
         <p:blipFill>
-          <a:blip r:embed="rId2"/>
+          <a:blip r:embed="rId2">
+            <a:alphaModFix amt="70000"/>
+            <a:extLst>
+              <a:ext uri="{28A0092B-C50C-407E-A947-70E740481C1C}">
+                <a14:useLocalDpi xmlns:a14="http://schemas.microsoft.com/office/drawing/2010/main" val="0"/>
+              </a:ext>
+            </a:extLst>
+          </a:blip>
+          <a:srcRect/>
+          <a:stretch>
+            <a:fillRect/>
+          </a:stretch>
+        </p:blipFill>
+        <p:spPr bwMode="auto">
+          <a:xfrm>
+            <a:off x="0" y="0"/>
+            <a:ext cx="12192003" cy="6858001"/>
+          </a:xfrm>
+          <a:prstGeom prst="rect">
+            <a:avLst/>
+          </a:prstGeom>
+          <a:noFill/>
+          <a:extLst>
+            <a:ext uri="{909E8E84-426E-40DD-AFC4-6F175D3DCCD1}">
+              <a14:hiddenFill xmlns:a14="http://schemas.microsoft.com/office/drawing/2010/main">
+                <a:solidFill>
+                  <a:srgbClr val="FFFFFF"/>
+                </a:solidFill>
+              </a14:hiddenFill>
+            </a:ext>
+          </a:extLst>
+        </p:spPr>
+      </p:pic>
+      <p:pic>
+        <p:nvPicPr>
+          <p:cNvPr id="13" name="Picture 12">
+            <a:extLst>
+              <a:ext uri="{FF2B5EF4-FFF2-40B4-BE49-F238E27FC236}">
+                <a16:creationId xmlns:a16="http://schemas.microsoft.com/office/drawing/2014/main" id="{9CB45896-DF82-4158-8135-BB4EF2219878}"/>
+              </a:ext>
+              <a:ext uri="{C183D7F6-B498-43B3-948B-1728B52AA6E4}">
+                <adec:decorative xmlns:adec="http://schemas.microsoft.com/office/drawing/2017/decorative" val="1"/>
+              </a:ext>
+            </a:extLst>
+          </p:cNvPr>
+          <p:cNvPicPr>
+            <a:picLocks noGrp="1" noRot="1" noChangeAspect="1" noMove="1" noResize="1" noEditPoints="1" noAdjustHandles="1" noChangeArrowheads="1" noChangeShapeType="1" noCrop="1"/>
+          </p:cNvPicPr>
+          <p:nvPr>
+            <p:extLst>
+              <p:ext uri="{386F3935-93C4-4BCD-93E2-E3B085C9AB24}">
+                <p16:designElem xmlns:p16="http://schemas.microsoft.com/office/powerpoint/2015/main" val="1"/>
+              </p:ext>
+            </p:extLst>
+          </p:nvPr>
+        </p:nvPicPr>
+        <p:blipFill>
+          <a:blip r:embed="rId3">
+            <a:extLst>
+              <a:ext uri="{28A0092B-C50C-407E-A947-70E740481C1C}">
+                <a14:useLocalDpi xmlns:a14="http://schemas.microsoft.com/office/drawing/2010/main" val="0"/>
+              </a:ext>
+            </a:extLst>
+          </a:blip>
           <a:stretch>
             <a:fillRect/>
           </a:stretch>
         </p:blipFill>
         <p:spPr>
           <a:xfrm>
-            <a:off x="0" y="717795"/>
-            <a:ext cx="12192000" cy="5422409"/>
+            <a:off x="0" y="0"/>
+            <a:ext cx="12192000" cy="6858000"/>
+          </a:xfrm>
+          <a:prstGeom prst="rect">
+            <a:avLst/>
+          </a:prstGeom>
+        </p:spPr>
+      </p:pic>
+      <p:sp useBgFill="1">
+        <p:nvSpPr>
+          <p:cNvPr id="15" name="Rectangle 14">
+            <a:extLst>
+              <a:ext uri="{FF2B5EF4-FFF2-40B4-BE49-F238E27FC236}">
+                <a16:creationId xmlns:a16="http://schemas.microsoft.com/office/drawing/2014/main" id="{317B8CA8-958D-40D5-A620-2A70EBEADE1E}"/>
+              </a:ext>
+              <a:ext uri="{C183D7F6-B498-43B3-948B-1728B52AA6E4}">
+                <adec:decorative xmlns:adec="http://schemas.microsoft.com/office/drawing/2017/decorative" val="1"/>
+              </a:ext>
+            </a:extLst>
+          </p:cNvPr>
+          <p:cNvSpPr>
+            <a:spLocks noGrp="1" noRot="1" noChangeAspect="1" noMove="1" noResize="1" noEditPoints="1" noAdjustHandles="1" noChangeArrowheads="1" noChangeShapeType="1" noTextEdit="1"/>
+          </p:cNvSpPr>
+          <p:nvPr>
+            <p:extLst>
+              <p:ext uri="{386F3935-93C4-4BCD-93E2-E3B085C9AB24}">
+                <p16:designElem xmlns:p16="http://schemas.microsoft.com/office/powerpoint/2015/main" val="1"/>
+              </p:ext>
+            </p:extLst>
+          </p:nvPr>
+        </p:nvSpPr>
+        <p:spPr>
+          <a:xfrm>
+            <a:off x="0" y="0"/>
+            <a:ext cx="12192000" cy="6858000"/>
+          </a:xfrm>
+          <a:prstGeom prst="rect">
+            <a:avLst/>
+          </a:prstGeom>
+          <a:ln>
+            <a:noFill/>
+          </a:ln>
+        </p:spPr>
+        <p:style>
+          <a:lnRef idx="2">
+            <a:schemeClr val="accent1">
+              <a:shade val="50000"/>
+            </a:schemeClr>
+          </a:lnRef>
+          <a:fillRef idx="1">
+            <a:schemeClr val="accent1"/>
+          </a:fillRef>
+          <a:effectRef idx="0">
+            <a:schemeClr val="accent1"/>
+          </a:effectRef>
+          <a:fontRef idx="minor">
+            <a:schemeClr val="lt1"/>
+          </a:fontRef>
+        </p:style>
+        <p:txBody>
+          <a:bodyPr rtlCol="0" anchor="ctr"/>
+          <a:lstStyle/>
+          <a:p>
+            <a:pPr algn="ctr"/>
+            <a:endParaRPr lang="en-US"/>
+          </a:p>
+        </p:txBody>
+      </p:sp>
+      <p:pic>
+        <p:nvPicPr>
+          <p:cNvPr id="17" name="Picture 2">
+            <a:extLst>
+              <a:ext uri="{FF2B5EF4-FFF2-40B4-BE49-F238E27FC236}">
+                <a16:creationId xmlns:a16="http://schemas.microsoft.com/office/drawing/2014/main" id="{A210B7D1-BCB5-430D-B55E-9C83A437595A}"/>
+              </a:ext>
+              <a:ext uri="{C183D7F6-B498-43B3-948B-1728B52AA6E4}">
+                <adec:decorative xmlns:adec="http://schemas.microsoft.com/office/drawing/2017/decorative" val="1"/>
+              </a:ext>
+            </a:extLst>
+          </p:cNvPr>
+          <p:cNvPicPr>
+            <a:picLocks noGrp="1" noRot="1" noChangeAspect="1" noMove="1" noResize="1" noEditPoints="1" noAdjustHandles="1" noChangeArrowheads="1" noChangeShapeType="1" noCrop="1"/>
+          </p:cNvPicPr>
+          <p:nvPr>
+            <p:extLst>
+              <p:ext uri="{386F3935-93C4-4BCD-93E2-E3B085C9AB24}">
+                <p16:designElem xmlns:p16="http://schemas.microsoft.com/office/powerpoint/2015/main" val="1"/>
+              </p:ext>
+            </p:extLst>
+          </p:nvPr>
+        </p:nvPicPr>
+        <p:blipFill>
+          <a:blip r:embed="rId2">
+            <a:alphaModFix/>
+            <a:extLst>
+              <a:ext uri="{28A0092B-C50C-407E-A947-70E740481C1C}">
+                <a14:useLocalDpi xmlns:a14="http://schemas.microsoft.com/office/drawing/2010/main" val="0"/>
+              </a:ext>
+            </a:extLst>
+          </a:blip>
+          <a:srcRect/>
+          <a:stretch>
+            <a:fillRect/>
+          </a:stretch>
+        </p:blipFill>
+        <p:spPr bwMode="auto">
+          <a:xfrm>
+            <a:off x="0" y="-1"/>
+            <a:ext cx="12192003" cy="6858001"/>
+          </a:xfrm>
+          <a:prstGeom prst="rect">
+            <a:avLst/>
+          </a:prstGeom>
+          <a:noFill/>
+          <a:extLst>
+            <a:ext uri="{909E8E84-426E-40DD-AFC4-6F175D3DCCD1}">
+              <a14:hiddenFill xmlns:a14="http://schemas.microsoft.com/office/drawing/2010/main">
+                <a:solidFill>
+                  <a:srgbClr val="FFFFFF"/>
+                </a:solidFill>
+              </a14:hiddenFill>
+            </a:ext>
+          </a:extLst>
+        </p:spPr>
+      </p:pic>
+      <p:pic>
+        <p:nvPicPr>
+          <p:cNvPr id="19" name="Picture 18">
+            <a:extLst>
+              <a:ext uri="{FF2B5EF4-FFF2-40B4-BE49-F238E27FC236}">
+                <a16:creationId xmlns:a16="http://schemas.microsoft.com/office/drawing/2014/main" id="{E46FB406-684D-4F7E-A453-2498C7432E60}"/>
+              </a:ext>
+              <a:ext uri="{C183D7F6-B498-43B3-948B-1728B52AA6E4}">
+                <adec:decorative xmlns:adec="http://schemas.microsoft.com/office/drawing/2017/decorative" val="1"/>
+              </a:ext>
+            </a:extLst>
+          </p:cNvPr>
+          <p:cNvPicPr>
+            <a:picLocks noGrp="1" noRot="1" noChangeAspect="1" noMove="1" noResize="1" noEditPoints="1" noAdjustHandles="1" noChangeArrowheads="1" noChangeShapeType="1" noCrop="1"/>
+          </p:cNvPicPr>
+          <p:nvPr>
+            <p:extLst>
+              <p:ext uri="{386F3935-93C4-4BCD-93E2-E3B085C9AB24}">
+                <p16:designElem xmlns:p16="http://schemas.microsoft.com/office/powerpoint/2015/main" val="1"/>
+              </p:ext>
+            </p:extLst>
+          </p:nvPr>
+        </p:nvPicPr>
+        <p:blipFill>
+          <a:blip r:embed="rId3">
+            <a:extLst>
+              <a:ext uri="{28A0092B-C50C-407E-A947-70E740481C1C}">
+                <a14:useLocalDpi xmlns:a14="http://schemas.microsoft.com/office/drawing/2010/main" val="0"/>
+              </a:ext>
+            </a:extLst>
+          </a:blip>
+          <a:stretch>
+            <a:fillRect/>
+          </a:stretch>
+        </p:blipFill>
+        <p:spPr>
+          <a:xfrm>
+            <a:off x="-2607" y="0"/>
+            <a:ext cx="12192000" cy="6858000"/>
           </a:xfrm>
           <a:prstGeom prst="rect">
             <a:avLst/>
@@ -30465,21 +32359,53 @@
         </p:nvSpPr>
         <p:spPr>
           <a:xfrm>
-            <a:off x="913774" y="-294446"/>
-            <a:ext cx="10364451" cy="1596177"/>
+            <a:off x="742183" y="5368073"/>
+            <a:ext cx="10916365" cy="1137554"/>
           </a:xfrm>
         </p:spPr>
         <p:txBody>
-          <a:bodyPr/>
+          <a:bodyPr vert="horz" lIns="91440" tIns="45720" rIns="91440" bIns="45720" rtlCol="0" anchor="b">
+            <a:normAutofit/>
+          </a:bodyPr>
           <a:lstStyle/>
           <a:p>
             <a:r>
-              <a:rPr lang="en-US" dirty="0"/>
+              <a:rPr lang="en-US" sz="4800" dirty="0"/>
               <a:t>COLUMN DATA ANALYSIS - MANUAL</a:t>
             </a:r>
           </a:p>
         </p:txBody>
       </p:sp>
+      <p:pic>
+        <p:nvPicPr>
+          <p:cNvPr id="3" name="Picture 2">
+            <a:extLst>
+              <a:ext uri="{FF2B5EF4-FFF2-40B4-BE49-F238E27FC236}">
+                <a16:creationId xmlns:a16="http://schemas.microsoft.com/office/drawing/2014/main" id="{31998564-EC9A-424F-9F39-FBE3265DACCD}"/>
+              </a:ext>
+            </a:extLst>
+          </p:cNvPr>
+          <p:cNvPicPr>
+            <a:picLocks noChangeAspect="1"/>
+          </p:cNvPicPr>
+          <p:nvPr/>
+        </p:nvPicPr>
+        <p:blipFill>
+          <a:blip r:embed="rId4"/>
+          <a:stretch>
+            <a:fillRect/>
+          </a:stretch>
+        </p:blipFill>
+        <p:spPr>
+          <a:xfrm>
+            <a:off x="156143" y="202442"/>
+            <a:ext cx="11874500" cy="5334000"/>
+          </a:xfrm>
+          <a:prstGeom prst="rect">
+            <a:avLst/>
+          </a:prstGeom>
+        </p:spPr>
+      </p:pic>
     </p:spTree>
     <p:extLst>
       <p:ext uri="{BB962C8B-B14F-4D97-AF65-F5344CB8AC3E}">
@@ -30494,66 +32420,6 @@
 </file>
 
 <file path=ppt/slides/slide6.xml><?xml version="1.0" encoding="utf-8"?>
-<p:sld xmlns:a="http://schemas.openxmlformats.org/drawingml/2006/main" xmlns:r="http://schemas.openxmlformats.org/officeDocument/2006/relationships" xmlns:p="http://schemas.openxmlformats.org/presentationml/2006/main">
-  <p:cSld>
-    <p:spTree>
-      <p:nvGrpSpPr>
-        <p:cNvPr id="1" name=""/>
-        <p:cNvGrpSpPr/>
-        <p:nvPr/>
-      </p:nvGrpSpPr>
-      <p:grpSpPr>
-        <a:xfrm>
-          <a:off x="0" y="0"/>
-          <a:ext cx="0" cy="0"/>
-          <a:chOff x="0" y="0"/>
-          <a:chExt cx="0" cy="0"/>
-        </a:xfrm>
-      </p:grpSpPr>
-      <p:pic>
-        <p:nvPicPr>
-          <p:cNvPr id="4" name="Picture 3">
-            <a:extLst>
-              <a:ext uri="{FF2B5EF4-FFF2-40B4-BE49-F238E27FC236}">
-                <a16:creationId xmlns:a16="http://schemas.microsoft.com/office/drawing/2014/main" id="{0E7A63FB-0267-C54D-B4FD-0EF7D7C4A2C5}"/>
-              </a:ext>
-            </a:extLst>
-          </p:cNvPr>
-          <p:cNvPicPr>
-            <a:picLocks noChangeAspect="1"/>
-          </p:cNvPicPr>
-          <p:nvPr/>
-        </p:nvPicPr>
-        <p:blipFill>
-          <a:blip r:embed="rId2"/>
-          <a:stretch>
-            <a:fillRect/>
-          </a:stretch>
-        </p:blipFill>
-        <p:spPr>
-          <a:xfrm>
-            <a:off x="0" y="1185721"/>
-            <a:ext cx="12192000" cy="5042274"/>
-          </a:xfrm>
-          <a:prstGeom prst="rect">
-            <a:avLst/>
-          </a:prstGeom>
-        </p:spPr>
-      </p:pic>
-    </p:spTree>
-    <p:extLst>
-      <p:ext uri="{BB962C8B-B14F-4D97-AF65-F5344CB8AC3E}">
-        <p14:creationId xmlns:p14="http://schemas.microsoft.com/office/powerpoint/2010/main" val="3246477683"/>
-      </p:ext>
-    </p:extLst>
-  </p:cSld>
-  <p:clrMapOvr>
-    <a:masterClrMapping/>
-  </p:clrMapOvr>
-</p:sld>
-</file>
-
-<file path=ppt/slides/slide7.xml><?xml version="1.0" encoding="utf-8"?>
 <p:sld xmlns:a="http://schemas.openxmlformats.org/drawingml/2006/main" xmlns:r="http://schemas.openxmlformats.org/officeDocument/2006/relationships" xmlns:p="http://schemas.openxmlformats.org/presentationml/2006/main">
   <p:cSld>
     <p:bg>
@@ -30648,7 +32514,7 @@
             <p:ph idx="1"/>
             <p:extLst>
               <p:ext uri="{D42A27DB-BD31-4B8C-83A1-F6EECF244321}">
-                <p14:modId xmlns:p14="http://schemas.microsoft.com/office/powerpoint/2010/main" val="2830282225"/>
+                <p14:modId xmlns:p14="http://schemas.microsoft.com/office/powerpoint/2010/main" val="2597223362"/>
               </p:ext>
             </p:extLst>
           </p:nvPr>
@@ -30676,7 +32542,7 @@
 </p:sld>
 </file>
 
-<file path=ppt/slides/slide8.xml><?xml version="1.0" encoding="utf-8"?>
+<file path=ppt/slides/slide7.xml><?xml version="1.0" encoding="utf-8"?>
 <p:sld xmlns:a="http://schemas.openxmlformats.org/drawingml/2006/main" xmlns:r="http://schemas.openxmlformats.org/officeDocument/2006/relationships" xmlns:p="http://schemas.openxmlformats.org/presentationml/2006/main">
   <p:cSld>
     <p:spTree>
@@ -30745,7 +32611,7 @@
             <p:ph idx="1"/>
             <p:extLst>
               <p:ext uri="{D42A27DB-BD31-4B8C-83A1-F6EECF244321}">
-                <p14:modId xmlns:p14="http://schemas.microsoft.com/office/powerpoint/2010/main" val="2020916019"/>
+                <p14:modId xmlns:p14="http://schemas.microsoft.com/office/powerpoint/2010/main" val="1950496353"/>
               </p:ext>
             </p:extLst>
           </p:nvPr>
@@ -30773,7 +32639,7 @@
 </p:sld>
 </file>
 
-<file path=ppt/slides/slide9.xml><?xml version="1.0" encoding="utf-8"?>
+<file path=ppt/slides/slide8.xml><?xml version="1.0" encoding="utf-8"?>
 <p:sld xmlns:a="http://schemas.openxmlformats.org/drawingml/2006/main" xmlns:r="http://schemas.openxmlformats.org/officeDocument/2006/relationships" xmlns:p="http://schemas.openxmlformats.org/presentationml/2006/main">
   <p:cSld>
     <p:spTree>
@@ -30842,7 +32708,7 @@
             <p:ph idx="1"/>
             <p:extLst>
               <p:ext uri="{D42A27DB-BD31-4B8C-83A1-F6EECF244321}">
-                <p14:modId xmlns:p14="http://schemas.microsoft.com/office/powerpoint/2010/main" val="3680664283"/>
+                <p14:modId xmlns:p14="http://schemas.microsoft.com/office/powerpoint/2010/main" val="1686194580"/>
               </p:ext>
             </p:extLst>
           </p:nvPr>
@@ -30861,6 +32727,335 @@
     <p:extLst>
       <p:ext uri="{BB962C8B-B14F-4D97-AF65-F5344CB8AC3E}">
         <p14:creationId xmlns:p14="http://schemas.microsoft.com/office/powerpoint/2010/main" val="1718026108"/>
+      </p:ext>
+    </p:extLst>
+  </p:cSld>
+  <p:clrMapOvr>
+    <a:masterClrMapping/>
+  </p:clrMapOvr>
+</p:sld>
+</file>
+
+<file path=ppt/slides/slide9.xml><?xml version="1.0" encoding="utf-8"?>
+<p:sld xmlns:a="http://schemas.openxmlformats.org/drawingml/2006/main" xmlns:r="http://schemas.openxmlformats.org/officeDocument/2006/relationships" xmlns:p="http://schemas.openxmlformats.org/presentationml/2006/main">
+  <p:cSld>
+    <p:spTree>
+      <p:nvGrpSpPr>
+        <p:cNvPr id="1" name=""/>
+        <p:cNvGrpSpPr/>
+        <p:nvPr/>
+      </p:nvGrpSpPr>
+      <p:grpSpPr>
+        <a:xfrm>
+          <a:off x="0" y="0"/>
+          <a:ext cx="0" cy="0"/>
+          <a:chOff x="0" y="0"/>
+          <a:chExt cx="0" cy="0"/>
+        </a:xfrm>
+      </p:grpSpPr>
+      <p:sp>
+        <p:nvSpPr>
+          <p:cNvPr id="2" name="Title 1">
+            <a:extLst>
+              <a:ext uri="{FF2B5EF4-FFF2-40B4-BE49-F238E27FC236}">
+                <a16:creationId xmlns:a16="http://schemas.microsoft.com/office/drawing/2014/main" id="{3F7E14FC-512D-9B42-8CD5-94B4C8DDE8AB}"/>
+              </a:ext>
+            </a:extLst>
+          </p:cNvPr>
+          <p:cNvSpPr>
+            <a:spLocks noGrp="1"/>
+          </p:cNvSpPr>
+          <p:nvPr>
+            <p:ph type="title"/>
+          </p:nvPr>
+        </p:nvSpPr>
+        <p:spPr>
+          <a:xfrm>
+            <a:off x="913774" y="0"/>
+            <a:ext cx="10364451" cy="1596177"/>
+          </a:xfrm>
+        </p:spPr>
+        <p:txBody>
+          <a:bodyPr/>
+          <a:lstStyle/>
+          <a:p>
+            <a:r>
+              <a:rPr lang="en-US" dirty="0"/>
+              <a:t>number of rooms Vs sales price</a:t>
+            </a:r>
+          </a:p>
+        </p:txBody>
+      </p:sp>
+      <p:sp>
+        <p:nvSpPr>
+          <p:cNvPr id="6" name="TextBox 5">
+            <a:extLst>
+              <a:ext uri="{FF2B5EF4-FFF2-40B4-BE49-F238E27FC236}">
+                <a16:creationId xmlns:a16="http://schemas.microsoft.com/office/drawing/2014/main" id="{F2A50264-2E65-0F41-AFBA-DA3B8E5A4F5D}"/>
+              </a:ext>
+            </a:extLst>
+          </p:cNvPr>
+          <p:cNvSpPr txBox="1"/>
+          <p:nvPr/>
+        </p:nvSpPr>
+        <p:spPr>
+          <a:xfrm>
+            <a:off x="7971762" y="1321999"/>
+            <a:ext cx="3616657" cy="1477328"/>
+          </a:xfrm>
+          <a:prstGeom prst="rect">
+            <a:avLst/>
+          </a:prstGeom>
+          <a:noFill/>
+        </p:spPr>
+        <p:txBody>
+          <a:bodyPr wrap="square" rtlCol="0">
+            <a:spAutoFit/>
+          </a:bodyPr>
+          <a:lstStyle/>
+          <a:p>
+            <a:r>
+              <a:rPr lang="en-US" dirty="0"/>
+              <a:t>There is a general upward trend in sales price as the number of rooms increase.  However, note that properties with &gt;12 rooms have very few data points.</a:t>
+            </a:r>
+          </a:p>
+        </p:txBody>
+      </p:sp>
+      <p:pic>
+        <p:nvPicPr>
+          <p:cNvPr id="7" name="Picture 6">
+            <a:extLst>
+              <a:ext uri="{FF2B5EF4-FFF2-40B4-BE49-F238E27FC236}">
+                <a16:creationId xmlns:a16="http://schemas.microsoft.com/office/drawing/2014/main" id="{F219CED8-CD6B-804C-8AB9-2012D3C96678}"/>
+              </a:ext>
+            </a:extLst>
+          </p:cNvPr>
+          <p:cNvPicPr>
+            <a:picLocks noChangeAspect="1"/>
+          </p:cNvPicPr>
+          <p:nvPr/>
+        </p:nvPicPr>
+        <p:blipFill>
+          <a:blip r:embed="rId2"/>
+          <a:stretch>
+            <a:fillRect/>
+          </a:stretch>
+        </p:blipFill>
+        <p:spPr>
+          <a:xfrm>
+            <a:off x="7629859" y="3122400"/>
+            <a:ext cx="4300464" cy="2911083"/>
+          </a:xfrm>
+          <a:prstGeom prst="rect">
+            <a:avLst/>
+          </a:prstGeom>
+        </p:spPr>
+      </p:pic>
+      <p:pic>
+        <p:nvPicPr>
+          <p:cNvPr id="8" name="Picture 7">
+            <a:extLst>
+              <a:ext uri="{FF2B5EF4-FFF2-40B4-BE49-F238E27FC236}">
+                <a16:creationId xmlns:a16="http://schemas.microsoft.com/office/drawing/2014/main" id="{5399A005-0079-9543-95AF-DC82B46DFFBC}"/>
+              </a:ext>
+            </a:extLst>
+          </p:cNvPr>
+          <p:cNvPicPr>
+            <a:picLocks noChangeAspect="1"/>
+          </p:cNvPicPr>
+          <p:nvPr/>
+        </p:nvPicPr>
+        <p:blipFill>
+          <a:blip r:embed="rId3"/>
+          <a:stretch>
+            <a:fillRect/>
+          </a:stretch>
+        </p:blipFill>
+        <p:spPr>
+          <a:xfrm>
+            <a:off x="261677" y="1321999"/>
+            <a:ext cx="7155788" cy="4711484"/>
+          </a:xfrm>
+          <a:prstGeom prst="rect">
+            <a:avLst/>
+          </a:prstGeom>
+        </p:spPr>
+      </p:pic>
+      <p:sp>
+        <p:nvSpPr>
+          <p:cNvPr id="9" name="Oval 8">
+            <a:extLst>
+              <a:ext uri="{FF2B5EF4-FFF2-40B4-BE49-F238E27FC236}">
+                <a16:creationId xmlns:a16="http://schemas.microsoft.com/office/drawing/2014/main" id="{3AF8F801-1CBE-C743-B614-8EF77AD5C842}"/>
+              </a:ext>
+            </a:extLst>
+          </p:cNvPr>
+          <p:cNvSpPr/>
+          <p:nvPr/>
+        </p:nvSpPr>
+        <p:spPr>
+          <a:xfrm>
+            <a:off x="5349922" y="4121624"/>
+            <a:ext cx="900753" cy="723331"/>
+          </a:xfrm>
+          <a:prstGeom prst="ellipse">
+            <a:avLst/>
+          </a:prstGeom>
+          <a:noFill/>
+          <a:ln w="28575">
+            <a:solidFill>
+              <a:srgbClr val="FF0000"/>
+            </a:solidFill>
+          </a:ln>
+        </p:spPr>
+        <p:style>
+          <a:lnRef idx="2">
+            <a:schemeClr val="accent1">
+              <a:shade val="50000"/>
+            </a:schemeClr>
+          </a:lnRef>
+          <a:fillRef idx="1">
+            <a:schemeClr val="accent1"/>
+          </a:fillRef>
+          <a:effectRef idx="0">
+            <a:schemeClr val="accent1"/>
+          </a:effectRef>
+          <a:fontRef idx="minor">
+            <a:schemeClr val="lt1"/>
+          </a:fontRef>
+        </p:style>
+        <p:txBody>
+          <a:bodyPr rtlCol="0" anchor="ctr"/>
+          <a:lstStyle/>
+          <a:p>
+            <a:pPr algn="ctr"/>
+            <a:endParaRPr lang="en-US"/>
+          </a:p>
+        </p:txBody>
+      </p:sp>
+      <p:sp>
+        <p:nvSpPr>
+          <p:cNvPr id="10" name="TextBox 9">
+            <a:extLst>
+              <a:ext uri="{FF2B5EF4-FFF2-40B4-BE49-F238E27FC236}">
+                <a16:creationId xmlns:a16="http://schemas.microsoft.com/office/drawing/2014/main" id="{5BB82267-21BA-9B47-99AF-07CF42A23A0B}"/>
+              </a:ext>
+            </a:extLst>
+          </p:cNvPr>
+          <p:cNvSpPr txBox="1"/>
+          <p:nvPr/>
+        </p:nvSpPr>
+        <p:spPr>
+          <a:xfrm>
+            <a:off x="5015553" y="6073749"/>
+            <a:ext cx="1569492" cy="369332"/>
+          </a:xfrm>
+          <a:prstGeom prst="rect">
+            <a:avLst/>
+          </a:prstGeom>
+          <a:noFill/>
+        </p:spPr>
+        <p:txBody>
+          <a:bodyPr wrap="square" rtlCol="0">
+            <a:spAutoFit/>
+          </a:bodyPr>
+          <a:lstStyle/>
+          <a:p>
+            <a:r>
+              <a:rPr lang="en-US" dirty="0">
+                <a:solidFill>
+                  <a:srgbClr val="FF0000"/>
+                </a:solidFill>
+              </a:rPr>
+              <a:t>What’s this?</a:t>
+            </a:r>
+          </a:p>
+        </p:txBody>
+      </p:sp>
+      <p:cxnSp>
+        <p:nvCxnSpPr>
+          <p:cNvPr id="12" name="Straight Arrow Connector 11">
+            <a:extLst>
+              <a:ext uri="{FF2B5EF4-FFF2-40B4-BE49-F238E27FC236}">
+                <a16:creationId xmlns:a16="http://schemas.microsoft.com/office/drawing/2014/main" id="{11AE2565-3690-1C4F-9F9D-3A4A33C8D30D}"/>
+              </a:ext>
+            </a:extLst>
+          </p:cNvPr>
+          <p:cNvCxnSpPr>
+            <a:cxnSpLocks/>
+            <a:stCxn id="10" idx="0"/>
+            <a:endCxn id="9" idx="4"/>
+          </p:cNvCxnSpPr>
+          <p:nvPr/>
+        </p:nvCxnSpPr>
+        <p:spPr>
+          <a:xfrm flipV="1">
+            <a:off x="5800299" y="4844955"/>
+            <a:ext cx="0" cy="1228794"/>
+          </a:xfrm>
+          <a:prstGeom prst="straightConnector1">
+            <a:avLst/>
+          </a:prstGeom>
+          <a:ln>
+            <a:solidFill>
+              <a:srgbClr val="FF0000"/>
+            </a:solidFill>
+            <a:tailEnd type="triangle"/>
+          </a:ln>
+        </p:spPr>
+        <p:style>
+          <a:lnRef idx="1">
+            <a:schemeClr val="accent1"/>
+          </a:lnRef>
+          <a:fillRef idx="0">
+            <a:schemeClr val="accent1"/>
+          </a:fillRef>
+          <a:effectRef idx="0">
+            <a:schemeClr val="accent1"/>
+          </a:effectRef>
+          <a:fontRef idx="minor">
+            <a:schemeClr val="tx1"/>
+          </a:fontRef>
+        </p:style>
+      </p:cxnSp>
+      <p:sp>
+        <p:nvSpPr>
+          <p:cNvPr id="16" name="Rectangle 15">
+            <a:extLst>
+              <a:ext uri="{FF2B5EF4-FFF2-40B4-BE49-F238E27FC236}">
+                <a16:creationId xmlns:a16="http://schemas.microsoft.com/office/drawing/2014/main" id="{73933342-F069-8742-A628-4E165E652061}"/>
+              </a:ext>
+            </a:extLst>
+          </p:cNvPr>
+          <p:cNvSpPr/>
+          <p:nvPr/>
+        </p:nvSpPr>
+        <p:spPr>
+          <a:xfrm>
+            <a:off x="2504371" y="6443081"/>
+            <a:ext cx="8161348" cy="369332"/>
+          </a:xfrm>
+          <a:prstGeom prst="rect">
+            <a:avLst/>
+          </a:prstGeom>
+        </p:spPr>
+        <p:txBody>
+          <a:bodyPr wrap="square">
+            <a:spAutoFit/>
+          </a:bodyPr>
+          <a:lstStyle/>
+          <a:p>
+            <a:r>
+              <a:rPr lang="en-US" dirty="0"/>
+              <a:t>Problem Statement: Understand How number of rooms impact sales price on home sales </a:t>
+            </a:r>
+          </a:p>
+        </p:txBody>
+      </p:sp>
+    </p:spTree>
+    <p:extLst>
+      <p:ext uri="{BB962C8B-B14F-4D97-AF65-F5344CB8AC3E}">
+        <p14:creationId xmlns:p14="http://schemas.microsoft.com/office/powerpoint/2010/main" val="1387192950"/>
       </p:ext>
     </p:extLst>
   </p:cSld>
